--- a/Presentation1.pptx
+++ b/Presentation1.pptx
@@ -9,6 +9,10 @@
     <p:sldId id="262" r:id="rId3"/>
     <p:sldId id="257" r:id="rId4"/>
     <p:sldId id="260" r:id="rId5"/>
+    <p:sldId id="265" r:id="rId6"/>
+    <p:sldId id="261" r:id="rId7"/>
+    <p:sldId id="264" r:id="rId8"/>
+    <p:sldId id="263" r:id="rId9"/>
   </p:sldIdLst>
   <p:sldSz cx="12192000" cy="6858000"/>
   <p:notesSz cx="6858000" cy="9144000"/>
@@ -113,6 +117,6789 @@
     </p:ext>
   </p:extLst>
 </p:presentation>
+</file>
+
+<file path=ppt/charts/chart1.xml><?xml version="1.0" encoding="utf-8"?>
+<c:chartSpace xmlns:c="http://schemas.openxmlformats.org/drawingml/2006/chart" xmlns:a="http://schemas.openxmlformats.org/drawingml/2006/main" xmlns:r="http://schemas.openxmlformats.org/officeDocument/2006/relationships" xmlns:c16r2="http://schemas.microsoft.com/office/drawing/2015/06/chart">
+  <c:date1904 val="0"/>
+  <c:lang val="en-US"/>
+  <c:roundedCorners val="0"/>
+  <mc:AlternateContent xmlns:mc="http://schemas.openxmlformats.org/markup-compatibility/2006">
+    <mc:Choice xmlns:c14="http://schemas.microsoft.com/office/drawing/2007/8/2/chart" Requires="c14">
+      <c14:style val="102"/>
+    </mc:Choice>
+    <mc:Fallback>
+      <c:style val="2"/>
+    </mc:Fallback>
+  </mc:AlternateContent>
+  <c:pivotSource>
+    <c:name>[RoughCBL (external) recon2.xlsx]Graphs!PivotTable6</c:name>
+    <c:fmtId val="7"/>
+  </c:pivotSource>
+  <c:chart>
+    <c:autoTitleDeleted val="0"/>
+    <c:pivotFmts>
+      <c:pivotFmt>
+        <c:idx val="0"/>
+      </c:pivotFmt>
+      <c:pivotFmt>
+        <c:idx val="1"/>
+      </c:pivotFmt>
+      <c:pivotFmt>
+        <c:idx val="2"/>
+      </c:pivotFmt>
+      <c:pivotFmt>
+        <c:idx val="3"/>
+      </c:pivotFmt>
+      <c:pivotFmt>
+        <c:idx val="4"/>
+      </c:pivotFmt>
+      <c:pivotFmt>
+        <c:idx val="5"/>
+      </c:pivotFmt>
+      <c:pivotFmt>
+        <c:idx val="6"/>
+      </c:pivotFmt>
+      <c:pivotFmt>
+        <c:idx val="7"/>
+      </c:pivotFmt>
+      <c:pivotFmt>
+        <c:idx val="8"/>
+      </c:pivotFmt>
+      <c:pivotFmt>
+        <c:idx val="9"/>
+      </c:pivotFmt>
+      <c:pivotFmt>
+        <c:idx val="10"/>
+      </c:pivotFmt>
+      <c:pivotFmt>
+        <c:idx val="11"/>
+      </c:pivotFmt>
+      <c:pivotFmt>
+        <c:idx val="12"/>
+      </c:pivotFmt>
+      <c:pivotFmt>
+        <c:idx val="13"/>
+      </c:pivotFmt>
+      <c:pivotFmt>
+        <c:idx val="14"/>
+      </c:pivotFmt>
+      <c:pivotFmt>
+        <c:idx val="15"/>
+      </c:pivotFmt>
+      <c:pivotFmt>
+        <c:idx val="16"/>
+      </c:pivotFmt>
+      <c:pivotFmt>
+        <c:idx val="17"/>
+        <c:spPr>
+          <a:solidFill>
+            <a:schemeClr val="accent1"/>
+          </a:solidFill>
+          <a:ln w="38100" cap="flat" cmpd="dbl" algn="ctr">
+            <a:solidFill>
+              <a:schemeClr val="accent1"/>
+            </a:solidFill>
+            <a:miter lim="800000"/>
+          </a:ln>
+          <a:effectLst/>
+        </c:spPr>
+        <c:marker>
+          <c:symbol val="circle"/>
+          <c:size val="6"/>
+          <c:spPr>
+            <a:solidFill>
+              <a:schemeClr val="accent1"/>
+            </a:solidFill>
+            <a:ln w="9525" cap="flat" cmpd="sng" algn="ctr">
+              <a:solidFill>
+                <a:schemeClr val="lt1"/>
+              </a:solidFill>
+              <a:round/>
+            </a:ln>
+            <a:effectLst/>
+          </c:spPr>
+        </c:marker>
+        <c:dLbl>
+          <c:idx val="0"/>
+          <c:spPr>
+            <a:noFill/>
+            <a:ln>
+              <a:noFill/>
+            </a:ln>
+            <a:effectLst/>
+          </c:spPr>
+          <c:txPr>
+            <a:bodyPr rot="0" spcFirstLastPara="1" vertOverflow="ellipsis" vert="horz" wrap="square" lIns="38100" tIns="19050" rIns="38100" bIns="19050" anchor="ctr" anchorCtr="1">
+              <a:spAutoFit/>
+            </a:bodyPr>
+            <a:lstStyle/>
+            <a:p>
+              <a:pPr>
+                <a:defRPr sz="900" b="0" i="0" u="none" strike="noStrike" kern="1200" baseline="0">
+                  <a:solidFill>
+                    <a:schemeClr val="tx1">
+                      <a:lumMod val="75000"/>
+                      <a:lumOff val="25000"/>
+                    </a:schemeClr>
+                  </a:solidFill>
+                  <a:latin typeface="+mn-lt"/>
+                  <a:ea typeface="+mn-ea"/>
+                  <a:cs typeface="+mn-cs"/>
+                </a:defRPr>
+              </a:pPr>
+              <a:endParaRPr lang="en-US"/>
+            </a:p>
+          </c:txPr>
+          <c:showLegendKey val="0"/>
+          <c:showVal val="0"/>
+          <c:showCatName val="0"/>
+          <c:showSerName val="0"/>
+          <c:showPercent val="0"/>
+          <c:showBubbleSize val="0"/>
+          <c:extLst>
+            <c:ext xmlns:c15="http://schemas.microsoft.com/office/drawing/2012/chart" uri="{CE6537A1-D6FC-4f65-9D91-7224C49458BB}"/>
+          </c:extLst>
+        </c:dLbl>
+      </c:pivotFmt>
+      <c:pivotFmt>
+        <c:idx val="18"/>
+        <c:spPr>
+          <a:solidFill>
+            <a:schemeClr val="accent1"/>
+          </a:solidFill>
+          <a:ln w="38100" cap="flat" cmpd="dbl" algn="ctr">
+            <a:solidFill>
+              <a:schemeClr val="accent1"/>
+            </a:solidFill>
+            <a:miter lim="800000"/>
+          </a:ln>
+          <a:effectLst/>
+        </c:spPr>
+        <c:marker>
+          <c:symbol val="circle"/>
+          <c:size val="6"/>
+          <c:spPr>
+            <a:solidFill>
+              <a:schemeClr val="accent2"/>
+            </a:solidFill>
+            <a:ln w="9525" cap="flat" cmpd="sng" algn="ctr">
+              <a:solidFill>
+                <a:schemeClr val="lt1"/>
+              </a:solidFill>
+              <a:round/>
+            </a:ln>
+            <a:effectLst/>
+          </c:spPr>
+        </c:marker>
+        <c:dLbl>
+          <c:idx val="0"/>
+          <c:spPr>
+            <a:noFill/>
+            <a:ln>
+              <a:noFill/>
+            </a:ln>
+            <a:effectLst/>
+          </c:spPr>
+          <c:txPr>
+            <a:bodyPr rot="0" spcFirstLastPara="1" vertOverflow="ellipsis" vert="horz" wrap="square" lIns="38100" tIns="19050" rIns="38100" bIns="19050" anchor="ctr" anchorCtr="1">
+              <a:spAutoFit/>
+            </a:bodyPr>
+            <a:lstStyle/>
+            <a:p>
+              <a:pPr>
+                <a:defRPr sz="900" b="0" i="0" u="none" strike="noStrike" kern="1200" baseline="0">
+                  <a:solidFill>
+                    <a:schemeClr val="tx1">
+                      <a:lumMod val="75000"/>
+                      <a:lumOff val="25000"/>
+                    </a:schemeClr>
+                  </a:solidFill>
+                  <a:latin typeface="+mn-lt"/>
+                  <a:ea typeface="+mn-ea"/>
+                  <a:cs typeface="+mn-cs"/>
+                </a:defRPr>
+              </a:pPr>
+              <a:endParaRPr lang="en-US"/>
+            </a:p>
+          </c:txPr>
+          <c:showLegendKey val="0"/>
+          <c:showVal val="0"/>
+          <c:showCatName val="0"/>
+          <c:showSerName val="0"/>
+          <c:showPercent val="0"/>
+          <c:showBubbleSize val="0"/>
+          <c:extLst>
+            <c:ext xmlns:c15="http://schemas.microsoft.com/office/drawing/2012/chart" uri="{CE6537A1-D6FC-4f65-9D91-7224C49458BB}"/>
+          </c:extLst>
+        </c:dLbl>
+      </c:pivotFmt>
+      <c:pivotFmt>
+        <c:idx val="19"/>
+        <c:spPr>
+          <a:solidFill>
+            <a:schemeClr val="accent1"/>
+          </a:solidFill>
+          <a:ln w="38100" cap="flat" cmpd="dbl" algn="ctr">
+            <a:solidFill>
+              <a:schemeClr val="accent1"/>
+            </a:solidFill>
+            <a:miter lim="800000"/>
+          </a:ln>
+          <a:effectLst/>
+        </c:spPr>
+        <c:marker>
+          <c:symbol val="circle"/>
+          <c:size val="6"/>
+          <c:spPr>
+            <a:solidFill>
+              <a:schemeClr val="accent3"/>
+            </a:solidFill>
+            <a:ln w="9525" cap="flat" cmpd="sng" algn="ctr">
+              <a:solidFill>
+                <a:schemeClr val="lt1"/>
+              </a:solidFill>
+              <a:round/>
+            </a:ln>
+            <a:effectLst/>
+          </c:spPr>
+        </c:marker>
+        <c:dLbl>
+          <c:idx val="0"/>
+          <c:spPr>
+            <a:noFill/>
+            <a:ln>
+              <a:noFill/>
+            </a:ln>
+            <a:effectLst/>
+          </c:spPr>
+          <c:txPr>
+            <a:bodyPr rot="0" spcFirstLastPara="1" vertOverflow="ellipsis" vert="horz" wrap="square" lIns="38100" tIns="19050" rIns="38100" bIns="19050" anchor="ctr" anchorCtr="1">
+              <a:spAutoFit/>
+            </a:bodyPr>
+            <a:lstStyle/>
+            <a:p>
+              <a:pPr>
+                <a:defRPr sz="900" b="0" i="0" u="none" strike="noStrike" kern="1200" baseline="0">
+                  <a:solidFill>
+                    <a:schemeClr val="tx1">
+                      <a:lumMod val="75000"/>
+                      <a:lumOff val="25000"/>
+                    </a:schemeClr>
+                  </a:solidFill>
+                  <a:latin typeface="+mn-lt"/>
+                  <a:ea typeface="+mn-ea"/>
+                  <a:cs typeface="+mn-cs"/>
+                </a:defRPr>
+              </a:pPr>
+              <a:endParaRPr lang="en-US"/>
+            </a:p>
+          </c:txPr>
+          <c:showLegendKey val="0"/>
+          <c:showVal val="0"/>
+          <c:showCatName val="0"/>
+          <c:showSerName val="0"/>
+          <c:showPercent val="0"/>
+          <c:showBubbleSize val="0"/>
+          <c:extLst>
+            <c:ext xmlns:c15="http://schemas.microsoft.com/office/drawing/2012/chart" uri="{CE6537A1-D6FC-4f65-9D91-7224C49458BB}"/>
+          </c:extLst>
+        </c:dLbl>
+      </c:pivotFmt>
+      <c:pivotFmt>
+        <c:idx val="20"/>
+        <c:spPr>
+          <a:solidFill>
+            <a:schemeClr val="accent1"/>
+          </a:solidFill>
+          <a:ln w="38100" cap="flat" cmpd="dbl" algn="ctr">
+            <a:solidFill>
+              <a:schemeClr val="accent1"/>
+            </a:solidFill>
+            <a:miter lim="800000"/>
+          </a:ln>
+          <a:effectLst/>
+        </c:spPr>
+        <c:marker>
+          <c:symbol val="circle"/>
+          <c:size val="6"/>
+          <c:spPr>
+            <a:solidFill>
+              <a:schemeClr val="accent4"/>
+            </a:solidFill>
+            <a:ln w="9525" cap="flat" cmpd="sng" algn="ctr">
+              <a:solidFill>
+                <a:schemeClr val="lt1"/>
+              </a:solidFill>
+              <a:round/>
+            </a:ln>
+            <a:effectLst/>
+          </c:spPr>
+        </c:marker>
+        <c:dLbl>
+          <c:idx val="0"/>
+          <c:spPr>
+            <a:noFill/>
+            <a:ln>
+              <a:noFill/>
+            </a:ln>
+            <a:effectLst/>
+          </c:spPr>
+          <c:txPr>
+            <a:bodyPr rot="0" spcFirstLastPara="1" vertOverflow="ellipsis" vert="horz" wrap="square" lIns="38100" tIns="19050" rIns="38100" bIns="19050" anchor="ctr" anchorCtr="1">
+              <a:spAutoFit/>
+            </a:bodyPr>
+            <a:lstStyle/>
+            <a:p>
+              <a:pPr>
+                <a:defRPr sz="900" b="0" i="0" u="none" strike="noStrike" kern="1200" baseline="0">
+                  <a:solidFill>
+                    <a:schemeClr val="tx1">
+                      <a:lumMod val="75000"/>
+                      <a:lumOff val="25000"/>
+                    </a:schemeClr>
+                  </a:solidFill>
+                  <a:latin typeface="+mn-lt"/>
+                  <a:ea typeface="+mn-ea"/>
+                  <a:cs typeface="+mn-cs"/>
+                </a:defRPr>
+              </a:pPr>
+              <a:endParaRPr lang="en-US"/>
+            </a:p>
+          </c:txPr>
+          <c:showLegendKey val="0"/>
+          <c:showVal val="0"/>
+          <c:showCatName val="0"/>
+          <c:showSerName val="0"/>
+          <c:showPercent val="0"/>
+          <c:showBubbleSize val="0"/>
+          <c:extLst>
+            <c:ext xmlns:c15="http://schemas.microsoft.com/office/drawing/2012/chart" uri="{CE6537A1-D6FC-4f65-9D91-7224C49458BB}"/>
+          </c:extLst>
+        </c:dLbl>
+      </c:pivotFmt>
+      <c:pivotFmt>
+        <c:idx val="21"/>
+        <c:spPr>
+          <a:solidFill>
+            <a:schemeClr val="accent1"/>
+          </a:solidFill>
+          <a:ln w="38100" cap="flat" cmpd="dbl" algn="ctr">
+            <a:solidFill>
+              <a:schemeClr val="accent1"/>
+            </a:solidFill>
+            <a:miter lim="800000"/>
+          </a:ln>
+          <a:effectLst/>
+        </c:spPr>
+        <c:marker>
+          <c:symbol val="circle"/>
+          <c:size val="6"/>
+          <c:spPr>
+            <a:solidFill>
+              <a:schemeClr val="accent5"/>
+            </a:solidFill>
+            <a:ln w="9525" cap="flat" cmpd="sng" algn="ctr">
+              <a:solidFill>
+                <a:schemeClr val="lt1"/>
+              </a:solidFill>
+              <a:round/>
+            </a:ln>
+            <a:effectLst/>
+          </c:spPr>
+        </c:marker>
+        <c:dLbl>
+          <c:idx val="0"/>
+          <c:spPr>
+            <a:noFill/>
+            <a:ln>
+              <a:noFill/>
+            </a:ln>
+            <a:effectLst/>
+          </c:spPr>
+          <c:txPr>
+            <a:bodyPr rot="0" spcFirstLastPara="1" vertOverflow="ellipsis" vert="horz" wrap="square" lIns="38100" tIns="19050" rIns="38100" bIns="19050" anchor="ctr" anchorCtr="1">
+              <a:spAutoFit/>
+            </a:bodyPr>
+            <a:lstStyle/>
+            <a:p>
+              <a:pPr>
+                <a:defRPr sz="900" b="0" i="0" u="none" strike="noStrike" kern="1200" baseline="0">
+                  <a:solidFill>
+                    <a:schemeClr val="tx1">
+                      <a:lumMod val="75000"/>
+                      <a:lumOff val="25000"/>
+                    </a:schemeClr>
+                  </a:solidFill>
+                  <a:latin typeface="+mn-lt"/>
+                  <a:ea typeface="+mn-ea"/>
+                  <a:cs typeface="+mn-cs"/>
+                </a:defRPr>
+              </a:pPr>
+              <a:endParaRPr lang="en-US"/>
+            </a:p>
+          </c:txPr>
+          <c:showLegendKey val="0"/>
+          <c:showVal val="0"/>
+          <c:showCatName val="0"/>
+          <c:showSerName val="0"/>
+          <c:showPercent val="0"/>
+          <c:showBubbleSize val="0"/>
+          <c:extLst>
+            <c:ext xmlns:c15="http://schemas.microsoft.com/office/drawing/2012/chart" uri="{CE6537A1-D6FC-4f65-9D91-7224C49458BB}"/>
+          </c:extLst>
+        </c:dLbl>
+      </c:pivotFmt>
+      <c:pivotFmt>
+        <c:idx val="22"/>
+        <c:spPr>
+          <a:solidFill>
+            <a:schemeClr val="accent1"/>
+          </a:solidFill>
+          <a:ln w="38100" cap="flat" cmpd="dbl" algn="ctr">
+            <a:solidFill>
+              <a:schemeClr val="accent1"/>
+            </a:solidFill>
+            <a:miter lim="800000"/>
+          </a:ln>
+          <a:effectLst/>
+        </c:spPr>
+        <c:marker>
+          <c:symbol val="circle"/>
+          <c:size val="6"/>
+          <c:spPr>
+            <a:solidFill>
+              <a:schemeClr val="accent6"/>
+            </a:solidFill>
+            <a:ln w="9525" cap="flat" cmpd="sng" algn="ctr">
+              <a:solidFill>
+                <a:schemeClr val="lt1"/>
+              </a:solidFill>
+              <a:round/>
+            </a:ln>
+            <a:effectLst/>
+          </c:spPr>
+        </c:marker>
+        <c:dLbl>
+          <c:idx val="0"/>
+          <c:spPr>
+            <a:noFill/>
+            <a:ln>
+              <a:noFill/>
+            </a:ln>
+            <a:effectLst/>
+          </c:spPr>
+          <c:txPr>
+            <a:bodyPr rot="0" spcFirstLastPara="1" vertOverflow="ellipsis" vert="horz" wrap="square" lIns="38100" tIns="19050" rIns="38100" bIns="19050" anchor="ctr" anchorCtr="1">
+              <a:spAutoFit/>
+            </a:bodyPr>
+            <a:lstStyle/>
+            <a:p>
+              <a:pPr>
+                <a:defRPr sz="900" b="0" i="0" u="none" strike="noStrike" kern="1200" baseline="0">
+                  <a:solidFill>
+                    <a:schemeClr val="tx1">
+                      <a:lumMod val="75000"/>
+                      <a:lumOff val="25000"/>
+                    </a:schemeClr>
+                  </a:solidFill>
+                  <a:latin typeface="+mn-lt"/>
+                  <a:ea typeface="+mn-ea"/>
+                  <a:cs typeface="+mn-cs"/>
+                </a:defRPr>
+              </a:pPr>
+              <a:endParaRPr lang="en-US"/>
+            </a:p>
+          </c:txPr>
+          <c:showLegendKey val="0"/>
+          <c:showVal val="0"/>
+          <c:showCatName val="0"/>
+          <c:showSerName val="0"/>
+          <c:showPercent val="0"/>
+          <c:showBubbleSize val="0"/>
+          <c:extLst>
+            <c:ext xmlns:c15="http://schemas.microsoft.com/office/drawing/2012/chart" uri="{CE6537A1-D6FC-4f65-9D91-7224C49458BB}"/>
+          </c:extLst>
+        </c:dLbl>
+      </c:pivotFmt>
+      <c:pivotFmt>
+        <c:idx val="23"/>
+        <c:spPr>
+          <a:solidFill>
+            <a:schemeClr val="accent1"/>
+          </a:solidFill>
+          <a:ln w="38100" cap="flat" cmpd="dbl" algn="ctr">
+            <a:solidFill>
+              <a:schemeClr val="accent1"/>
+            </a:solidFill>
+            <a:miter lim="800000"/>
+          </a:ln>
+          <a:effectLst/>
+        </c:spPr>
+        <c:marker>
+          <c:symbol val="circle"/>
+          <c:size val="6"/>
+          <c:spPr>
+            <a:solidFill>
+              <a:schemeClr val="accent1">
+                <a:lumMod val="60000"/>
+              </a:schemeClr>
+            </a:solidFill>
+            <a:ln w="9525" cap="flat" cmpd="sng" algn="ctr">
+              <a:solidFill>
+                <a:schemeClr val="lt1"/>
+              </a:solidFill>
+              <a:round/>
+            </a:ln>
+            <a:effectLst/>
+          </c:spPr>
+        </c:marker>
+        <c:dLbl>
+          <c:idx val="0"/>
+          <c:spPr>
+            <a:noFill/>
+            <a:ln>
+              <a:noFill/>
+            </a:ln>
+            <a:effectLst/>
+          </c:spPr>
+          <c:txPr>
+            <a:bodyPr rot="0" spcFirstLastPara="1" vertOverflow="ellipsis" vert="horz" wrap="square" lIns="38100" tIns="19050" rIns="38100" bIns="19050" anchor="ctr" anchorCtr="1">
+              <a:spAutoFit/>
+            </a:bodyPr>
+            <a:lstStyle/>
+            <a:p>
+              <a:pPr>
+                <a:defRPr sz="900" b="0" i="0" u="none" strike="noStrike" kern="1200" baseline="0">
+                  <a:solidFill>
+                    <a:schemeClr val="tx1">
+                      <a:lumMod val="75000"/>
+                      <a:lumOff val="25000"/>
+                    </a:schemeClr>
+                  </a:solidFill>
+                  <a:latin typeface="+mn-lt"/>
+                  <a:ea typeface="+mn-ea"/>
+                  <a:cs typeface="+mn-cs"/>
+                </a:defRPr>
+              </a:pPr>
+              <a:endParaRPr lang="en-US"/>
+            </a:p>
+          </c:txPr>
+          <c:showLegendKey val="0"/>
+          <c:showVal val="0"/>
+          <c:showCatName val="0"/>
+          <c:showSerName val="0"/>
+          <c:showPercent val="0"/>
+          <c:showBubbleSize val="0"/>
+          <c:extLst>
+            <c:ext xmlns:c15="http://schemas.microsoft.com/office/drawing/2012/chart" uri="{CE6537A1-D6FC-4f65-9D91-7224C49458BB}"/>
+          </c:extLst>
+        </c:dLbl>
+      </c:pivotFmt>
+      <c:pivotFmt>
+        <c:idx val="24"/>
+        <c:spPr>
+          <a:solidFill>
+            <a:schemeClr val="accent1"/>
+          </a:solidFill>
+          <a:ln w="38100" cap="flat" cmpd="dbl" algn="ctr">
+            <a:solidFill>
+              <a:schemeClr val="accent1"/>
+            </a:solidFill>
+            <a:miter lim="800000"/>
+          </a:ln>
+          <a:effectLst/>
+        </c:spPr>
+        <c:marker>
+          <c:symbol val="circle"/>
+          <c:size val="6"/>
+          <c:spPr>
+            <a:solidFill>
+              <a:schemeClr val="accent2">
+                <a:lumMod val="60000"/>
+              </a:schemeClr>
+            </a:solidFill>
+            <a:ln w="9525" cap="flat" cmpd="sng" algn="ctr">
+              <a:solidFill>
+                <a:schemeClr val="lt1"/>
+              </a:solidFill>
+              <a:round/>
+            </a:ln>
+            <a:effectLst/>
+          </c:spPr>
+        </c:marker>
+        <c:dLbl>
+          <c:idx val="0"/>
+          <c:spPr>
+            <a:noFill/>
+            <a:ln>
+              <a:noFill/>
+            </a:ln>
+            <a:effectLst/>
+          </c:spPr>
+          <c:txPr>
+            <a:bodyPr rot="0" spcFirstLastPara="1" vertOverflow="ellipsis" vert="horz" wrap="square" lIns="38100" tIns="19050" rIns="38100" bIns="19050" anchor="ctr" anchorCtr="1">
+              <a:spAutoFit/>
+            </a:bodyPr>
+            <a:lstStyle/>
+            <a:p>
+              <a:pPr>
+                <a:defRPr sz="900" b="0" i="0" u="none" strike="noStrike" kern="1200" baseline="0">
+                  <a:solidFill>
+                    <a:schemeClr val="tx1">
+                      <a:lumMod val="75000"/>
+                      <a:lumOff val="25000"/>
+                    </a:schemeClr>
+                  </a:solidFill>
+                  <a:latin typeface="+mn-lt"/>
+                  <a:ea typeface="+mn-ea"/>
+                  <a:cs typeface="+mn-cs"/>
+                </a:defRPr>
+              </a:pPr>
+              <a:endParaRPr lang="en-US"/>
+            </a:p>
+          </c:txPr>
+          <c:showLegendKey val="0"/>
+          <c:showVal val="0"/>
+          <c:showCatName val="0"/>
+          <c:showSerName val="0"/>
+          <c:showPercent val="0"/>
+          <c:showBubbleSize val="0"/>
+          <c:extLst>
+            <c:ext xmlns:c15="http://schemas.microsoft.com/office/drawing/2012/chart" uri="{CE6537A1-D6FC-4f65-9D91-7224C49458BB}"/>
+          </c:extLst>
+        </c:dLbl>
+      </c:pivotFmt>
+      <c:pivotFmt>
+        <c:idx val="25"/>
+        <c:spPr>
+          <a:solidFill>
+            <a:schemeClr val="accent1"/>
+          </a:solidFill>
+          <a:ln w="38100" cap="flat" cmpd="dbl" algn="ctr">
+            <a:solidFill>
+              <a:schemeClr val="accent1"/>
+            </a:solidFill>
+            <a:miter lim="800000"/>
+          </a:ln>
+          <a:effectLst/>
+        </c:spPr>
+        <c:marker>
+          <c:symbol val="circle"/>
+          <c:size val="6"/>
+          <c:spPr>
+            <a:solidFill>
+              <a:schemeClr val="accent1"/>
+            </a:solidFill>
+            <a:ln w="9525" cap="flat" cmpd="sng" algn="ctr">
+              <a:solidFill>
+                <a:schemeClr val="lt1"/>
+              </a:solidFill>
+              <a:round/>
+            </a:ln>
+            <a:effectLst/>
+          </c:spPr>
+        </c:marker>
+      </c:pivotFmt>
+      <c:pivotFmt>
+        <c:idx val="26"/>
+        <c:spPr>
+          <a:solidFill>
+            <a:schemeClr val="accent1"/>
+          </a:solidFill>
+          <a:ln w="38100" cap="flat" cmpd="dbl" algn="ctr">
+            <a:solidFill>
+              <a:schemeClr val="accent1"/>
+            </a:solidFill>
+            <a:miter lim="800000"/>
+          </a:ln>
+          <a:effectLst/>
+        </c:spPr>
+        <c:marker>
+          <c:symbol val="circle"/>
+          <c:size val="6"/>
+          <c:spPr>
+            <a:solidFill>
+              <a:schemeClr val="accent2"/>
+            </a:solidFill>
+            <a:ln w="9525" cap="flat" cmpd="sng" algn="ctr">
+              <a:solidFill>
+                <a:schemeClr val="lt1"/>
+              </a:solidFill>
+              <a:round/>
+            </a:ln>
+            <a:effectLst/>
+          </c:spPr>
+        </c:marker>
+      </c:pivotFmt>
+      <c:pivotFmt>
+        <c:idx val="27"/>
+        <c:spPr>
+          <a:solidFill>
+            <a:schemeClr val="accent1"/>
+          </a:solidFill>
+          <a:ln w="38100" cap="flat" cmpd="dbl" algn="ctr">
+            <a:solidFill>
+              <a:schemeClr val="accent1"/>
+            </a:solidFill>
+            <a:miter lim="800000"/>
+          </a:ln>
+          <a:effectLst/>
+        </c:spPr>
+        <c:marker>
+          <c:symbol val="circle"/>
+          <c:size val="6"/>
+          <c:spPr>
+            <a:solidFill>
+              <a:schemeClr val="accent3"/>
+            </a:solidFill>
+            <a:ln w="9525" cap="flat" cmpd="sng" algn="ctr">
+              <a:solidFill>
+                <a:schemeClr val="lt1"/>
+              </a:solidFill>
+              <a:round/>
+            </a:ln>
+            <a:effectLst/>
+          </c:spPr>
+        </c:marker>
+      </c:pivotFmt>
+      <c:pivotFmt>
+        <c:idx val="28"/>
+        <c:spPr>
+          <a:solidFill>
+            <a:schemeClr val="accent1"/>
+          </a:solidFill>
+          <a:ln w="38100" cap="flat" cmpd="dbl" algn="ctr">
+            <a:solidFill>
+              <a:schemeClr val="accent1"/>
+            </a:solidFill>
+            <a:miter lim="800000"/>
+          </a:ln>
+          <a:effectLst/>
+        </c:spPr>
+        <c:marker>
+          <c:symbol val="circle"/>
+          <c:size val="6"/>
+          <c:spPr>
+            <a:solidFill>
+              <a:schemeClr val="accent4"/>
+            </a:solidFill>
+            <a:ln w="9525" cap="flat" cmpd="sng" algn="ctr">
+              <a:solidFill>
+                <a:schemeClr val="lt1"/>
+              </a:solidFill>
+              <a:round/>
+            </a:ln>
+            <a:effectLst/>
+          </c:spPr>
+        </c:marker>
+      </c:pivotFmt>
+      <c:pivotFmt>
+        <c:idx val="29"/>
+        <c:spPr>
+          <a:solidFill>
+            <a:schemeClr val="accent1"/>
+          </a:solidFill>
+          <a:ln w="38100" cap="flat" cmpd="dbl" algn="ctr">
+            <a:solidFill>
+              <a:schemeClr val="accent1"/>
+            </a:solidFill>
+            <a:miter lim="800000"/>
+          </a:ln>
+          <a:effectLst/>
+        </c:spPr>
+        <c:marker>
+          <c:symbol val="circle"/>
+          <c:size val="6"/>
+          <c:spPr>
+            <a:solidFill>
+              <a:schemeClr val="accent5"/>
+            </a:solidFill>
+            <a:ln w="9525" cap="flat" cmpd="sng" algn="ctr">
+              <a:solidFill>
+                <a:schemeClr val="lt1"/>
+              </a:solidFill>
+              <a:round/>
+            </a:ln>
+            <a:effectLst/>
+          </c:spPr>
+        </c:marker>
+      </c:pivotFmt>
+      <c:pivotFmt>
+        <c:idx val="30"/>
+        <c:spPr>
+          <a:solidFill>
+            <a:schemeClr val="accent1"/>
+          </a:solidFill>
+          <a:ln w="38100" cap="flat" cmpd="dbl" algn="ctr">
+            <a:solidFill>
+              <a:schemeClr val="accent1"/>
+            </a:solidFill>
+            <a:miter lim="800000"/>
+          </a:ln>
+          <a:effectLst/>
+        </c:spPr>
+        <c:marker>
+          <c:symbol val="circle"/>
+          <c:size val="6"/>
+          <c:spPr>
+            <a:solidFill>
+              <a:schemeClr val="accent6"/>
+            </a:solidFill>
+            <a:ln w="9525" cap="flat" cmpd="sng" algn="ctr">
+              <a:solidFill>
+                <a:schemeClr val="lt1"/>
+              </a:solidFill>
+              <a:round/>
+            </a:ln>
+            <a:effectLst/>
+          </c:spPr>
+        </c:marker>
+      </c:pivotFmt>
+      <c:pivotFmt>
+        <c:idx val="31"/>
+        <c:spPr>
+          <a:solidFill>
+            <a:schemeClr val="accent1"/>
+          </a:solidFill>
+          <a:ln w="38100" cap="flat" cmpd="dbl" algn="ctr">
+            <a:solidFill>
+              <a:schemeClr val="accent1"/>
+            </a:solidFill>
+            <a:miter lim="800000"/>
+          </a:ln>
+          <a:effectLst/>
+        </c:spPr>
+        <c:marker>
+          <c:symbol val="circle"/>
+          <c:size val="6"/>
+          <c:spPr>
+            <a:solidFill>
+              <a:schemeClr val="accent1">
+                <a:lumMod val="60000"/>
+              </a:schemeClr>
+            </a:solidFill>
+            <a:ln w="9525" cap="flat" cmpd="sng" algn="ctr">
+              <a:solidFill>
+                <a:schemeClr val="lt1"/>
+              </a:solidFill>
+              <a:round/>
+            </a:ln>
+            <a:effectLst/>
+          </c:spPr>
+        </c:marker>
+      </c:pivotFmt>
+      <c:pivotFmt>
+        <c:idx val="32"/>
+        <c:spPr>
+          <a:solidFill>
+            <a:schemeClr val="accent1"/>
+          </a:solidFill>
+          <a:ln w="38100" cap="flat" cmpd="dbl" algn="ctr">
+            <a:solidFill>
+              <a:schemeClr val="accent1"/>
+            </a:solidFill>
+            <a:miter lim="800000"/>
+          </a:ln>
+          <a:effectLst/>
+        </c:spPr>
+        <c:marker>
+          <c:symbol val="circle"/>
+          <c:size val="6"/>
+          <c:spPr>
+            <a:solidFill>
+              <a:schemeClr val="accent2">
+                <a:lumMod val="60000"/>
+              </a:schemeClr>
+            </a:solidFill>
+            <a:ln w="9525" cap="flat" cmpd="sng" algn="ctr">
+              <a:solidFill>
+                <a:schemeClr val="lt1"/>
+              </a:solidFill>
+              <a:round/>
+            </a:ln>
+            <a:effectLst/>
+          </c:spPr>
+        </c:marker>
+      </c:pivotFmt>
+      <c:pivotFmt>
+        <c:idx val="33"/>
+        <c:spPr>
+          <a:solidFill>
+            <a:schemeClr val="accent1"/>
+          </a:solidFill>
+          <a:ln w="38100" cap="flat" cmpd="dbl" algn="ctr">
+            <a:solidFill>
+              <a:schemeClr val="accent1"/>
+            </a:solidFill>
+            <a:miter lim="800000"/>
+          </a:ln>
+          <a:effectLst/>
+        </c:spPr>
+        <c:marker>
+          <c:symbol val="circle"/>
+          <c:size val="6"/>
+          <c:spPr>
+            <a:solidFill>
+              <a:schemeClr val="accent1"/>
+            </a:solidFill>
+            <a:ln w="9525" cap="flat" cmpd="sng" algn="ctr">
+              <a:solidFill>
+                <a:schemeClr val="lt1"/>
+              </a:solidFill>
+              <a:round/>
+            </a:ln>
+            <a:effectLst/>
+          </c:spPr>
+        </c:marker>
+      </c:pivotFmt>
+      <c:pivotFmt>
+        <c:idx val="34"/>
+        <c:spPr>
+          <a:solidFill>
+            <a:schemeClr val="accent1"/>
+          </a:solidFill>
+          <a:ln w="38100" cap="flat" cmpd="dbl" algn="ctr">
+            <a:solidFill>
+              <a:schemeClr val="accent1"/>
+            </a:solidFill>
+            <a:miter lim="800000"/>
+          </a:ln>
+          <a:effectLst/>
+        </c:spPr>
+        <c:marker>
+          <c:symbol val="circle"/>
+          <c:size val="6"/>
+          <c:spPr>
+            <a:solidFill>
+              <a:schemeClr val="accent2"/>
+            </a:solidFill>
+            <a:ln w="9525" cap="flat" cmpd="sng" algn="ctr">
+              <a:solidFill>
+                <a:schemeClr val="lt1"/>
+              </a:solidFill>
+              <a:round/>
+            </a:ln>
+            <a:effectLst/>
+          </c:spPr>
+        </c:marker>
+      </c:pivotFmt>
+      <c:pivotFmt>
+        <c:idx val="35"/>
+        <c:spPr>
+          <a:solidFill>
+            <a:schemeClr val="accent1"/>
+          </a:solidFill>
+          <a:ln w="38100" cap="flat" cmpd="dbl" algn="ctr">
+            <a:solidFill>
+              <a:schemeClr val="accent1"/>
+            </a:solidFill>
+            <a:miter lim="800000"/>
+          </a:ln>
+          <a:effectLst/>
+        </c:spPr>
+        <c:marker>
+          <c:symbol val="circle"/>
+          <c:size val="6"/>
+          <c:spPr>
+            <a:solidFill>
+              <a:schemeClr val="accent3"/>
+            </a:solidFill>
+            <a:ln w="9525" cap="flat" cmpd="sng" algn="ctr">
+              <a:solidFill>
+                <a:schemeClr val="lt1"/>
+              </a:solidFill>
+              <a:round/>
+            </a:ln>
+            <a:effectLst/>
+          </c:spPr>
+        </c:marker>
+      </c:pivotFmt>
+      <c:pivotFmt>
+        <c:idx val="36"/>
+        <c:spPr>
+          <a:solidFill>
+            <a:schemeClr val="accent1"/>
+          </a:solidFill>
+          <a:ln w="38100" cap="flat" cmpd="dbl" algn="ctr">
+            <a:solidFill>
+              <a:schemeClr val="accent1"/>
+            </a:solidFill>
+            <a:miter lim="800000"/>
+          </a:ln>
+          <a:effectLst/>
+        </c:spPr>
+        <c:marker>
+          <c:symbol val="circle"/>
+          <c:size val="6"/>
+          <c:spPr>
+            <a:solidFill>
+              <a:schemeClr val="accent4"/>
+            </a:solidFill>
+            <a:ln w="9525" cap="flat" cmpd="sng" algn="ctr">
+              <a:solidFill>
+                <a:schemeClr val="lt1"/>
+              </a:solidFill>
+              <a:round/>
+            </a:ln>
+            <a:effectLst/>
+          </c:spPr>
+        </c:marker>
+      </c:pivotFmt>
+      <c:pivotFmt>
+        <c:idx val="37"/>
+        <c:spPr>
+          <a:solidFill>
+            <a:schemeClr val="accent1"/>
+          </a:solidFill>
+          <a:ln w="38100" cap="flat" cmpd="dbl" algn="ctr">
+            <a:solidFill>
+              <a:schemeClr val="accent1"/>
+            </a:solidFill>
+            <a:miter lim="800000"/>
+          </a:ln>
+          <a:effectLst/>
+        </c:spPr>
+        <c:marker>
+          <c:symbol val="circle"/>
+          <c:size val="6"/>
+          <c:spPr>
+            <a:solidFill>
+              <a:schemeClr val="accent5"/>
+            </a:solidFill>
+            <a:ln w="9525" cap="flat" cmpd="sng" algn="ctr">
+              <a:solidFill>
+                <a:schemeClr val="lt1"/>
+              </a:solidFill>
+              <a:round/>
+            </a:ln>
+            <a:effectLst/>
+          </c:spPr>
+        </c:marker>
+      </c:pivotFmt>
+      <c:pivotFmt>
+        <c:idx val="38"/>
+        <c:spPr>
+          <a:solidFill>
+            <a:schemeClr val="accent1"/>
+          </a:solidFill>
+          <a:ln w="38100" cap="flat" cmpd="dbl" algn="ctr">
+            <a:solidFill>
+              <a:schemeClr val="accent1"/>
+            </a:solidFill>
+            <a:miter lim="800000"/>
+          </a:ln>
+          <a:effectLst/>
+        </c:spPr>
+        <c:marker>
+          <c:symbol val="circle"/>
+          <c:size val="6"/>
+          <c:spPr>
+            <a:solidFill>
+              <a:schemeClr val="accent6"/>
+            </a:solidFill>
+            <a:ln w="9525" cap="flat" cmpd="sng" algn="ctr">
+              <a:solidFill>
+                <a:schemeClr val="lt1"/>
+              </a:solidFill>
+              <a:round/>
+            </a:ln>
+            <a:effectLst/>
+          </c:spPr>
+        </c:marker>
+      </c:pivotFmt>
+      <c:pivotFmt>
+        <c:idx val="39"/>
+        <c:spPr>
+          <a:solidFill>
+            <a:schemeClr val="accent1"/>
+          </a:solidFill>
+          <a:ln w="38100" cap="flat" cmpd="dbl" algn="ctr">
+            <a:solidFill>
+              <a:schemeClr val="accent1"/>
+            </a:solidFill>
+            <a:miter lim="800000"/>
+          </a:ln>
+          <a:effectLst/>
+        </c:spPr>
+        <c:marker>
+          <c:symbol val="circle"/>
+          <c:size val="6"/>
+          <c:spPr>
+            <a:solidFill>
+              <a:schemeClr val="accent1">
+                <a:lumMod val="60000"/>
+              </a:schemeClr>
+            </a:solidFill>
+            <a:ln w="9525" cap="flat" cmpd="sng" algn="ctr">
+              <a:solidFill>
+                <a:schemeClr val="lt1"/>
+              </a:solidFill>
+              <a:round/>
+            </a:ln>
+            <a:effectLst/>
+          </c:spPr>
+        </c:marker>
+      </c:pivotFmt>
+      <c:pivotFmt>
+        <c:idx val="40"/>
+        <c:spPr>
+          <a:solidFill>
+            <a:schemeClr val="accent1"/>
+          </a:solidFill>
+          <a:ln w="38100" cap="flat" cmpd="dbl" algn="ctr">
+            <a:solidFill>
+              <a:schemeClr val="accent1"/>
+            </a:solidFill>
+            <a:miter lim="800000"/>
+          </a:ln>
+          <a:effectLst/>
+        </c:spPr>
+        <c:marker>
+          <c:symbol val="circle"/>
+          <c:size val="6"/>
+          <c:spPr>
+            <a:solidFill>
+              <a:schemeClr val="accent2">
+                <a:lumMod val="60000"/>
+              </a:schemeClr>
+            </a:solidFill>
+            <a:ln w="9525" cap="flat" cmpd="sng" algn="ctr">
+              <a:solidFill>
+                <a:schemeClr val="lt1"/>
+              </a:solidFill>
+              <a:round/>
+            </a:ln>
+            <a:effectLst/>
+          </c:spPr>
+        </c:marker>
+      </c:pivotFmt>
+    </c:pivotFmts>
+    <c:plotArea>
+      <c:layout>
+        <c:manualLayout>
+          <c:layoutTarget val="inner"/>
+          <c:xMode val="edge"/>
+          <c:yMode val="edge"/>
+          <c:x val="3.7990969983060667E-2"/>
+          <c:y val="1.0175089732371766E-2"/>
+          <c:w val="0.88201446975793929"/>
+          <c:h val="0.88023951105112153"/>
+        </c:manualLayout>
+      </c:layout>
+      <c:lineChart>
+        <c:grouping val="standard"/>
+        <c:varyColors val="0"/>
+        <c:ser>
+          <c:idx val="0"/>
+          <c:order val="0"/>
+          <c:tx>
+            <c:strRef>
+              <c:f>Graphs!$C$4:$C$5</c:f>
+              <c:strCache>
+                <c:ptCount val="1"/>
+                <c:pt idx="0">
+                  <c:v>Foreclosure Auction</c:v>
+                </c:pt>
+              </c:strCache>
+            </c:strRef>
+          </c:tx>
+          <c:spPr>
+            <a:ln w="38100" cap="flat" cmpd="dbl" algn="ctr">
+              <a:solidFill>
+                <a:schemeClr val="accent1"/>
+              </a:solidFill>
+              <a:miter lim="800000"/>
+            </a:ln>
+            <a:effectLst/>
+          </c:spPr>
+          <c:marker>
+            <c:symbol val="circle"/>
+            <c:size val="6"/>
+            <c:spPr>
+              <a:solidFill>
+                <a:schemeClr val="accent1"/>
+              </a:solidFill>
+              <a:ln w="9525" cap="flat" cmpd="sng" algn="ctr">
+                <a:solidFill>
+                  <a:schemeClr val="lt1"/>
+                </a:solidFill>
+                <a:round/>
+              </a:ln>
+              <a:effectLst/>
+            </c:spPr>
+          </c:marker>
+          <c:cat>
+            <c:strRef>
+              <c:f>Graphs!$B$6:$B$19</c:f>
+              <c:strCache>
+                <c:ptCount val="13"/>
+                <c:pt idx="0">
+                  <c:v>2007</c:v>
+                </c:pt>
+                <c:pt idx="1">
+                  <c:v>2008</c:v>
+                </c:pt>
+                <c:pt idx="2">
+                  <c:v>2009</c:v>
+                </c:pt>
+                <c:pt idx="3">
+                  <c:v>2010</c:v>
+                </c:pt>
+                <c:pt idx="4">
+                  <c:v>2011</c:v>
+                </c:pt>
+                <c:pt idx="5">
+                  <c:v>2012</c:v>
+                </c:pt>
+                <c:pt idx="6">
+                  <c:v>2013</c:v>
+                </c:pt>
+                <c:pt idx="7">
+                  <c:v>2014</c:v>
+                </c:pt>
+                <c:pt idx="8">
+                  <c:v>2015</c:v>
+                </c:pt>
+                <c:pt idx="9">
+                  <c:v>2016</c:v>
+                </c:pt>
+                <c:pt idx="10">
+                  <c:v>2017</c:v>
+                </c:pt>
+                <c:pt idx="11">
+                  <c:v>2018</c:v>
+                </c:pt>
+                <c:pt idx="12">
+                  <c:v>2019</c:v>
+                </c:pt>
+              </c:strCache>
+            </c:strRef>
+          </c:cat>
+          <c:val>
+            <c:numRef>
+              <c:f>Graphs!$C$6:$C$19</c:f>
+              <c:numCache>
+                <c:formatCode>General</c:formatCode>
+                <c:ptCount val="13"/>
+                <c:pt idx="1">
+                  <c:v>7</c:v>
+                </c:pt>
+                <c:pt idx="2">
+                  <c:v>114</c:v>
+                </c:pt>
+                <c:pt idx="3">
+                  <c:v>182</c:v>
+                </c:pt>
+                <c:pt idx="4">
+                  <c:v>73</c:v>
+                </c:pt>
+                <c:pt idx="5">
+                  <c:v>65</c:v>
+                </c:pt>
+                <c:pt idx="6">
+                  <c:v>121</c:v>
+                </c:pt>
+                <c:pt idx="7">
+                  <c:v>122</c:v>
+                </c:pt>
+                <c:pt idx="8">
+                  <c:v>80</c:v>
+                </c:pt>
+                <c:pt idx="9">
+                  <c:v>109</c:v>
+                </c:pt>
+                <c:pt idx="10">
+                  <c:v>143</c:v>
+                </c:pt>
+                <c:pt idx="11">
+                  <c:v>68</c:v>
+                </c:pt>
+                <c:pt idx="12">
+                  <c:v>50</c:v>
+                </c:pt>
+              </c:numCache>
+            </c:numRef>
+          </c:val>
+          <c:smooth val="0"/>
+          <c:extLst>
+            <c:ext xmlns:c16="http://schemas.microsoft.com/office/drawing/2014/chart" uri="{C3380CC4-5D6E-409C-BE32-E72D297353CC}">
+              <c16:uniqueId val="{00000000-DAA4-0D41-986C-FCE07939032E}"/>
+            </c:ext>
+          </c:extLst>
+        </c:ser>
+        <c:ser>
+          <c:idx val="1"/>
+          <c:order val="1"/>
+          <c:tx>
+            <c:strRef>
+              <c:f>Graphs!$D$4:$D$5</c:f>
+              <c:strCache>
+                <c:ptCount val="1"/>
+                <c:pt idx="0">
+                  <c:v>Full Payoff</c:v>
+                </c:pt>
+              </c:strCache>
+            </c:strRef>
+          </c:tx>
+          <c:spPr>
+            <a:ln w="38100" cap="flat" cmpd="dbl" algn="ctr">
+              <a:solidFill>
+                <a:schemeClr val="accent2"/>
+              </a:solidFill>
+              <a:miter lim="800000"/>
+            </a:ln>
+            <a:effectLst/>
+          </c:spPr>
+          <c:marker>
+            <c:symbol val="circle"/>
+            <c:size val="6"/>
+            <c:spPr>
+              <a:solidFill>
+                <a:schemeClr val="accent2"/>
+              </a:solidFill>
+              <a:ln w="9525" cap="flat" cmpd="sng" algn="ctr">
+                <a:solidFill>
+                  <a:schemeClr val="lt1"/>
+                </a:solidFill>
+                <a:round/>
+              </a:ln>
+              <a:effectLst/>
+            </c:spPr>
+          </c:marker>
+          <c:cat>
+            <c:strRef>
+              <c:f>Graphs!$B$6:$B$19</c:f>
+              <c:strCache>
+                <c:ptCount val="13"/>
+                <c:pt idx="0">
+                  <c:v>2007</c:v>
+                </c:pt>
+                <c:pt idx="1">
+                  <c:v>2008</c:v>
+                </c:pt>
+                <c:pt idx="2">
+                  <c:v>2009</c:v>
+                </c:pt>
+                <c:pt idx="3">
+                  <c:v>2010</c:v>
+                </c:pt>
+                <c:pt idx="4">
+                  <c:v>2011</c:v>
+                </c:pt>
+                <c:pt idx="5">
+                  <c:v>2012</c:v>
+                </c:pt>
+                <c:pt idx="6">
+                  <c:v>2013</c:v>
+                </c:pt>
+                <c:pt idx="7">
+                  <c:v>2014</c:v>
+                </c:pt>
+                <c:pt idx="8">
+                  <c:v>2015</c:v>
+                </c:pt>
+                <c:pt idx="9">
+                  <c:v>2016</c:v>
+                </c:pt>
+                <c:pt idx="10">
+                  <c:v>2017</c:v>
+                </c:pt>
+                <c:pt idx="11">
+                  <c:v>2018</c:v>
+                </c:pt>
+                <c:pt idx="12">
+                  <c:v>2019</c:v>
+                </c:pt>
+              </c:strCache>
+            </c:strRef>
+          </c:cat>
+          <c:val>
+            <c:numRef>
+              <c:f>Graphs!$D$6:$D$19</c:f>
+              <c:numCache>
+                <c:formatCode>General</c:formatCode>
+                <c:ptCount val="13"/>
+                <c:pt idx="0">
+                  <c:v>1</c:v>
+                </c:pt>
+                <c:pt idx="1">
+                  <c:v>3</c:v>
+                </c:pt>
+                <c:pt idx="2">
+                  <c:v>13</c:v>
+                </c:pt>
+                <c:pt idx="3">
+                  <c:v>11</c:v>
+                </c:pt>
+                <c:pt idx="4">
+                  <c:v>15</c:v>
+                </c:pt>
+                <c:pt idx="5">
+                  <c:v>8</c:v>
+                </c:pt>
+                <c:pt idx="6">
+                  <c:v>10</c:v>
+                </c:pt>
+                <c:pt idx="7">
+                  <c:v>30</c:v>
+                </c:pt>
+                <c:pt idx="8">
+                  <c:v>82</c:v>
+                </c:pt>
+                <c:pt idx="9">
+                  <c:v>57</c:v>
+                </c:pt>
+                <c:pt idx="10">
+                  <c:v>58</c:v>
+                </c:pt>
+                <c:pt idx="11">
+                  <c:v>134</c:v>
+                </c:pt>
+                <c:pt idx="12">
+                  <c:v>60</c:v>
+                </c:pt>
+              </c:numCache>
+            </c:numRef>
+          </c:val>
+          <c:smooth val="0"/>
+          <c:extLst>
+            <c:ext xmlns:c16="http://schemas.microsoft.com/office/drawing/2014/chart" uri="{C3380CC4-5D6E-409C-BE32-E72D297353CC}">
+              <c16:uniqueId val="{00000001-DAA4-0D41-986C-FCE07939032E}"/>
+            </c:ext>
+          </c:extLst>
+        </c:ser>
+        <c:ser>
+          <c:idx val="2"/>
+          <c:order val="2"/>
+          <c:tx>
+            <c:strRef>
+              <c:f>Graphs!$E$4:$E$5</c:f>
+              <c:strCache>
+                <c:ptCount val="1"/>
+                <c:pt idx="0">
+                  <c:v>Note Sale - NPL</c:v>
+                </c:pt>
+              </c:strCache>
+            </c:strRef>
+          </c:tx>
+          <c:spPr>
+            <a:ln w="38100" cap="flat" cmpd="dbl" algn="ctr">
+              <a:solidFill>
+                <a:schemeClr val="accent3"/>
+              </a:solidFill>
+              <a:miter lim="800000"/>
+            </a:ln>
+            <a:effectLst/>
+          </c:spPr>
+          <c:marker>
+            <c:symbol val="circle"/>
+            <c:size val="6"/>
+            <c:spPr>
+              <a:solidFill>
+                <a:schemeClr val="accent3"/>
+              </a:solidFill>
+              <a:ln w="9525" cap="flat" cmpd="sng" algn="ctr">
+                <a:solidFill>
+                  <a:schemeClr val="lt1"/>
+                </a:solidFill>
+                <a:round/>
+              </a:ln>
+              <a:effectLst/>
+            </c:spPr>
+          </c:marker>
+          <c:cat>
+            <c:strRef>
+              <c:f>Graphs!$B$6:$B$19</c:f>
+              <c:strCache>
+                <c:ptCount val="13"/>
+                <c:pt idx="0">
+                  <c:v>2007</c:v>
+                </c:pt>
+                <c:pt idx="1">
+                  <c:v>2008</c:v>
+                </c:pt>
+                <c:pt idx="2">
+                  <c:v>2009</c:v>
+                </c:pt>
+                <c:pt idx="3">
+                  <c:v>2010</c:v>
+                </c:pt>
+                <c:pt idx="4">
+                  <c:v>2011</c:v>
+                </c:pt>
+                <c:pt idx="5">
+                  <c:v>2012</c:v>
+                </c:pt>
+                <c:pt idx="6">
+                  <c:v>2013</c:v>
+                </c:pt>
+                <c:pt idx="7">
+                  <c:v>2014</c:v>
+                </c:pt>
+                <c:pt idx="8">
+                  <c:v>2015</c:v>
+                </c:pt>
+                <c:pt idx="9">
+                  <c:v>2016</c:v>
+                </c:pt>
+                <c:pt idx="10">
+                  <c:v>2017</c:v>
+                </c:pt>
+                <c:pt idx="11">
+                  <c:v>2018</c:v>
+                </c:pt>
+                <c:pt idx="12">
+                  <c:v>2019</c:v>
+                </c:pt>
+              </c:strCache>
+            </c:strRef>
+          </c:cat>
+          <c:val>
+            <c:numRef>
+              <c:f>Graphs!$E$6:$E$19</c:f>
+              <c:numCache>
+                <c:formatCode>General</c:formatCode>
+                <c:ptCount val="13"/>
+                <c:pt idx="1">
+                  <c:v>30</c:v>
+                </c:pt>
+                <c:pt idx="2">
+                  <c:v>574</c:v>
+                </c:pt>
+                <c:pt idx="3">
+                  <c:v>386</c:v>
+                </c:pt>
+                <c:pt idx="4">
+                  <c:v>302</c:v>
+                </c:pt>
+                <c:pt idx="5">
+                  <c:v>585</c:v>
+                </c:pt>
+                <c:pt idx="6">
+                  <c:v>542</c:v>
+                </c:pt>
+                <c:pt idx="7">
+                  <c:v>583</c:v>
+                </c:pt>
+                <c:pt idx="8">
+                  <c:v>882</c:v>
+                </c:pt>
+                <c:pt idx="9">
+                  <c:v>374</c:v>
+                </c:pt>
+                <c:pt idx="10">
+                  <c:v>1128</c:v>
+                </c:pt>
+                <c:pt idx="11">
+                  <c:v>550</c:v>
+                </c:pt>
+                <c:pt idx="12">
+                  <c:v>120</c:v>
+                </c:pt>
+              </c:numCache>
+            </c:numRef>
+          </c:val>
+          <c:smooth val="0"/>
+          <c:extLst>
+            <c:ext xmlns:c16="http://schemas.microsoft.com/office/drawing/2014/chart" uri="{C3380CC4-5D6E-409C-BE32-E72D297353CC}">
+              <c16:uniqueId val="{00000002-DAA4-0D41-986C-FCE07939032E}"/>
+            </c:ext>
+          </c:extLst>
+        </c:ser>
+        <c:ser>
+          <c:idx val="3"/>
+          <c:order val="3"/>
+          <c:tx>
+            <c:strRef>
+              <c:f>Graphs!$F$4:$F$5</c:f>
+              <c:strCache>
+                <c:ptCount val="1"/>
+                <c:pt idx="0">
+                  <c:v>Note Sale - PL</c:v>
+                </c:pt>
+              </c:strCache>
+            </c:strRef>
+          </c:tx>
+          <c:spPr>
+            <a:ln w="38100" cap="flat" cmpd="dbl" algn="ctr">
+              <a:solidFill>
+                <a:schemeClr val="accent4"/>
+              </a:solidFill>
+              <a:miter lim="800000"/>
+            </a:ln>
+            <a:effectLst/>
+          </c:spPr>
+          <c:marker>
+            <c:symbol val="circle"/>
+            <c:size val="6"/>
+            <c:spPr>
+              <a:solidFill>
+                <a:schemeClr val="accent4"/>
+              </a:solidFill>
+              <a:ln w="9525" cap="flat" cmpd="sng" algn="ctr">
+                <a:solidFill>
+                  <a:schemeClr val="lt1"/>
+                </a:solidFill>
+                <a:round/>
+              </a:ln>
+              <a:effectLst/>
+            </c:spPr>
+          </c:marker>
+          <c:cat>
+            <c:strRef>
+              <c:f>Graphs!$B$6:$B$19</c:f>
+              <c:strCache>
+                <c:ptCount val="13"/>
+                <c:pt idx="0">
+                  <c:v>2007</c:v>
+                </c:pt>
+                <c:pt idx="1">
+                  <c:v>2008</c:v>
+                </c:pt>
+                <c:pt idx="2">
+                  <c:v>2009</c:v>
+                </c:pt>
+                <c:pt idx="3">
+                  <c:v>2010</c:v>
+                </c:pt>
+                <c:pt idx="4">
+                  <c:v>2011</c:v>
+                </c:pt>
+                <c:pt idx="5">
+                  <c:v>2012</c:v>
+                </c:pt>
+                <c:pt idx="6">
+                  <c:v>2013</c:v>
+                </c:pt>
+                <c:pt idx="7">
+                  <c:v>2014</c:v>
+                </c:pt>
+                <c:pt idx="8">
+                  <c:v>2015</c:v>
+                </c:pt>
+                <c:pt idx="9">
+                  <c:v>2016</c:v>
+                </c:pt>
+                <c:pt idx="10">
+                  <c:v>2017</c:v>
+                </c:pt>
+                <c:pt idx="11">
+                  <c:v>2018</c:v>
+                </c:pt>
+                <c:pt idx="12">
+                  <c:v>2019</c:v>
+                </c:pt>
+              </c:strCache>
+            </c:strRef>
+          </c:cat>
+          <c:val>
+            <c:numRef>
+              <c:f>Graphs!$F$6:$F$19</c:f>
+              <c:numCache>
+                <c:formatCode>General</c:formatCode>
+                <c:ptCount val="13"/>
+                <c:pt idx="9">
+                  <c:v>1</c:v>
+                </c:pt>
+                <c:pt idx="11">
+                  <c:v>26</c:v>
+                </c:pt>
+                <c:pt idx="12">
+                  <c:v>9</c:v>
+                </c:pt>
+              </c:numCache>
+            </c:numRef>
+          </c:val>
+          <c:smooth val="0"/>
+          <c:extLst>
+            <c:ext xmlns:c16="http://schemas.microsoft.com/office/drawing/2014/chart" uri="{C3380CC4-5D6E-409C-BE32-E72D297353CC}">
+              <c16:uniqueId val="{00000003-DAA4-0D41-986C-FCE07939032E}"/>
+            </c:ext>
+          </c:extLst>
+        </c:ser>
+        <c:ser>
+          <c:idx val="4"/>
+          <c:order val="4"/>
+          <c:tx>
+            <c:strRef>
+              <c:f>Graphs!$G$4:$G$5</c:f>
+              <c:strCache>
+                <c:ptCount val="1"/>
+                <c:pt idx="0">
+                  <c:v>Note Sale - RPL</c:v>
+                </c:pt>
+              </c:strCache>
+            </c:strRef>
+          </c:tx>
+          <c:spPr>
+            <a:ln w="38100" cap="flat" cmpd="dbl" algn="ctr">
+              <a:solidFill>
+                <a:schemeClr val="accent5"/>
+              </a:solidFill>
+              <a:miter lim="800000"/>
+            </a:ln>
+            <a:effectLst/>
+          </c:spPr>
+          <c:marker>
+            <c:symbol val="circle"/>
+            <c:size val="6"/>
+            <c:spPr>
+              <a:solidFill>
+                <a:schemeClr val="accent5"/>
+              </a:solidFill>
+              <a:ln w="9525" cap="flat" cmpd="sng" algn="ctr">
+                <a:solidFill>
+                  <a:schemeClr val="lt1"/>
+                </a:solidFill>
+                <a:round/>
+              </a:ln>
+              <a:effectLst/>
+            </c:spPr>
+          </c:marker>
+          <c:cat>
+            <c:strRef>
+              <c:f>Graphs!$B$6:$B$19</c:f>
+              <c:strCache>
+                <c:ptCount val="13"/>
+                <c:pt idx="0">
+                  <c:v>2007</c:v>
+                </c:pt>
+                <c:pt idx="1">
+                  <c:v>2008</c:v>
+                </c:pt>
+                <c:pt idx="2">
+                  <c:v>2009</c:v>
+                </c:pt>
+                <c:pt idx="3">
+                  <c:v>2010</c:v>
+                </c:pt>
+                <c:pt idx="4">
+                  <c:v>2011</c:v>
+                </c:pt>
+                <c:pt idx="5">
+                  <c:v>2012</c:v>
+                </c:pt>
+                <c:pt idx="6">
+                  <c:v>2013</c:v>
+                </c:pt>
+                <c:pt idx="7">
+                  <c:v>2014</c:v>
+                </c:pt>
+                <c:pt idx="8">
+                  <c:v>2015</c:v>
+                </c:pt>
+                <c:pt idx="9">
+                  <c:v>2016</c:v>
+                </c:pt>
+                <c:pt idx="10">
+                  <c:v>2017</c:v>
+                </c:pt>
+                <c:pt idx="11">
+                  <c:v>2018</c:v>
+                </c:pt>
+                <c:pt idx="12">
+                  <c:v>2019</c:v>
+                </c:pt>
+              </c:strCache>
+            </c:strRef>
+          </c:cat>
+          <c:val>
+            <c:numRef>
+              <c:f>Graphs!$G$6:$G$19</c:f>
+              <c:numCache>
+                <c:formatCode>General</c:formatCode>
+                <c:ptCount val="13"/>
+                <c:pt idx="0">
+                  <c:v>1</c:v>
+                </c:pt>
+                <c:pt idx="1">
+                  <c:v>18</c:v>
+                </c:pt>
+                <c:pt idx="2">
+                  <c:v>468</c:v>
+                </c:pt>
+                <c:pt idx="3">
+                  <c:v>229</c:v>
+                </c:pt>
+                <c:pt idx="4">
+                  <c:v>247</c:v>
+                </c:pt>
+                <c:pt idx="5">
+                  <c:v>206</c:v>
+                </c:pt>
+                <c:pt idx="6">
+                  <c:v>152</c:v>
+                </c:pt>
+                <c:pt idx="7">
+                  <c:v>276</c:v>
+                </c:pt>
+                <c:pt idx="8">
+                  <c:v>1128</c:v>
+                </c:pt>
+                <c:pt idx="9">
+                  <c:v>833</c:v>
+                </c:pt>
+                <c:pt idx="10">
+                  <c:v>382</c:v>
+                </c:pt>
+                <c:pt idx="11">
+                  <c:v>692</c:v>
+                </c:pt>
+                <c:pt idx="12">
+                  <c:v>622</c:v>
+                </c:pt>
+              </c:numCache>
+            </c:numRef>
+          </c:val>
+          <c:smooth val="0"/>
+          <c:extLst>
+            <c:ext xmlns:c16="http://schemas.microsoft.com/office/drawing/2014/chart" uri="{C3380CC4-5D6E-409C-BE32-E72D297353CC}">
+              <c16:uniqueId val="{00000004-DAA4-0D41-986C-FCE07939032E}"/>
+            </c:ext>
+          </c:extLst>
+        </c:ser>
+        <c:ser>
+          <c:idx val="5"/>
+          <c:order val="5"/>
+          <c:tx>
+            <c:strRef>
+              <c:f>Graphs!$H$4:$H$5</c:f>
+              <c:strCache>
+                <c:ptCount val="1"/>
+                <c:pt idx="0">
+                  <c:v>REO Sale DIL</c:v>
+                </c:pt>
+              </c:strCache>
+            </c:strRef>
+          </c:tx>
+          <c:spPr>
+            <a:ln w="38100" cap="flat" cmpd="dbl" algn="ctr">
+              <a:solidFill>
+                <a:schemeClr val="accent6"/>
+              </a:solidFill>
+              <a:miter lim="800000"/>
+            </a:ln>
+            <a:effectLst/>
+          </c:spPr>
+          <c:marker>
+            <c:symbol val="circle"/>
+            <c:size val="6"/>
+            <c:spPr>
+              <a:solidFill>
+                <a:schemeClr val="accent6"/>
+              </a:solidFill>
+              <a:ln w="9525" cap="flat" cmpd="sng" algn="ctr">
+                <a:solidFill>
+                  <a:schemeClr val="lt1"/>
+                </a:solidFill>
+                <a:round/>
+              </a:ln>
+              <a:effectLst/>
+            </c:spPr>
+          </c:marker>
+          <c:cat>
+            <c:strRef>
+              <c:f>Graphs!$B$6:$B$19</c:f>
+              <c:strCache>
+                <c:ptCount val="13"/>
+                <c:pt idx="0">
+                  <c:v>2007</c:v>
+                </c:pt>
+                <c:pt idx="1">
+                  <c:v>2008</c:v>
+                </c:pt>
+                <c:pt idx="2">
+                  <c:v>2009</c:v>
+                </c:pt>
+                <c:pt idx="3">
+                  <c:v>2010</c:v>
+                </c:pt>
+                <c:pt idx="4">
+                  <c:v>2011</c:v>
+                </c:pt>
+                <c:pt idx="5">
+                  <c:v>2012</c:v>
+                </c:pt>
+                <c:pt idx="6">
+                  <c:v>2013</c:v>
+                </c:pt>
+                <c:pt idx="7">
+                  <c:v>2014</c:v>
+                </c:pt>
+                <c:pt idx="8">
+                  <c:v>2015</c:v>
+                </c:pt>
+                <c:pt idx="9">
+                  <c:v>2016</c:v>
+                </c:pt>
+                <c:pt idx="10">
+                  <c:v>2017</c:v>
+                </c:pt>
+                <c:pt idx="11">
+                  <c:v>2018</c:v>
+                </c:pt>
+                <c:pt idx="12">
+                  <c:v>2019</c:v>
+                </c:pt>
+              </c:strCache>
+            </c:strRef>
+          </c:cat>
+          <c:val>
+            <c:numRef>
+              <c:f>Graphs!$H$6:$H$19</c:f>
+              <c:numCache>
+                <c:formatCode>General</c:formatCode>
+                <c:ptCount val="13"/>
+                <c:pt idx="1">
+                  <c:v>4</c:v>
+                </c:pt>
+                <c:pt idx="2">
+                  <c:v>289</c:v>
+                </c:pt>
+                <c:pt idx="3">
+                  <c:v>582</c:v>
+                </c:pt>
+                <c:pt idx="4">
+                  <c:v>545</c:v>
+                </c:pt>
+                <c:pt idx="5">
+                  <c:v>403</c:v>
+                </c:pt>
+                <c:pt idx="6">
+                  <c:v>241</c:v>
+                </c:pt>
+                <c:pt idx="7">
+                  <c:v>316</c:v>
+                </c:pt>
+                <c:pt idx="8">
+                  <c:v>166</c:v>
+                </c:pt>
+                <c:pt idx="9">
+                  <c:v>136</c:v>
+                </c:pt>
+                <c:pt idx="10">
+                  <c:v>344</c:v>
+                </c:pt>
+                <c:pt idx="11">
+                  <c:v>227</c:v>
+                </c:pt>
+                <c:pt idx="12">
+                  <c:v>52</c:v>
+                </c:pt>
+              </c:numCache>
+            </c:numRef>
+          </c:val>
+          <c:smooth val="0"/>
+          <c:extLst>
+            <c:ext xmlns:c16="http://schemas.microsoft.com/office/drawing/2014/chart" uri="{C3380CC4-5D6E-409C-BE32-E72D297353CC}">
+              <c16:uniqueId val="{00000005-DAA4-0D41-986C-FCE07939032E}"/>
+            </c:ext>
+          </c:extLst>
+        </c:ser>
+        <c:ser>
+          <c:idx val="6"/>
+          <c:order val="6"/>
+          <c:tx>
+            <c:strRef>
+              <c:f>Graphs!$I$4:$I$5</c:f>
+              <c:strCache>
+                <c:ptCount val="1"/>
+                <c:pt idx="0">
+                  <c:v>REO Sale FCL</c:v>
+                </c:pt>
+              </c:strCache>
+            </c:strRef>
+          </c:tx>
+          <c:spPr>
+            <a:ln w="38100" cap="flat" cmpd="dbl" algn="ctr">
+              <a:solidFill>
+                <a:schemeClr val="accent1">
+                  <a:lumMod val="60000"/>
+                </a:schemeClr>
+              </a:solidFill>
+              <a:miter lim="800000"/>
+            </a:ln>
+            <a:effectLst/>
+          </c:spPr>
+          <c:marker>
+            <c:symbol val="circle"/>
+            <c:size val="6"/>
+            <c:spPr>
+              <a:solidFill>
+                <a:schemeClr val="accent1">
+                  <a:lumMod val="60000"/>
+                </a:schemeClr>
+              </a:solidFill>
+              <a:ln w="9525" cap="flat" cmpd="sng" algn="ctr">
+                <a:solidFill>
+                  <a:schemeClr val="lt1"/>
+                </a:solidFill>
+                <a:round/>
+              </a:ln>
+              <a:effectLst/>
+            </c:spPr>
+          </c:marker>
+          <c:cat>
+            <c:strRef>
+              <c:f>Graphs!$B$6:$B$19</c:f>
+              <c:strCache>
+                <c:ptCount val="13"/>
+                <c:pt idx="0">
+                  <c:v>2007</c:v>
+                </c:pt>
+                <c:pt idx="1">
+                  <c:v>2008</c:v>
+                </c:pt>
+                <c:pt idx="2">
+                  <c:v>2009</c:v>
+                </c:pt>
+                <c:pt idx="3">
+                  <c:v>2010</c:v>
+                </c:pt>
+                <c:pt idx="4">
+                  <c:v>2011</c:v>
+                </c:pt>
+                <c:pt idx="5">
+                  <c:v>2012</c:v>
+                </c:pt>
+                <c:pt idx="6">
+                  <c:v>2013</c:v>
+                </c:pt>
+                <c:pt idx="7">
+                  <c:v>2014</c:v>
+                </c:pt>
+                <c:pt idx="8">
+                  <c:v>2015</c:v>
+                </c:pt>
+                <c:pt idx="9">
+                  <c:v>2016</c:v>
+                </c:pt>
+                <c:pt idx="10">
+                  <c:v>2017</c:v>
+                </c:pt>
+                <c:pt idx="11">
+                  <c:v>2018</c:v>
+                </c:pt>
+                <c:pt idx="12">
+                  <c:v>2019</c:v>
+                </c:pt>
+              </c:strCache>
+            </c:strRef>
+          </c:cat>
+          <c:val>
+            <c:numRef>
+              <c:f>Graphs!$I$6:$I$19</c:f>
+              <c:numCache>
+                <c:formatCode>General</c:formatCode>
+                <c:ptCount val="13"/>
+                <c:pt idx="1">
+                  <c:v>74</c:v>
+                </c:pt>
+                <c:pt idx="2">
+                  <c:v>905</c:v>
+                </c:pt>
+                <c:pt idx="3">
+                  <c:v>1216</c:v>
+                </c:pt>
+                <c:pt idx="4">
+                  <c:v>1107</c:v>
+                </c:pt>
+                <c:pt idx="5">
+                  <c:v>635</c:v>
+                </c:pt>
+                <c:pt idx="6">
+                  <c:v>270</c:v>
+                </c:pt>
+                <c:pt idx="7">
+                  <c:v>474</c:v>
+                </c:pt>
+                <c:pt idx="8">
+                  <c:v>507</c:v>
+                </c:pt>
+                <c:pt idx="9">
+                  <c:v>355</c:v>
+                </c:pt>
+                <c:pt idx="10">
+                  <c:v>687</c:v>
+                </c:pt>
+                <c:pt idx="11">
+                  <c:v>526</c:v>
+                </c:pt>
+                <c:pt idx="12">
+                  <c:v>159</c:v>
+                </c:pt>
+              </c:numCache>
+            </c:numRef>
+          </c:val>
+          <c:smooth val="0"/>
+          <c:extLst>
+            <c:ext xmlns:c16="http://schemas.microsoft.com/office/drawing/2014/chart" uri="{C3380CC4-5D6E-409C-BE32-E72D297353CC}">
+              <c16:uniqueId val="{00000006-DAA4-0D41-986C-FCE07939032E}"/>
+            </c:ext>
+          </c:extLst>
+        </c:ser>
+        <c:ser>
+          <c:idx val="7"/>
+          <c:order val="7"/>
+          <c:tx>
+            <c:strRef>
+              <c:f>Graphs!$J$4:$J$5</c:f>
+              <c:strCache>
+                <c:ptCount val="1"/>
+                <c:pt idx="0">
+                  <c:v>Short Payoff</c:v>
+                </c:pt>
+              </c:strCache>
+            </c:strRef>
+          </c:tx>
+          <c:spPr>
+            <a:ln w="38100" cap="flat" cmpd="dbl" algn="ctr">
+              <a:solidFill>
+                <a:schemeClr val="accent2">
+                  <a:lumMod val="60000"/>
+                </a:schemeClr>
+              </a:solidFill>
+              <a:miter lim="800000"/>
+            </a:ln>
+            <a:effectLst/>
+          </c:spPr>
+          <c:marker>
+            <c:symbol val="circle"/>
+            <c:size val="6"/>
+            <c:spPr>
+              <a:solidFill>
+                <a:schemeClr val="accent2">
+                  <a:lumMod val="60000"/>
+                </a:schemeClr>
+              </a:solidFill>
+              <a:ln w="9525" cap="flat" cmpd="sng" algn="ctr">
+                <a:solidFill>
+                  <a:schemeClr val="lt1"/>
+                </a:solidFill>
+                <a:round/>
+              </a:ln>
+              <a:effectLst/>
+            </c:spPr>
+          </c:marker>
+          <c:cat>
+            <c:strRef>
+              <c:f>Graphs!$B$6:$B$19</c:f>
+              <c:strCache>
+                <c:ptCount val="13"/>
+                <c:pt idx="0">
+                  <c:v>2007</c:v>
+                </c:pt>
+                <c:pt idx="1">
+                  <c:v>2008</c:v>
+                </c:pt>
+                <c:pt idx="2">
+                  <c:v>2009</c:v>
+                </c:pt>
+                <c:pt idx="3">
+                  <c:v>2010</c:v>
+                </c:pt>
+                <c:pt idx="4">
+                  <c:v>2011</c:v>
+                </c:pt>
+                <c:pt idx="5">
+                  <c:v>2012</c:v>
+                </c:pt>
+                <c:pt idx="6">
+                  <c:v>2013</c:v>
+                </c:pt>
+                <c:pt idx="7">
+                  <c:v>2014</c:v>
+                </c:pt>
+                <c:pt idx="8">
+                  <c:v>2015</c:v>
+                </c:pt>
+                <c:pt idx="9">
+                  <c:v>2016</c:v>
+                </c:pt>
+                <c:pt idx="10">
+                  <c:v>2017</c:v>
+                </c:pt>
+                <c:pt idx="11">
+                  <c:v>2018</c:v>
+                </c:pt>
+                <c:pt idx="12">
+                  <c:v>2019</c:v>
+                </c:pt>
+              </c:strCache>
+            </c:strRef>
+          </c:cat>
+          <c:val>
+            <c:numRef>
+              <c:f>Graphs!$J$6:$J$19</c:f>
+              <c:numCache>
+                <c:formatCode>General</c:formatCode>
+                <c:ptCount val="13"/>
+                <c:pt idx="0">
+                  <c:v>3</c:v>
+                </c:pt>
+                <c:pt idx="1">
+                  <c:v>78</c:v>
+                </c:pt>
+                <c:pt idx="2">
+                  <c:v>625</c:v>
+                </c:pt>
+                <c:pt idx="3">
+                  <c:v>456</c:v>
+                </c:pt>
+                <c:pt idx="4">
+                  <c:v>480</c:v>
+                </c:pt>
+                <c:pt idx="5">
+                  <c:v>276</c:v>
+                </c:pt>
+                <c:pt idx="6">
+                  <c:v>303</c:v>
+                </c:pt>
+                <c:pt idx="7">
+                  <c:v>245</c:v>
+                </c:pt>
+                <c:pt idx="8">
+                  <c:v>169</c:v>
+                </c:pt>
+                <c:pt idx="9">
+                  <c:v>194</c:v>
+                </c:pt>
+                <c:pt idx="10">
+                  <c:v>354</c:v>
+                </c:pt>
+                <c:pt idx="11">
+                  <c:v>127</c:v>
+                </c:pt>
+                <c:pt idx="12">
+                  <c:v>51</c:v>
+                </c:pt>
+              </c:numCache>
+            </c:numRef>
+          </c:val>
+          <c:smooth val="0"/>
+          <c:extLst>
+            <c:ext xmlns:c16="http://schemas.microsoft.com/office/drawing/2014/chart" uri="{C3380CC4-5D6E-409C-BE32-E72D297353CC}">
+              <c16:uniqueId val="{00000007-DAA4-0D41-986C-FCE07939032E}"/>
+            </c:ext>
+          </c:extLst>
+        </c:ser>
+        <c:dLbls>
+          <c:showLegendKey val="0"/>
+          <c:showVal val="0"/>
+          <c:showCatName val="0"/>
+          <c:showSerName val="0"/>
+          <c:showPercent val="0"/>
+          <c:showBubbleSize val="0"/>
+        </c:dLbls>
+        <c:marker val="1"/>
+        <c:smooth val="0"/>
+        <c:axId val="656501584"/>
+        <c:axId val="662356224"/>
+      </c:lineChart>
+      <c:catAx>
+        <c:axId val="656501584"/>
+        <c:scaling>
+          <c:orientation val="minMax"/>
+        </c:scaling>
+        <c:delete val="0"/>
+        <c:axPos val="b"/>
+        <c:majorGridlines>
+          <c:spPr>
+            <a:ln w="9525" cap="flat" cmpd="sng" algn="ctr">
+              <a:solidFill>
+                <a:schemeClr val="tx1">
+                  <a:lumMod val="15000"/>
+                  <a:lumOff val="85000"/>
+                  <a:alpha val="32000"/>
+                </a:schemeClr>
+              </a:solidFill>
+              <a:round/>
+            </a:ln>
+            <a:effectLst/>
+          </c:spPr>
+        </c:majorGridlines>
+        <c:numFmt formatCode="General" sourceLinked="1"/>
+        <c:majorTickMark val="none"/>
+        <c:minorTickMark val="none"/>
+        <c:tickLblPos val="nextTo"/>
+        <c:spPr>
+          <a:noFill/>
+          <a:ln w="3175" cap="flat" cmpd="sng" algn="ctr">
+            <a:solidFill>
+              <a:schemeClr val="tx1">
+                <a:lumMod val="15000"/>
+                <a:lumOff val="85000"/>
+              </a:schemeClr>
+            </a:solidFill>
+            <a:round/>
+            <a:tailEnd type="none" w="med" len="lg"/>
+          </a:ln>
+          <a:effectLst/>
+        </c:spPr>
+        <c:txPr>
+          <a:bodyPr rot="-60000000" spcFirstLastPara="1" vertOverflow="ellipsis" vert="horz" wrap="square" anchor="ctr" anchorCtr="1"/>
+          <a:lstStyle/>
+          <a:p>
+            <a:pPr>
+              <a:defRPr sz="900" b="0" i="0" u="none" strike="noStrike" kern="1200" baseline="0">
+                <a:solidFill>
+                  <a:schemeClr val="tx1">
+                    <a:lumMod val="65000"/>
+                    <a:lumOff val="35000"/>
+                  </a:schemeClr>
+                </a:solidFill>
+                <a:latin typeface="+mn-lt"/>
+                <a:ea typeface="+mn-ea"/>
+                <a:cs typeface="+mn-cs"/>
+              </a:defRPr>
+            </a:pPr>
+            <a:endParaRPr lang="en-US"/>
+          </a:p>
+        </c:txPr>
+        <c:crossAx val="662356224"/>
+        <c:crosses val="autoZero"/>
+        <c:auto val="1"/>
+        <c:lblAlgn val="ctr"/>
+        <c:lblOffset val="100"/>
+        <c:noMultiLvlLbl val="0"/>
+      </c:catAx>
+      <c:valAx>
+        <c:axId val="662356224"/>
+        <c:scaling>
+          <c:orientation val="minMax"/>
+        </c:scaling>
+        <c:delete val="0"/>
+        <c:axPos val="l"/>
+        <c:majorGridlines>
+          <c:spPr>
+            <a:ln w="9525" cap="flat" cmpd="sng" algn="ctr">
+              <a:solidFill>
+                <a:schemeClr val="tx1">
+                  <a:lumMod val="15000"/>
+                  <a:lumOff val="85000"/>
+                  <a:alpha val="32000"/>
+                </a:schemeClr>
+              </a:solidFill>
+              <a:round/>
+            </a:ln>
+            <a:effectLst/>
+          </c:spPr>
+        </c:majorGridlines>
+        <c:numFmt formatCode="General" sourceLinked="1"/>
+        <c:majorTickMark val="none"/>
+        <c:minorTickMark val="none"/>
+        <c:tickLblPos val="nextTo"/>
+        <c:spPr>
+          <a:noFill/>
+          <a:ln w="3175" cap="flat" cmpd="sng" algn="ctr">
+            <a:solidFill>
+              <a:schemeClr val="tx1">
+                <a:lumMod val="15000"/>
+                <a:lumOff val="85000"/>
+              </a:schemeClr>
+            </a:solidFill>
+            <a:round/>
+            <a:tailEnd type="none" w="med" len="lg"/>
+          </a:ln>
+          <a:effectLst/>
+        </c:spPr>
+        <c:txPr>
+          <a:bodyPr rot="-60000000" spcFirstLastPara="1" vertOverflow="ellipsis" vert="horz" wrap="square" anchor="ctr" anchorCtr="1"/>
+          <a:lstStyle/>
+          <a:p>
+            <a:pPr>
+              <a:defRPr sz="900" b="0" i="0" u="none" strike="noStrike" kern="1200" baseline="0">
+                <a:solidFill>
+                  <a:schemeClr val="tx1">
+                    <a:lumMod val="65000"/>
+                    <a:lumOff val="35000"/>
+                  </a:schemeClr>
+                </a:solidFill>
+                <a:latin typeface="+mn-lt"/>
+                <a:ea typeface="+mn-ea"/>
+                <a:cs typeface="+mn-cs"/>
+              </a:defRPr>
+            </a:pPr>
+            <a:endParaRPr lang="en-US"/>
+          </a:p>
+        </c:txPr>
+        <c:crossAx val="656501584"/>
+        <c:crosses val="autoZero"/>
+        <c:crossBetween val="between"/>
+      </c:valAx>
+      <c:spPr>
+        <a:noFill/>
+        <a:ln>
+          <a:noFill/>
+        </a:ln>
+        <a:effectLst/>
+      </c:spPr>
+    </c:plotArea>
+    <c:legend>
+      <c:legendPos val="r"/>
+      <c:layout>
+        <c:manualLayout>
+          <c:xMode val="edge"/>
+          <c:yMode val="edge"/>
+          <c:x val="0.83644885663563717"/>
+          <c:y val="3.4448533141738125E-2"/>
+          <c:w val="0.14055812877496315"/>
+          <c:h val="0.25849911274488846"/>
+        </c:manualLayout>
+      </c:layout>
+      <c:overlay val="0"/>
+      <c:spPr>
+        <a:noFill/>
+        <a:ln>
+          <a:noFill/>
+        </a:ln>
+        <a:effectLst/>
+      </c:spPr>
+      <c:txPr>
+        <a:bodyPr rot="0" spcFirstLastPara="1" vertOverflow="ellipsis" vert="horz" wrap="square" anchor="ctr" anchorCtr="1"/>
+        <a:lstStyle/>
+        <a:p>
+          <a:pPr>
+            <a:defRPr sz="900" b="0" i="0" u="none" strike="noStrike" kern="1200" baseline="0">
+              <a:solidFill>
+                <a:schemeClr val="tx1">
+                  <a:lumMod val="65000"/>
+                  <a:lumOff val="35000"/>
+                </a:schemeClr>
+              </a:solidFill>
+              <a:latin typeface="+mn-lt"/>
+              <a:ea typeface="+mn-ea"/>
+              <a:cs typeface="+mn-cs"/>
+            </a:defRPr>
+          </a:pPr>
+          <a:endParaRPr lang="en-US"/>
+        </a:p>
+      </c:txPr>
+    </c:legend>
+    <c:plotVisOnly val="1"/>
+    <c:dispBlanksAs val="gap"/>
+    <c:extLst>
+      <c:ext xmlns:c16r3="http://schemas.microsoft.com/office/drawing/2017/03/chart" uri="{56B9EC1D-385E-4148-901F-78D8002777C0}">
+        <c16r3:dataDisplayOptions16>
+          <c16r3:dispNaAsBlank val="1"/>
+        </c16r3:dataDisplayOptions16>
+      </c:ext>
+    </c:extLst>
+    <c:showDLblsOverMax val="0"/>
+  </c:chart>
+  <c:spPr>
+    <a:noFill/>
+    <a:ln>
+      <a:noFill/>
+    </a:ln>
+    <a:effectLst/>
+  </c:spPr>
+  <c:txPr>
+    <a:bodyPr/>
+    <a:lstStyle/>
+    <a:p>
+      <a:pPr>
+        <a:defRPr/>
+      </a:pPr>
+      <a:endParaRPr lang="en-US"/>
+    </a:p>
+  </c:txPr>
+  <c:externalData r:id="rId3">
+    <c:autoUpdate val="0"/>
+  </c:externalData>
+  <c:extLst>
+    <c:ext xmlns:c14="http://schemas.microsoft.com/office/drawing/2007/8/2/chart" uri="{781A3756-C4B2-4CAC-9D66-4F8BD8637D16}">
+      <c14:pivotOptions>
+        <c14:dropZoneFilter val="1"/>
+        <c14:dropZoneCategories val="1"/>
+        <c14:dropZoneData val="1"/>
+        <c14:dropZoneSeries val="1"/>
+        <c14:dropZonesVisible val="1"/>
+      </c14:pivotOptions>
+    </c:ext>
+    <c:ext xmlns:c16="http://schemas.microsoft.com/office/drawing/2014/chart" uri="{E28EC0CA-F0BB-4C9C-879D-F8772B89E7AC}">
+      <c16:pivotOptions16>
+        <c16:showExpandCollapseFieldButtons val="1"/>
+      </c16:pivotOptions16>
+    </c:ext>
+  </c:extLst>
+</c:chartSpace>
+</file>
+
+<file path=ppt/charts/chart2.xml><?xml version="1.0" encoding="utf-8"?>
+<c:chartSpace xmlns:c="http://schemas.openxmlformats.org/drawingml/2006/chart" xmlns:a="http://schemas.openxmlformats.org/drawingml/2006/main" xmlns:r="http://schemas.openxmlformats.org/officeDocument/2006/relationships" xmlns:c16r2="http://schemas.microsoft.com/office/drawing/2015/06/chart">
+  <c:date1904 val="0"/>
+  <c:lang val="en-US"/>
+  <c:roundedCorners val="0"/>
+  <mc:AlternateContent xmlns:mc="http://schemas.openxmlformats.org/markup-compatibility/2006">
+    <mc:Choice xmlns:c14="http://schemas.microsoft.com/office/drawing/2007/8/2/chart" Requires="c14">
+      <c14:style val="102"/>
+    </mc:Choice>
+    <mc:Fallback>
+      <c:style val="2"/>
+    </mc:Fallback>
+  </mc:AlternateContent>
+  <c:pivotSource>
+    <c:name>[RoughCBL (external) recon2.xlsx]Sheet1!PivotTable9</c:name>
+    <c:fmtId val="12"/>
+  </c:pivotSource>
+  <c:chart>
+    <c:autoTitleDeleted val="0"/>
+    <c:pivotFmts>
+      <c:pivotFmt>
+        <c:idx val="0"/>
+        <c:spPr>
+          <a:solidFill>
+            <a:schemeClr val="accent1"/>
+          </a:solidFill>
+          <a:ln>
+            <a:noFill/>
+          </a:ln>
+          <a:effectLst/>
+        </c:spPr>
+        <c:marker>
+          <c:symbol val="none"/>
+        </c:marker>
+      </c:pivotFmt>
+      <c:pivotFmt>
+        <c:idx val="1"/>
+        <c:spPr>
+          <a:solidFill>
+            <a:schemeClr val="accent1"/>
+          </a:solidFill>
+          <a:ln>
+            <a:noFill/>
+          </a:ln>
+          <a:effectLst/>
+        </c:spPr>
+        <c:marker>
+          <c:symbol val="none"/>
+        </c:marker>
+      </c:pivotFmt>
+      <c:pivotFmt>
+        <c:idx val="2"/>
+        <c:spPr>
+          <a:solidFill>
+            <a:schemeClr val="accent1"/>
+          </a:solidFill>
+          <a:ln>
+            <a:noFill/>
+          </a:ln>
+          <a:effectLst/>
+        </c:spPr>
+        <c:marker>
+          <c:symbol val="none"/>
+        </c:marker>
+      </c:pivotFmt>
+      <c:pivotFmt>
+        <c:idx val="3"/>
+        <c:spPr>
+          <a:solidFill>
+            <a:schemeClr val="accent1"/>
+          </a:solidFill>
+          <a:ln>
+            <a:noFill/>
+          </a:ln>
+          <a:effectLst/>
+        </c:spPr>
+        <c:marker>
+          <c:symbol val="none"/>
+        </c:marker>
+      </c:pivotFmt>
+      <c:pivotFmt>
+        <c:idx val="4"/>
+        <c:spPr>
+          <a:solidFill>
+            <a:schemeClr val="accent1"/>
+          </a:solidFill>
+          <a:ln>
+            <a:noFill/>
+          </a:ln>
+          <a:effectLst/>
+        </c:spPr>
+        <c:marker>
+          <c:symbol val="none"/>
+        </c:marker>
+      </c:pivotFmt>
+      <c:pivotFmt>
+        <c:idx val="5"/>
+        <c:spPr>
+          <a:solidFill>
+            <a:schemeClr val="accent1"/>
+          </a:solidFill>
+          <a:ln>
+            <a:noFill/>
+          </a:ln>
+          <a:effectLst/>
+        </c:spPr>
+        <c:marker>
+          <c:symbol val="none"/>
+        </c:marker>
+      </c:pivotFmt>
+      <c:pivotFmt>
+        <c:idx val="6"/>
+        <c:spPr>
+          <a:solidFill>
+            <a:schemeClr val="accent1"/>
+          </a:solidFill>
+          <a:ln>
+            <a:noFill/>
+          </a:ln>
+          <a:effectLst/>
+        </c:spPr>
+        <c:marker>
+          <c:symbol val="none"/>
+        </c:marker>
+      </c:pivotFmt>
+      <c:pivotFmt>
+        <c:idx val="7"/>
+        <c:spPr>
+          <a:solidFill>
+            <a:schemeClr val="accent1"/>
+          </a:solidFill>
+          <a:ln>
+            <a:noFill/>
+          </a:ln>
+          <a:effectLst/>
+        </c:spPr>
+        <c:marker>
+          <c:symbol val="none"/>
+        </c:marker>
+      </c:pivotFmt>
+      <c:pivotFmt>
+        <c:idx val="8"/>
+        <c:spPr>
+          <a:solidFill>
+            <a:schemeClr val="accent1"/>
+          </a:solidFill>
+          <a:ln>
+            <a:noFill/>
+          </a:ln>
+          <a:effectLst/>
+        </c:spPr>
+        <c:marker>
+          <c:symbol val="none"/>
+        </c:marker>
+      </c:pivotFmt>
+      <c:pivotFmt>
+        <c:idx val="9"/>
+        <c:spPr>
+          <a:solidFill>
+            <a:schemeClr val="accent1"/>
+          </a:solidFill>
+          <a:ln>
+            <a:noFill/>
+          </a:ln>
+          <a:effectLst/>
+        </c:spPr>
+        <c:marker>
+          <c:symbol val="none"/>
+        </c:marker>
+      </c:pivotFmt>
+      <c:pivotFmt>
+        <c:idx val="10"/>
+        <c:spPr>
+          <a:solidFill>
+            <a:schemeClr val="accent1"/>
+          </a:solidFill>
+          <a:ln>
+            <a:noFill/>
+          </a:ln>
+          <a:effectLst/>
+        </c:spPr>
+        <c:marker>
+          <c:symbol val="none"/>
+        </c:marker>
+      </c:pivotFmt>
+      <c:pivotFmt>
+        <c:idx val="11"/>
+        <c:spPr>
+          <a:solidFill>
+            <a:schemeClr val="accent1"/>
+          </a:solidFill>
+          <a:ln>
+            <a:noFill/>
+          </a:ln>
+          <a:effectLst/>
+        </c:spPr>
+        <c:marker>
+          <c:symbol val="none"/>
+        </c:marker>
+      </c:pivotFmt>
+      <c:pivotFmt>
+        <c:idx val="12"/>
+        <c:spPr>
+          <a:solidFill>
+            <a:schemeClr val="accent1"/>
+          </a:solidFill>
+          <a:ln>
+            <a:noFill/>
+          </a:ln>
+          <a:effectLst/>
+        </c:spPr>
+        <c:marker>
+          <c:symbol val="none"/>
+        </c:marker>
+      </c:pivotFmt>
+      <c:pivotFmt>
+        <c:idx val="13"/>
+        <c:spPr>
+          <a:solidFill>
+            <a:schemeClr val="accent1"/>
+          </a:solidFill>
+          <a:ln>
+            <a:noFill/>
+          </a:ln>
+          <a:effectLst/>
+        </c:spPr>
+        <c:marker>
+          <c:symbol val="none"/>
+        </c:marker>
+      </c:pivotFmt>
+      <c:pivotFmt>
+        <c:idx val="14"/>
+        <c:spPr>
+          <a:solidFill>
+            <a:schemeClr val="accent1"/>
+          </a:solidFill>
+          <a:ln>
+            <a:noFill/>
+          </a:ln>
+          <a:effectLst/>
+        </c:spPr>
+        <c:marker>
+          <c:symbol val="none"/>
+        </c:marker>
+      </c:pivotFmt>
+      <c:pivotFmt>
+        <c:idx val="15"/>
+        <c:spPr>
+          <a:solidFill>
+            <a:schemeClr val="accent1"/>
+          </a:solidFill>
+          <a:ln>
+            <a:noFill/>
+          </a:ln>
+          <a:effectLst/>
+        </c:spPr>
+        <c:marker>
+          <c:symbol val="none"/>
+        </c:marker>
+      </c:pivotFmt>
+      <c:pivotFmt>
+        <c:idx val="16"/>
+        <c:spPr>
+          <a:solidFill>
+            <a:schemeClr val="accent1"/>
+          </a:solidFill>
+          <a:ln>
+            <a:noFill/>
+          </a:ln>
+          <a:effectLst/>
+        </c:spPr>
+        <c:marker>
+          <c:symbol val="none"/>
+        </c:marker>
+      </c:pivotFmt>
+      <c:pivotFmt>
+        <c:idx val="17"/>
+        <c:spPr>
+          <a:solidFill>
+            <a:schemeClr val="accent1"/>
+          </a:solidFill>
+          <a:ln>
+            <a:noFill/>
+          </a:ln>
+          <a:effectLst/>
+        </c:spPr>
+        <c:marker>
+          <c:symbol val="none"/>
+        </c:marker>
+      </c:pivotFmt>
+      <c:pivotFmt>
+        <c:idx val="18"/>
+        <c:spPr>
+          <a:solidFill>
+            <a:schemeClr val="accent1"/>
+          </a:solidFill>
+          <a:ln>
+            <a:noFill/>
+          </a:ln>
+          <a:effectLst/>
+        </c:spPr>
+        <c:marker>
+          <c:symbol val="none"/>
+        </c:marker>
+      </c:pivotFmt>
+      <c:pivotFmt>
+        <c:idx val="19"/>
+        <c:spPr>
+          <a:solidFill>
+            <a:schemeClr val="accent1"/>
+          </a:solidFill>
+          <a:ln>
+            <a:noFill/>
+          </a:ln>
+          <a:effectLst/>
+        </c:spPr>
+        <c:marker>
+          <c:symbol val="none"/>
+        </c:marker>
+      </c:pivotFmt>
+      <c:pivotFmt>
+        <c:idx val="20"/>
+        <c:spPr>
+          <a:solidFill>
+            <a:schemeClr val="accent1"/>
+          </a:solidFill>
+          <a:ln>
+            <a:noFill/>
+          </a:ln>
+          <a:effectLst/>
+        </c:spPr>
+        <c:marker>
+          <c:symbol val="none"/>
+        </c:marker>
+      </c:pivotFmt>
+      <c:pivotFmt>
+        <c:idx val="21"/>
+        <c:spPr>
+          <a:solidFill>
+            <a:schemeClr val="accent1"/>
+          </a:solidFill>
+          <a:ln>
+            <a:noFill/>
+          </a:ln>
+          <a:effectLst/>
+        </c:spPr>
+        <c:marker>
+          <c:symbol val="none"/>
+        </c:marker>
+      </c:pivotFmt>
+      <c:pivotFmt>
+        <c:idx val="22"/>
+        <c:spPr>
+          <a:solidFill>
+            <a:schemeClr val="accent1"/>
+          </a:solidFill>
+          <a:ln>
+            <a:noFill/>
+          </a:ln>
+          <a:effectLst/>
+        </c:spPr>
+        <c:marker>
+          <c:symbol val="none"/>
+        </c:marker>
+      </c:pivotFmt>
+      <c:pivotFmt>
+        <c:idx val="23"/>
+        <c:spPr>
+          <a:solidFill>
+            <a:schemeClr val="accent1"/>
+          </a:solidFill>
+          <a:ln>
+            <a:noFill/>
+          </a:ln>
+          <a:effectLst/>
+        </c:spPr>
+        <c:marker>
+          <c:symbol val="none"/>
+        </c:marker>
+      </c:pivotFmt>
+    </c:pivotFmts>
+    <c:plotArea>
+      <c:layout>
+        <c:manualLayout>
+          <c:layoutTarget val="inner"/>
+          <c:xMode val="edge"/>
+          <c:yMode val="edge"/>
+          <c:x val="3.6862380391427446E-2"/>
+          <c:y val="3.7383177570093455E-2"/>
+          <c:w val="0.81522826378986091"/>
+          <c:h val="0.8934633404469301"/>
+        </c:manualLayout>
+      </c:layout>
+      <c:barChart>
+        <c:barDir val="col"/>
+        <c:grouping val="clustered"/>
+        <c:varyColors val="0"/>
+        <c:ser>
+          <c:idx val="0"/>
+          <c:order val="0"/>
+          <c:tx>
+            <c:strRef>
+              <c:f>Sheet1!$B$1:$B$2</c:f>
+              <c:strCache>
+                <c:ptCount val="1"/>
+                <c:pt idx="0">
+                  <c:v>Foreclosure Auction</c:v>
+                </c:pt>
+              </c:strCache>
+            </c:strRef>
+          </c:tx>
+          <c:spPr>
+            <a:solidFill>
+              <a:schemeClr val="accent1"/>
+            </a:solidFill>
+            <a:ln>
+              <a:noFill/>
+            </a:ln>
+            <a:effectLst/>
+          </c:spPr>
+          <c:invertIfNegative val="0"/>
+          <c:cat>
+            <c:strRef>
+              <c:f>Sheet1!$A$3:$A$15</c:f>
+              <c:strCache>
+                <c:ptCount val="12"/>
+                <c:pt idx="0">
+                  <c:v>2008</c:v>
+                </c:pt>
+                <c:pt idx="1">
+                  <c:v>2009</c:v>
+                </c:pt>
+                <c:pt idx="2">
+                  <c:v>2010</c:v>
+                </c:pt>
+                <c:pt idx="3">
+                  <c:v>2011</c:v>
+                </c:pt>
+                <c:pt idx="4">
+                  <c:v>2012</c:v>
+                </c:pt>
+                <c:pt idx="5">
+                  <c:v>2013</c:v>
+                </c:pt>
+                <c:pt idx="6">
+                  <c:v>2014</c:v>
+                </c:pt>
+                <c:pt idx="7">
+                  <c:v>2015</c:v>
+                </c:pt>
+                <c:pt idx="8">
+                  <c:v>2016</c:v>
+                </c:pt>
+                <c:pt idx="9">
+                  <c:v>2017</c:v>
+                </c:pt>
+                <c:pt idx="10">
+                  <c:v>2018</c:v>
+                </c:pt>
+                <c:pt idx="11">
+                  <c:v>2019</c:v>
+                </c:pt>
+              </c:strCache>
+            </c:strRef>
+          </c:cat>
+          <c:val>
+            <c:numRef>
+              <c:f>Sheet1!$B$3:$B$15</c:f>
+              <c:numCache>
+                <c:formatCode>General</c:formatCode>
+                <c:ptCount val="12"/>
+                <c:pt idx="0">
+                  <c:v>7</c:v>
+                </c:pt>
+                <c:pt idx="1">
+                  <c:v>114</c:v>
+                </c:pt>
+                <c:pt idx="2">
+                  <c:v>182</c:v>
+                </c:pt>
+                <c:pt idx="3">
+                  <c:v>73</c:v>
+                </c:pt>
+                <c:pt idx="4">
+                  <c:v>65</c:v>
+                </c:pt>
+                <c:pt idx="5">
+                  <c:v>121</c:v>
+                </c:pt>
+                <c:pt idx="6">
+                  <c:v>122</c:v>
+                </c:pt>
+                <c:pt idx="7">
+                  <c:v>80</c:v>
+                </c:pt>
+                <c:pt idx="8">
+                  <c:v>109</c:v>
+                </c:pt>
+                <c:pt idx="9">
+                  <c:v>143</c:v>
+                </c:pt>
+                <c:pt idx="10">
+                  <c:v>68</c:v>
+                </c:pt>
+                <c:pt idx="11">
+                  <c:v>50</c:v>
+                </c:pt>
+              </c:numCache>
+            </c:numRef>
+          </c:val>
+          <c:extLst>
+            <c:ext xmlns:c16="http://schemas.microsoft.com/office/drawing/2014/chart" uri="{C3380CC4-5D6E-409C-BE32-E72D297353CC}">
+              <c16:uniqueId val="{00000000-7FBC-3B47-99AC-9B2581CE212F}"/>
+            </c:ext>
+          </c:extLst>
+        </c:ser>
+        <c:ser>
+          <c:idx val="1"/>
+          <c:order val="1"/>
+          <c:tx>
+            <c:strRef>
+              <c:f>Sheet1!$C$1:$C$2</c:f>
+              <c:strCache>
+                <c:ptCount val="1"/>
+                <c:pt idx="0">
+                  <c:v>Full Payoff</c:v>
+                </c:pt>
+              </c:strCache>
+            </c:strRef>
+          </c:tx>
+          <c:spPr>
+            <a:solidFill>
+              <a:schemeClr val="accent2"/>
+            </a:solidFill>
+            <a:ln>
+              <a:noFill/>
+            </a:ln>
+            <a:effectLst/>
+          </c:spPr>
+          <c:invertIfNegative val="0"/>
+          <c:cat>
+            <c:strRef>
+              <c:f>Sheet1!$A$3:$A$15</c:f>
+              <c:strCache>
+                <c:ptCount val="12"/>
+                <c:pt idx="0">
+                  <c:v>2008</c:v>
+                </c:pt>
+                <c:pt idx="1">
+                  <c:v>2009</c:v>
+                </c:pt>
+                <c:pt idx="2">
+                  <c:v>2010</c:v>
+                </c:pt>
+                <c:pt idx="3">
+                  <c:v>2011</c:v>
+                </c:pt>
+                <c:pt idx="4">
+                  <c:v>2012</c:v>
+                </c:pt>
+                <c:pt idx="5">
+                  <c:v>2013</c:v>
+                </c:pt>
+                <c:pt idx="6">
+                  <c:v>2014</c:v>
+                </c:pt>
+                <c:pt idx="7">
+                  <c:v>2015</c:v>
+                </c:pt>
+                <c:pt idx="8">
+                  <c:v>2016</c:v>
+                </c:pt>
+                <c:pt idx="9">
+                  <c:v>2017</c:v>
+                </c:pt>
+                <c:pt idx="10">
+                  <c:v>2018</c:v>
+                </c:pt>
+                <c:pt idx="11">
+                  <c:v>2019</c:v>
+                </c:pt>
+              </c:strCache>
+            </c:strRef>
+          </c:cat>
+          <c:val>
+            <c:numRef>
+              <c:f>Sheet1!$C$3:$C$15</c:f>
+              <c:numCache>
+                <c:formatCode>General</c:formatCode>
+                <c:ptCount val="12"/>
+                <c:pt idx="0">
+                  <c:v>3</c:v>
+                </c:pt>
+                <c:pt idx="1">
+                  <c:v>13</c:v>
+                </c:pt>
+                <c:pt idx="2">
+                  <c:v>11</c:v>
+                </c:pt>
+                <c:pt idx="3">
+                  <c:v>15</c:v>
+                </c:pt>
+                <c:pt idx="4">
+                  <c:v>8</c:v>
+                </c:pt>
+                <c:pt idx="5">
+                  <c:v>10</c:v>
+                </c:pt>
+                <c:pt idx="6">
+                  <c:v>30</c:v>
+                </c:pt>
+                <c:pt idx="7">
+                  <c:v>82</c:v>
+                </c:pt>
+                <c:pt idx="8">
+                  <c:v>57</c:v>
+                </c:pt>
+                <c:pt idx="9">
+                  <c:v>58</c:v>
+                </c:pt>
+                <c:pt idx="10">
+                  <c:v>134</c:v>
+                </c:pt>
+                <c:pt idx="11">
+                  <c:v>60</c:v>
+                </c:pt>
+              </c:numCache>
+            </c:numRef>
+          </c:val>
+          <c:extLst>
+            <c:ext xmlns:c16="http://schemas.microsoft.com/office/drawing/2014/chart" uri="{C3380CC4-5D6E-409C-BE32-E72D297353CC}">
+              <c16:uniqueId val="{00000001-7FBC-3B47-99AC-9B2581CE212F}"/>
+            </c:ext>
+          </c:extLst>
+        </c:ser>
+        <c:ser>
+          <c:idx val="2"/>
+          <c:order val="2"/>
+          <c:tx>
+            <c:strRef>
+              <c:f>Sheet1!$D$1:$D$2</c:f>
+              <c:strCache>
+                <c:ptCount val="1"/>
+                <c:pt idx="0">
+                  <c:v>Note Sale - NPL</c:v>
+                </c:pt>
+              </c:strCache>
+            </c:strRef>
+          </c:tx>
+          <c:spPr>
+            <a:solidFill>
+              <a:schemeClr val="accent3"/>
+            </a:solidFill>
+            <a:ln>
+              <a:noFill/>
+            </a:ln>
+            <a:effectLst/>
+          </c:spPr>
+          <c:invertIfNegative val="0"/>
+          <c:cat>
+            <c:strRef>
+              <c:f>Sheet1!$A$3:$A$15</c:f>
+              <c:strCache>
+                <c:ptCount val="12"/>
+                <c:pt idx="0">
+                  <c:v>2008</c:v>
+                </c:pt>
+                <c:pt idx="1">
+                  <c:v>2009</c:v>
+                </c:pt>
+                <c:pt idx="2">
+                  <c:v>2010</c:v>
+                </c:pt>
+                <c:pt idx="3">
+                  <c:v>2011</c:v>
+                </c:pt>
+                <c:pt idx="4">
+                  <c:v>2012</c:v>
+                </c:pt>
+                <c:pt idx="5">
+                  <c:v>2013</c:v>
+                </c:pt>
+                <c:pt idx="6">
+                  <c:v>2014</c:v>
+                </c:pt>
+                <c:pt idx="7">
+                  <c:v>2015</c:v>
+                </c:pt>
+                <c:pt idx="8">
+                  <c:v>2016</c:v>
+                </c:pt>
+                <c:pt idx="9">
+                  <c:v>2017</c:v>
+                </c:pt>
+                <c:pt idx="10">
+                  <c:v>2018</c:v>
+                </c:pt>
+                <c:pt idx="11">
+                  <c:v>2019</c:v>
+                </c:pt>
+              </c:strCache>
+            </c:strRef>
+          </c:cat>
+          <c:val>
+            <c:numRef>
+              <c:f>Sheet1!$D$3:$D$15</c:f>
+              <c:numCache>
+                <c:formatCode>General</c:formatCode>
+                <c:ptCount val="12"/>
+                <c:pt idx="0">
+                  <c:v>30</c:v>
+                </c:pt>
+                <c:pt idx="1">
+                  <c:v>574</c:v>
+                </c:pt>
+                <c:pt idx="2">
+                  <c:v>386</c:v>
+                </c:pt>
+                <c:pt idx="3">
+                  <c:v>302</c:v>
+                </c:pt>
+                <c:pt idx="4">
+                  <c:v>585</c:v>
+                </c:pt>
+                <c:pt idx="5">
+                  <c:v>542</c:v>
+                </c:pt>
+                <c:pt idx="6">
+                  <c:v>583</c:v>
+                </c:pt>
+                <c:pt idx="7">
+                  <c:v>882</c:v>
+                </c:pt>
+                <c:pt idx="8">
+                  <c:v>374</c:v>
+                </c:pt>
+                <c:pt idx="9">
+                  <c:v>1128</c:v>
+                </c:pt>
+                <c:pt idx="10">
+                  <c:v>550</c:v>
+                </c:pt>
+                <c:pt idx="11">
+                  <c:v>120</c:v>
+                </c:pt>
+              </c:numCache>
+            </c:numRef>
+          </c:val>
+          <c:extLst>
+            <c:ext xmlns:c16="http://schemas.microsoft.com/office/drawing/2014/chart" uri="{C3380CC4-5D6E-409C-BE32-E72D297353CC}">
+              <c16:uniqueId val="{00000002-7FBC-3B47-99AC-9B2581CE212F}"/>
+            </c:ext>
+          </c:extLst>
+        </c:ser>
+        <c:ser>
+          <c:idx val="3"/>
+          <c:order val="3"/>
+          <c:tx>
+            <c:strRef>
+              <c:f>Sheet1!$E$1:$E$2</c:f>
+              <c:strCache>
+                <c:ptCount val="1"/>
+                <c:pt idx="0">
+                  <c:v>Note Sale - PL</c:v>
+                </c:pt>
+              </c:strCache>
+            </c:strRef>
+          </c:tx>
+          <c:spPr>
+            <a:solidFill>
+              <a:schemeClr val="accent4"/>
+            </a:solidFill>
+            <a:ln>
+              <a:noFill/>
+            </a:ln>
+            <a:effectLst/>
+          </c:spPr>
+          <c:invertIfNegative val="0"/>
+          <c:cat>
+            <c:strRef>
+              <c:f>Sheet1!$A$3:$A$15</c:f>
+              <c:strCache>
+                <c:ptCount val="12"/>
+                <c:pt idx="0">
+                  <c:v>2008</c:v>
+                </c:pt>
+                <c:pt idx="1">
+                  <c:v>2009</c:v>
+                </c:pt>
+                <c:pt idx="2">
+                  <c:v>2010</c:v>
+                </c:pt>
+                <c:pt idx="3">
+                  <c:v>2011</c:v>
+                </c:pt>
+                <c:pt idx="4">
+                  <c:v>2012</c:v>
+                </c:pt>
+                <c:pt idx="5">
+                  <c:v>2013</c:v>
+                </c:pt>
+                <c:pt idx="6">
+                  <c:v>2014</c:v>
+                </c:pt>
+                <c:pt idx="7">
+                  <c:v>2015</c:v>
+                </c:pt>
+                <c:pt idx="8">
+                  <c:v>2016</c:v>
+                </c:pt>
+                <c:pt idx="9">
+                  <c:v>2017</c:v>
+                </c:pt>
+                <c:pt idx="10">
+                  <c:v>2018</c:v>
+                </c:pt>
+                <c:pt idx="11">
+                  <c:v>2019</c:v>
+                </c:pt>
+              </c:strCache>
+            </c:strRef>
+          </c:cat>
+          <c:val>
+            <c:numRef>
+              <c:f>Sheet1!$E$3:$E$15</c:f>
+              <c:numCache>
+                <c:formatCode>General</c:formatCode>
+                <c:ptCount val="12"/>
+                <c:pt idx="8">
+                  <c:v>1</c:v>
+                </c:pt>
+                <c:pt idx="10">
+                  <c:v>26</c:v>
+                </c:pt>
+                <c:pt idx="11">
+                  <c:v>9</c:v>
+                </c:pt>
+              </c:numCache>
+            </c:numRef>
+          </c:val>
+          <c:extLst>
+            <c:ext xmlns:c16="http://schemas.microsoft.com/office/drawing/2014/chart" uri="{C3380CC4-5D6E-409C-BE32-E72D297353CC}">
+              <c16:uniqueId val="{00000003-7FBC-3B47-99AC-9B2581CE212F}"/>
+            </c:ext>
+          </c:extLst>
+        </c:ser>
+        <c:ser>
+          <c:idx val="4"/>
+          <c:order val="4"/>
+          <c:tx>
+            <c:strRef>
+              <c:f>Sheet1!$F$1:$F$2</c:f>
+              <c:strCache>
+                <c:ptCount val="1"/>
+                <c:pt idx="0">
+                  <c:v>Note Sale - RPL</c:v>
+                </c:pt>
+              </c:strCache>
+            </c:strRef>
+          </c:tx>
+          <c:spPr>
+            <a:solidFill>
+              <a:schemeClr val="accent5"/>
+            </a:solidFill>
+            <a:ln>
+              <a:noFill/>
+            </a:ln>
+            <a:effectLst/>
+          </c:spPr>
+          <c:invertIfNegative val="0"/>
+          <c:cat>
+            <c:strRef>
+              <c:f>Sheet1!$A$3:$A$15</c:f>
+              <c:strCache>
+                <c:ptCount val="12"/>
+                <c:pt idx="0">
+                  <c:v>2008</c:v>
+                </c:pt>
+                <c:pt idx="1">
+                  <c:v>2009</c:v>
+                </c:pt>
+                <c:pt idx="2">
+                  <c:v>2010</c:v>
+                </c:pt>
+                <c:pt idx="3">
+                  <c:v>2011</c:v>
+                </c:pt>
+                <c:pt idx="4">
+                  <c:v>2012</c:v>
+                </c:pt>
+                <c:pt idx="5">
+                  <c:v>2013</c:v>
+                </c:pt>
+                <c:pt idx="6">
+                  <c:v>2014</c:v>
+                </c:pt>
+                <c:pt idx="7">
+                  <c:v>2015</c:v>
+                </c:pt>
+                <c:pt idx="8">
+                  <c:v>2016</c:v>
+                </c:pt>
+                <c:pt idx="9">
+                  <c:v>2017</c:v>
+                </c:pt>
+                <c:pt idx="10">
+                  <c:v>2018</c:v>
+                </c:pt>
+                <c:pt idx="11">
+                  <c:v>2019</c:v>
+                </c:pt>
+              </c:strCache>
+            </c:strRef>
+          </c:cat>
+          <c:val>
+            <c:numRef>
+              <c:f>Sheet1!$F$3:$F$15</c:f>
+              <c:numCache>
+                <c:formatCode>General</c:formatCode>
+                <c:ptCount val="12"/>
+                <c:pt idx="0">
+                  <c:v>18</c:v>
+                </c:pt>
+                <c:pt idx="1">
+                  <c:v>468</c:v>
+                </c:pt>
+                <c:pt idx="2">
+                  <c:v>229</c:v>
+                </c:pt>
+                <c:pt idx="3">
+                  <c:v>247</c:v>
+                </c:pt>
+                <c:pt idx="4">
+                  <c:v>206</c:v>
+                </c:pt>
+                <c:pt idx="5">
+                  <c:v>152</c:v>
+                </c:pt>
+                <c:pt idx="6">
+                  <c:v>276</c:v>
+                </c:pt>
+                <c:pt idx="7">
+                  <c:v>1128</c:v>
+                </c:pt>
+                <c:pt idx="8">
+                  <c:v>833</c:v>
+                </c:pt>
+                <c:pt idx="9">
+                  <c:v>382</c:v>
+                </c:pt>
+                <c:pt idx="10">
+                  <c:v>692</c:v>
+                </c:pt>
+                <c:pt idx="11">
+                  <c:v>622</c:v>
+                </c:pt>
+              </c:numCache>
+            </c:numRef>
+          </c:val>
+          <c:extLst>
+            <c:ext xmlns:c16="http://schemas.microsoft.com/office/drawing/2014/chart" uri="{C3380CC4-5D6E-409C-BE32-E72D297353CC}">
+              <c16:uniqueId val="{00000004-7FBC-3B47-99AC-9B2581CE212F}"/>
+            </c:ext>
+          </c:extLst>
+        </c:ser>
+        <c:ser>
+          <c:idx val="5"/>
+          <c:order val="5"/>
+          <c:tx>
+            <c:strRef>
+              <c:f>Sheet1!$G$1:$G$2</c:f>
+              <c:strCache>
+                <c:ptCount val="1"/>
+                <c:pt idx="0">
+                  <c:v>REO Sale DIL</c:v>
+                </c:pt>
+              </c:strCache>
+            </c:strRef>
+          </c:tx>
+          <c:spPr>
+            <a:solidFill>
+              <a:schemeClr val="accent6"/>
+            </a:solidFill>
+            <a:ln>
+              <a:noFill/>
+            </a:ln>
+            <a:effectLst/>
+          </c:spPr>
+          <c:invertIfNegative val="0"/>
+          <c:cat>
+            <c:strRef>
+              <c:f>Sheet1!$A$3:$A$15</c:f>
+              <c:strCache>
+                <c:ptCount val="12"/>
+                <c:pt idx="0">
+                  <c:v>2008</c:v>
+                </c:pt>
+                <c:pt idx="1">
+                  <c:v>2009</c:v>
+                </c:pt>
+                <c:pt idx="2">
+                  <c:v>2010</c:v>
+                </c:pt>
+                <c:pt idx="3">
+                  <c:v>2011</c:v>
+                </c:pt>
+                <c:pt idx="4">
+                  <c:v>2012</c:v>
+                </c:pt>
+                <c:pt idx="5">
+                  <c:v>2013</c:v>
+                </c:pt>
+                <c:pt idx="6">
+                  <c:v>2014</c:v>
+                </c:pt>
+                <c:pt idx="7">
+                  <c:v>2015</c:v>
+                </c:pt>
+                <c:pt idx="8">
+                  <c:v>2016</c:v>
+                </c:pt>
+                <c:pt idx="9">
+                  <c:v>2017</c:v>
+                </c:pt>
+                <c:pt idx="10">
+                  <c:v>2018</c:v>
+                </c:pt>
+                <c:pt idx="11">
+                  <c:v>2019</c:v>
+                </c:pt>
+              </c:strCache>
+            </c:strRef>
+          </c:cat>
+          <c:val>
+            <c:numRef>
+              <c:f>Sheet1!$G$3:$G$15</c:f>
+              <c:numCache>
+                <c:formatCode>General</c:formatCode>
+                <c:ptCount val="12"/>
+                <c:pt idx="0">
+                  <c:v>4</c:v>
+                </c:pt>
+                <c:pt idx="1">
+                  <c:v>289</c:v>
+                </c:pt>
+                <c:pt idx="2">
+                  <c:v>582</c:v>
+                </c:pt>
+                <c:pt idx="3">
+                  <c:v>545</c:v>
+                </c:pt>
+                <c:pt idx="4">
+                  <c:v>403</c:v>
+                </c:pt>
+                <c:pt idx="5">
+                  <c:v>241</c:v>
+                </c:pt>
+                <c:pt idx="6">
+                  <c:v>316</c:v>
+                </c:pt>
+                <c:pt idx="7">
+                  <c:v>166</c:v>
+                </c:pt>
+                <c:pt idx="8">
+                  <c:v>136</c:v>
+                </c:pt>
+                <c:pt idx="9">
+                  <c:v>344</c:v>
+                </c:pt>
+                <c:pt idx="10">
+                  <c:v>227</c:v>
+                </c:pt>
+                <c:pt idx="11">
+                  <c:v>52</c:v>
+                </c:pt>
+              </c:numCache>
+            </c:numRef>
+          </c:val>
+          <c:extLst>
+            <c:ext xmlns:c16="http://schemas.microsoft.com/office/drawing/2014/chart" uri="{C3380CC4-5D6E-409C-BE32-E72D297353CC}">
+              <c16:uniqueId val="{00000005-7FBC-3B47-99AC-9B2581CE212F}"/>
+            </c:ext>
+          </c:extLst>
+        </c:ser>
+        <c:ser>
+          <c:idx val="6"/>
+          <c:order val="6"/>
+          <c:tx>
+            <c:strRef>
+              <c:f>Sheet1!$H$1:$H$2</c:f>
+              <c:strCache>
+                <c:ptCount val="1"/>
+                <c:pt idx="0">
+                  <c:v>REO Sale FCL</c:v>
+                </c:pt>
+              </c:strCache>
+            </c:strRef>
+          </c:tx>
+          <c:spPr>
+            <a:solidFill>
+              <a:schemeClr val="accent1">
+                <a:lumMod val="60000"/>
+              </a:schemeClr>
+            </a:solidFill>
+            <a:ln>
+              <a:noFill/>
+            </a:ln>
+            <a:effectLst/>
+          </c:spPr>
+          <c:invertIfNegative val="0"/>
+          <c:cat>
+            <c:strRef>
+              <c:f>Sheet1!$A$3:$A$15</c:f>
+              <c:strCache>
+                <c:ptCount val="12"/>
+                <c:pt idx="0">
+                  <c:v>2008</c:v>
+                </c:pt>
+                <c:pt idx="1">
+                  <c:v>2009</c:v>
+                </c:pt>
+                <c:pt idx="2">
+                  <c:v>2010</c:v>
+                </c:pt>
+                <c:pt idx="3">
+                  <c:v>2011</c:v>
+                </c:pt>
+                <c:pt idx="4">
+                  <c:v>2012</c:v>
+                </c:pt>
+                <c:pt idx="5">
+                  <c:v>2013</c:v>
+                </c:pt>
+                <c:pt idx="6">
+                  <c:v>2014</c:v>
+                </c:pt>
+                <c:pt idx="7">
+                  <c:v>2015</c:v>
+                </c:pt>
+                <c:pt idx="8">
+                  <c:v>2016</c:v>
+                </c:pt>
+                <c:pt idx="9">
+                  <c:v>2017</c:v>
+                </c:pt>
+                <c:pt idx="10">
+                  <c:v>2018</c:v>
+                </c:pt>
+                <c:pt idx="11">
+                  <c:v>2019</c:v>
+                </c:pt>
+              </c:strCache>
+            </c:strRef>
+          </c:cat>
+          <c:val>
+            <c:numRef>
+              <c:f>Sheet1!$H$3:$H$15</c:f>
+              <c:numCache>
+                <c:formatCode>General</c:formatCode>
+                <c:ptCount val="12"/>
+                <c:pt idx="0">
+                  <c:v>74</c:v>
+                </c:pt>
+                <c:pt idx="1">
+                  <c:v>905</c:v>
+                </c:pt>
+                <c:pt idx="2">
+                  <c:v>1216</c:v>
+                </c:pt>
+                <c:pt idx="3">
+                  <c:v>1107</c:v>
+                </c:pt>
+                <c:pt idx="4">
+                  <c:v>635</c:v>
+                </c:pt>
+                <c:pt idx="5">
+                  <c:v>270</c:v>
+                </c:pt>
+                <c:pt idx="6">
+                  <c:v>474</c:v>
+                </c:pt>
+                <c:pt idx="7">
+                  <c:v>507</c:v>
+                </c:pt>
+                <c:pt idx="8">
+                  <c:v>355</c:v>
+                </c:pt>
+                <c:pt idx="9">
+                  <c:v>687</c:v>
+                </c:pt>
+                <c:pt idx="10">
+                  <c:v>526</c:v>
+                </c:pt>
+                <c:pt idx="11">
+                  <c:v>159</c:v>
+                </c:pt>
+              </c:numCache>
+            </c:numRef>
+          </c:val>
+          <c:extLst>
+            <c:ext xmlns:c16="http://schemas.microsoft.com/office/drawing/2014/chart" uri="{C3380CC4-5D6E-409C-BE32-E72D297353CC}">
+              <c16:uniqueId val="{00000006-7FBC-3B47-99AC-9B2581CE212F}"/>
+            </c:ext>
+          </c:extLst>
+        </c:ser>
+        <c:ser>
+          <c:idx val="7"/>
+          <c:order val="7"/>
+          <c:tx>
+            <c:strRef>
+              <c:f>Sheet1!$I$1:$I$2</c:f>
+              <c:strCache>
+                <c:ptCount val="1"/>
+                <c:pt idx="0">
+                  <c:v>Short Payoff</c:v>
+                </c:pt>
+              </c:strCache>
+            </c:strRef>
+          </c:tx>
+          <c:spPr>
+            <a:solidFill>
+              <a:schemeClr val="accent2">
+                <a:lumMod val="60000"/>
+              </a:schemeClr>
+            </a:solidFill>
+            <a:ln>
+              <a:noFill/>
+            </a:ln>
+            <a:effectLst/>
+          </c:spPr>
+          <c:invertIfNegative val="0"/>
+          <c:cat>
+            <c:strRef>
+              <c:f>Sheet1!$A$3:$A$15</c:f>
+              <c:strCache>
+                <c:ptCount val="12"/>
+                <c:pt idx="0">
+                  <c:v>2008</c:v>
+                </c:pt>
+                <c:pt idx="1">
+                  <c:v>2009</c:v>
+                </c:pt>
+                <c:pt idx="2">
+                  <c:v>2010</c:v>
+                </c:pt>
+                <c:pt idx="3">
+                  <c:v>2011</c:v>
+                </c:pt>
+                <c:pt idx="4">
+                  <c:v>2012</c:v>
+                </c:pt>
+                <c:pt idx="5">
+                  <c:v>2013</c:v>
+                </c:pt>
+                <c:pt idx="6">
+                  <c:v>2014</c:v>
+                </c:pt>
+                <c:pt idx="7">
+                  <c:v>2015</c:v>
+                </c:pt>
+                <c:pt idx="8">
+                  <c:v>2016</c:v>
+                </c:pt>
+                <c:pt idx="9">
+                  <c:v>2017</c:v>
+                </c:pt>
+                <c:pt idx="10">
+                  <c:v>2018</c:v>
+                </c:pt>
+                <c:pt idx="11">
+                  <c:v>2019</c:v>
+                </c:pt>
+              </c:strCache>
+            </c:strRef>
+          </c:cat>
+          <c:val>
+            <c:numRef>
+              <c:f>Sheet1!$I$3:$I$15</c:f>
+              <c:numCache>
+                <c:formatCode>General</c:formatCode>
+                <c:ptCount val="12"/>
+                <c:pt idx="0">
+                  <c:v>78</c:v>
+                </c:pt>
+                <c:pt idx="1">
+                  <c:v>625</c:v>
+                </c:pt>
+                <c:pt idx="2">
+                  <c:v>456</c:v>
+                </c:pt>
+                <c:pt idx="3">
+                  <c:v>480</c:v>
+                </c:pt>
+                <c:pt idx="4">
+                  <c:v>276</c:v>
+                </c:pt>
+                <c:pt idx="5">
+                  <c:v>303</c:v>
+                </c:pt>
+                <c:pt idx="6">
+                  <c:v>245</c:v>
+                </c:pt>
+                <c:pt idx="7">
+                  <c:v>169</c:v>
+                </c:pt>
+                <c:pt idx="8">
+                  <c:v>194</c:v>
+                </c:pt>
+                <c:pt idx="9">
+                  <c:v>354</c:v>
+                </c:pt>
+                <c:pt idx="10">
+                  <c:v>127</c:v>
+                </c:pt>
+                <c:pt idx="11">
+                  <c:v>51</c:v>
+                </c:pt>
+              </c:numCache>
+            </c:numRef>
+          </c:val>
+          <c:extLst>
+            <c:ext xmlns:c16="http://schemas.microsoft.com/office/drawing/2014/chart" uri="{C3380CC4-5D6E-409C-BE32-E72D297353CC}">
+              <c16:uniqueId val="{00000007-7FBC-3B47-99AC-9B2581CE212F}"/>
+            </c:ext>
+          </c:extLst>
+        </c:ser>
+        <c:dLbls>
+          <c:showLegendKey val="0"/>
+          <c:showVal val="0"/>
+          <c:showCatName val="0"/>
+          <c:showSerName val="0"/>
+          <c:showPercent val="0"/>
+          <c:showBubbleSize val="0"/>
+        </c:dLbls>
+        <c:gapWidth val="219"/>
+        <c:overlap val="-27"/>
+        <c:axId val="1094936512"/>
+        <c:axId val="343485616"/>
+      </c:barChart>
+      <c:catAx>
+        <c:axId val="1094936512"/>
+        <c:scaling>
+          <c:orientation val="minMax"/>
+        </c:scaling>
+        <c:delete val="0"/>
+        <c:axPos val="b"/>
+        <c:numFmt formatCode="General" sourceLinked="1"/>
+        <c:majorTickMark val="none"/>
+        <c:minorTickMark val="none"/>
+        <c:tickLblPos val="nextTo"/>
+        <c:spPr>
+          <a:noFill/>
+          <a:ln w="9525" cap="flat" cmpd="sng" algn="ctr">
+            <a:solidFill>
+              <a:schemeClr val="tx1">
+                <a:lumMod val="15000"/>
+                <a:lumOff val="85000"/>
+              </a:schemeClr>
+            </a:solidFill>
+            <a:round/>
+          </a:ln>
+          <a:effectLst/>
+        </c:spPr>
+        <c:txPr>
+          <a:bodyPr rot="-60000000" spcFirstLastPara="1" vertOverflow="ellipsis" vert="horz" wrap="square" anchor="ctr" anchorCtr="1"/>
+          <a:lstStyle/>
+          <a:p>
+            <a:pPr>
+              <a:defRPr sz="900" b="0" i="0" u="none" strike="noStrike" kern="1200" baseline="0">
+                <a:solidFill>
+                  <a:schemeClr val="tx1">
+                    <a:lumMod val="65000"/>
+                    <a:lumOff val="35000"/>
+                  </a:schemeClr>
+                </a:solidFill>
+                <a:latin typeface="+mn-lt"/>
+                <a:ea typeface="+mn-ea"/>
+                <a:cs typeface="+mn-cs"/>
+              </a:defRPr>
+            </a:pPr>
+            <a:endParaRPr lang="en-US"/>
+          </a:p>
+        </c:txPr>
+        <c:crossAx val="343485616"/>
+        <c:crosses val="autoZero"/>
+        <c:auto val="1"/>
+        <c:lblAlgn val="ctr"/>
+        <c:lblOffset val="100"/>
+        <c:noMultiLvlLbl val="0"/>
+      </c:catAx>
+      <c:valAx>
+        <c:axId val="343485616"/>
+        <c:scaling>
+          <c:orientation val="minMax"/>
+        </c:scaling>
+        <c:delete val="0"/>
+        <c:axPos val="l"/>
+        <c:majorGridlines>
+          <c:spPr>
+            <a:ln w="9525" cap="flat" cmpd="sng" algn="ctr">
+              <a:solidFill>
+                <a:schemeClr val="tx1">
+                  <a:lumMod val="15000"/>
+                  <a:lumOff val="85000"/>
+                </a:schemeClr>
+              </a:solidFill>
+              <a:round/>
+            </a:ln>
+            <a:effectLst/>
+          </c:spPr>
+        </c:majorGridlines>
+        <c:numFmt formatCode="General" sourceLinked="1"/>
+        <c:majorTickMark val="none"/>
+        <c:minorTickMark val="none"/>
+        <c:tickLblPos val="nextTo"/>
+        <c:spPr>
+          <a:noFill/>
+          <a:ln>
+            <a:noFill/>
+          </a:ln>
+          <a:effectLst/>
+        </c:spPr>
+        <c:txPr>
+          <a:bodyPr rot="-60000000" spcFirstLastPara="1" vertOverflow="ellipsis" vert="horz" wrap="square" anchor="ctr" anchorCtr="1"/>
+          <a:lstStyle/>
+          <a:p>
+            <a:pPr>
+              <a:defRPr sz="900" b="0" i="0" u="none" strike="noStrike" kern="1200" baseline="0">
+                <a:solidFill>
+                  <a:schemeClr val="tx1">
+                    <a:lumMod val="65000"/>
+                    <a:lumOff val="35000"/>
+                  </a:schemeClr>
+                </a:solidFill>
+                <a:latin typeface="+mn-lt"/>
+                <a:ea typeface="+mn-ea"/>
+                <a:cs typeface="+mn-cs"/>
+              </a:defRPr>
+            </a:pPr>
+            <a:endParaRPr lang="en-US"/>
+          </a:p>
+        </c:txPr>
+        <c:crossAx val="1094936512"/>
+        <c:crosses val="autoZero"/>
+        <c:crossBetween val="between"/>
+      </c:valAx>
+      <c:spPr>
+        <a:noFill/>
+        <a:ln>
+          <a:noFill/>
+        </a:ln>
+        <a:effectLst/>
+      </c:spPr>
+    </c:plotArea>
+    <c:legend>
+      <c:legendPos val="r"/>
+      <c:overlay val="0"/>
+      <c:spPr>
+        <a:noFill/>
+        <a:ln>
+          <a:noFill/>
+        </a:ln>
+        <a:effectLst/>
+      </c:spPr>
+      <c:txPr>
+        <a:bodyPr rot="0" spcFirstLastPara="1" vertOverflow="ellipsis" vert="horz" wrap="square" anchor="ctr" anchorCtr="1"/>
+        <a:lstStyle/>
+        <a:p>
+          <a:pPr>
+            <a:defRPr sz="900" b="0" i="0" u="none" strike="noStrike" kern="1200" baseline="0">
+              <a:solidFill>
+                <a:schemeClr val="tx1">
+                  <a:lumMod val="65000"/>
+                  <a:lumOff val="35000"/>
+                </a:schemeClr>
+              </a:solidFill>
+              <a:latin typeface="+mn-lt"/>
+              <a:ea typeface="+mn-ea"/>
+              <a:cs typeface="+mn-cs"/>
+            </a:defRPr>
+          </a:pPr>
+          <a:endParaRPr lang="en-US"/>
+        </a:p>
+      </c:txPr>
+    </c:legend>
+    <c:plotVisOnly val="1"/>
+    <c:dispBlanksAs val="gap"/>
+    <c:extLst>
+      <c:ext xmlns:c16r3="http://schemas.microsoft.com/office/drawing/2017/03/chart" uri="{56B9EC1D-385E-4148-901F-78D8002777C0}">
+        <c16r3:dataDisplayOptions16>
+          <c16r3:dispNaAsBlank val="1"/>
+        </c16r3:dataDisplayOptions16>
+      </c:ext>
+    </c:extLst>
+    <c:showDLblsOverMax val="0"/>
+  </c:chart>
+  <c:spPr>
+    <a:noFill/>
+    <a:ln>
+      <a:noFill/>
+    </a:ln>
+    <a:effectLst/>
+  </c:spPr>
+  <c:txPr>
+    <a:bodyPr/>
+    <a:lstStyle/>
+    <a:p>
+      <a:pPr>
+        <a:defRPr/>
+      </a:pPr>
+      <a:endParaRPr lang="en-US"/>
+    </a:p>
+  </c:txPr>
+  <c:externalData r:id="rId3">
+    <c:autoUpdate val="0"/>
+  </c:externalData>
+  <c:extLst>
+    <c:ext xmlns:c14="http://schemas.microsoft.com/office/drawing/2007/8/2/chart" uri="{781A3756-C4B2-4CAC-9D66-4F8BD8637D16}">
+      <c14:pivotOptions>
+        <c14:dropZoneFilter val="1"/>
+        <c14:dropZoneCategories val="1"/>
+        <c14:dropZoneData val="1"/>
+        <c14:dropZoneSeries val="1"/>
+        <c14:dropZonesVisible val="1"/>
+      </c14:pivotOptions>
+    </c:ext>
+    <c:ext xmlns:c16="http://schemas.microsoft.com/office/drawing/2014/chart" uri="{E28EC0CA-F0BB-4C9C-879D-F8772B89E7AC}">
+      <c16:pivotOptions16>
+        <c16:showExpandCollapseFieldButtons val="1"/>
+      </c16:pivotOptions16>
+    </c:ext>
+  </c:extLst>
+</c:chartSpace>
+</file>
+
+<file path=ppt/charts/chart3.xml><?xml version="1.0" encoding="utf-8"?>
+<c:chartSpace xmlns:c="http://schemas.openxmlformats.org/drawingml/2006/chart" xmlns:a="http://schemas.openxmlformats.org/drawingml/2006/main" xmlns:r="http://schemas.openxmlformats.org/officeDocument/2006/relationships" xmlns:c16r2="http://schemas.microsoft.com/office/drawing/2015/06/chart">
+  <c:date1904 val="0"/>
+  <c:lang val="en-US"/>
+  <c:roundedCorners val="0"/>
+  <mc:AlternateContent xmlns:mc="http://schemas.openxmlformats.org/markup-compatibility/2006">
+    <mc:Choice xmlns:c14="http://schemas.microsoft.com/office/drawing/2007/8/2/chart" Requires="c14">
+      <c14:style val="102"/>
+    </mc:Choice>
+    <mc:Fallback>
+      <c:style val="2"/>
+    </mc:Fallback>
+  </mc:AlternateContent>
+  <c:pivotSource>
+    <c:name>[RoughCBL (external) recon2.xlsx]Sheet5!PivotTable7</c:name>
+    <c:fmtId val="4"/>
+  </c:pivotSource>
+  <c:chart>
+    <c:autoTitleDeleted val="1"/>
+    <c:pivotFmts>
+      <c:pivotFmt>
+        <c:idx val="0"/>
+        <c:spPr>
+          <a:solidFill>
+            <a:schemeClr val="accent6"/>
+          </a:solidFill>
+          <a:ln>
+            <a:noFill/>
+          </a:ln>
+          <a:effectLst/>
+        </c:spPr>
+        <c:marker>
+          <c:symbol val="circle"/>
+          <c:size val="5"/>
+          <c:spPr>
+            <a:solidFill>
+              <a:schemeClr val="accent6"/>
+            </a:solidFill>
+            <a:ln w="9525">
+              <a:solidFill>
+                <a:schemeClr val="accent6"/>
+              </a:solidFill>
+            </a:ln>
+            <a:effectLst/>
+          </c:spPr>
+        </c:marker>
+      </c:pivotFmt>
+      <c:pivotFmt>
+        <c:idx val="1"/>
+      </c:pivotFmt>
+      <c:pivotFmt>
+        <c:idx val="2"/>
+      </c:pivotFmt>
+      <c:pivotFmt>
+        <c:idx val="3"/>
+      </c:pivotFmt>
+      <c:pivotFmt>
+        <c:idx val="4"/>
+      </c:pivotFmt>
+      <c:pivotFmt>
+        <c:idx val="5"/>
+      </c:pivotFmt>
+      <c:pivotFmt>
+        <c:idx val="6"/>
+      </c:pivotFmt>
+      <c:pivotFmt>
+        <c:idx val="7"/>
+      </c:pivotFmt>
+      <c:pivotFmt>
+        <c:idx val="8"/>
+      </c:pivotFmt>
+      <c:pivotFmt>
+        <c:idx val="9"/>
+      </c:pivotFmt>
+      <c:pivotFmt>
+        <c:idx val="10"/>
+      </c:pivotFmt>
+      <c:pivotFmt>
+        <c:idx val="11"/>
+      </c:pivotFmt>
+      <c:pivotFmt>
+        <c:idx val="12"/>
+      </c:pivotFmt>
+      <c:pivotFmt>
+        <c:idx val="13"/>
+      </c:pivotFmt>
+      <c:pivotFmt>
+        <c:idx val="14"/>
+      </c:pivotFmt>
+      <c:pivotFmt>
+        <c:idx val="15"/>
+      </c:pivotFmt>
+      <c:pivotFmt>
+        <c:idx val="16"/>
+      </c:pivotFmt>
+      <c:pivotFmt>
+        <c:idx val="17"/>
+      </c:pivotFmt>
+      <c:pivotFmt>
+        <c:idx val="18"/>
+      </c:pivotFmt>
+      <c:pivotFmt>
+        <c:idx val="19"/>
+      </c:pivotFmt>
+      <c:pivotFmt>
+        <c:idx val="20"/>
+      </c:pivotFmt>
+      <c:pivotFmt>
+        <c:idx val="21"/>
+      </c:pivotFmt>
+      <c:pivotFmt>
+        <c:idx val="22"/>
+      </c:pivotFmt>
+      <c:pivotFmt>
+        <c:idx val="23"/>
+      </c:pivotFmt>
+      <c:pivotFmt>
+        <c:idx val="24"/>
+      </c:pivotFmt>
+      <c:pivotFmt>
+        <c:idx val="25"/>
+      </c:pivotFmt>
+      <c:pivotFmt>
+        <c:idx val="26"/>
+      </c:pivotFmt>
+      <c:pivotFmt>
+        <c:idx val="27"/>
+      </c:pivotFmt>
+      <c:pivotFmt>
+        <c:idx val="28"/>
+      </c:pivotFmt>
+      <c:pivotFmt>
+        <c:idx val="29"/>
+      </c:pivotFmt>
+      <c:pivotFmt>
+        <c:idx val="30"/>
+      </c:pivotFmt>
+      <c:pivotFmt>
+        <c:idx val="31"/>
+      </c:pivotFmt>
+      <c:pivotFmt>
+        <c:idx val="32"/>
+      </c:pivotFmt>
+      <c:pivotFmt>
+        <c:idx val="33"/>
+      </c:pivotFmt>
+      <c:pivotFmt>
+        <c:idx val="34"/>
+      </c:pivotFmt>
+      <c:pivotFmt>
+        <c:idx val="35"/>
+      </c:pivotFmt>
+      <c:pivotFmt>
+        <c:idx val="36"/>
+      </c:pivotFmt>
+      <c:pivotFmt>
+        <c:idx val="37"/>
+      </c:pivotFmt>
+      <c:pivotFmt>
+        <c:idx val="38"/>
+      </c:pivotFmt>
+      <c:pivotFmt>
+        <c:idx val="39"/>
+      </c:pivotFmt>
+      <c:pivotFmt>
+        <c:idx val="40"/>
+      </c:pivotFmt>
+      <c:pivotFmt>
+        <c:idx val="41"/>
+      </c:pivotFmt>
+      <c:pivotFmt>
+        <c:idx val="42"/>
+      </c:pivotFmt>
+      <c:pivotFmt>
+        <c:idx val="43"/>
+      </c:pivotFmt>
+      <c:pivotFmt>
+        <c:idx val="44"/>
+      </c:pivotFmt>
+      <c:pivotFmt>
+        <c:idx val="45"/>
+      </c:pivotFmt>
+      <c:pivotFmt>
+        <c:idx val="46"/>
+      </c:pivotFmt>
+      <c:pivotFmt>
+        <c:idx val="47"/>
+      </c:pivotFmt>
+      <c:pivotFmt>
+        <c:idx val="48"/>
+      </c:pivotFmt>
+      <c:pivotFmt>
+        <c:idx val="49"/>
+      </c:pivotFmt>
+      <c:pivotFmt>
+        <c:idx val="50"/>
+      </c:pivotFmt>
+      <c:pivotFmt>
+        <c:idx val="51"/>
+      </c:pivotFmt>
+      <c:pivotFmt>
+        <c:idx val="52"/>
+      </c:pivotFmt>
+      <c:pivotFmt>
+        <c:idx val="53"/>
+      </c:pivotFmt>
+      <c:pivotFmt>
+        <c:idx val="54"/>
+      </c:pivotFmt>
+      <c:pivotFmt>
+        <c:idx val="55"/>
+      </c:pivotFmt>
+      <c:pivotFmt>
+        <c:idx val="56"/>
+      </c:pivotFmt>
+      <c:pivotFmt>
+        <c:idx val="57"/>
+      </c:pivotFmt>
+      <c:pivotFmt>
+        <c:idx val="58"/>
+      </c:pivotFmt>
+      <c:pivotFmt>
+        <c:idx val="59"/>
+      </c:pivotFmt>
+      <c:pivotFmt>
+        <c:idx val="60"/>
+      </c:pivotFmt>
+      <c:pivotFmt>
+        <c:idx val="61"/>
+      </c:pivotFmt>
+      <c:pivotFmt>
+        <c:idx val="62"/>
+      </c:pivotFmt>
+      <c:pivotFmt>
+        <c:idx val="63"/>
+      </c:pivotFmt>
+      <c:pivotFmt>
+        <c:idx val="64"/>
+      </c:pivotFmt>
+      <c:pivotFmt>
+        <c:idx val="65"/>
+      </c:pivotFmt>
+      <c:pivotFmt>
+        <c:idx val="66"/>
+      </c:pivotFmt>
+      <c:pivotFmt>
+        <c:idx val="67"/>
+      </c:pivotFmt>
+      <c:pivotFmt>
+        <c:idx val="68"/>
+      </c:pivotFmt>
+      <c:pivotFmt>
+        <c:idx val="69"/>
+      </c:pivotFmt>
+      <c:pivotFmt>
+        <c:idx val="70"/>
+      </c:pivotFmt>
+      <c:pivotFmt>
+        <c:idx val="71"/>
+      </c:pivotFmt>
+      <c:pivotFmt>
+        <c:idx val="72"/>
+      </c:pivotFmt>
+      <c:pivotFmt>
+        <c:idx val="73"/>
+      </c:pivotFmt>
+      <c:pivotFmt>
+        <c:idx val="74"/>
+      </c:pivotFmt>
+      <c:pivotFmt>
+        <c:idx val="75"/>
+      </c:pivotFmt>
+      <c:pivotFmt>
+        <c:idx val="76"/>
+      </c:pivotFmt>
+      <c:pivotFmt>
+        <c:idx val="77"/>
+      </c:pivotFmt>
+      <c:pivotFmt>
+        <c:idx val="78"/>
+      </c:pivotFmt>
+      <c:pivotFmt>
+        <c:idx val="79"/>
+      </c:pivotFmt>
+      <c:pivotFmt>
+        <c:idx val="80"/>
+      </c:pivotFmt>
+      <c:pivotFmt>
+        <c:idx val="81"/>
+      </c:pivotFmt>
+      <c:pivotFmt>
+        <c:idx val="82"/>
+      </c:pivotFmt>
+      <c:pivotFmt>
+        <c:idx val="83"/>
+      </c:pivotFmt>
+      <c:pivotFmt>
+        <c:idx val="84"/>
+      </c:pivotFmt>
+      <c:pivotFmt>
+        <c:idx val="85"/>
+      </c:pivotFmt>
+      <c:pivotFmt>
+        <c:idx val="86"/>
+      </c:pivotFmt>
+      <c:pivotFmt>
+        <c:idx val="87"/>
+      </c:pivotFmt>
+      <c:pivotFmt>
+        <c:idx val="88"/>
+      </c:pivotFmt>
+      <c:pivotFmt>
+        <c:idx val="89"/>
+      </c:pivotFmt>
+      <c:pivotFmt>
+        <c:idx val="90"/>
+      </c:pivotFmt>
+      <c:pivotFmt>
+        <c:idx val="91"/>
+        <c:spPr>
+          <a:solidFill>
+            <a:schemeClr val="accent6"/>
+          </a:solidFill>
+          <a:ln>
+            <a:noFill/>
+          </a:ln>
+          <a:effectLst/>
+        </c:spPr>
+        <c:marker>
+          <c:symbol val="none"/>
+        </c:marker>
+      </c:pivotFmt>
+      <c:pivotFmt>
+        <c:idx val="92"/>
+        <c:spPr>
+          <a:solidFill>
+            <a:schemeClr val="accent6"/>
+          </a:solidFill>
+          <a:ln>
+            <a:noFill/>
+          </a:ln>
+          <a:effectLst/>
+        </c:spPr>
+        <c:marker>
+          <c:symbol val="none"/>
+        </c:marker>
+      </c:pivotFmt>
+      <c:pivotFmt>
+        <c:idx val="93"/>
+        <c:spPr>
+          <a:solidFill>
+            <a:schemeClr val="accent6"/>
+          </a:solidFill>
+          <a:ln>
+            <a:noFill/>
+          </a:ln>
+          <a:effectLst/>
+        </c:spPr>
+        <c:marker>
+          <c:symbol val="none"/>
+        </c:marker>
+      </c:pivotFmt>
+      <c:pivotFmt>
+        <c:idx val="94"/>
+        <c:spPr>
+          <a:solidFill>
+            <a:schemeClr val="accent6"/>
+          </a:solidFill>
+          <a:ln>
+            <a:noFill/>
+          </a:ln>
+          <a:effectLst/>
+        </c:spPr>
+        <c:marker>
+          <c:symbol val="none"/>
+        </c:marker>
+      </c:pivotFmt>
+      <c:pivotFmt>
+        <c:idx val="95"/>
+        <c:spPr>
+          <a:solidFill>
+            <a:schemeClr val="accent6"/>
+          </a:solidFill>
+          <a:ln>
+            <a:noFill/>
+          </a:ln>
+          <a:effectLst/>
+        </c:spPr>
+        <c:marker>
+          <c:symbol val="none"/>
+        </c:marker>
+      </c:pivotFmt>
+      <c:pivotFmt>
+        <c:idx val="96"/>
+        <c:spPr>
+          <a:solidFill>
+            <a:schemeClr val="accent6"/>
+          </a:solidFill>
+          <a:ln>
+            <a:noFill/>
+          </a:ln>
+          <a:effectLst/>
+        </c:spPr>
+        <c:marker>
+          <c:symbol val="none"/>
+        </c:marker>
+      </c:pivotFmt>
+      <c:pivotFmt>
+        <c:idx val="97"/>
+        <c:spPr>
+          <a:solidFill>
+            <a:schemeClr val="accent6"/>
+          </a:solidFill>
+          <a:ln>
+            <a:noFill/>
+          </a:ln>
+          <a:effectLst/>
+        </c:spPr>
+        <c:marker>
+          <c:symbol val="none"/>
+        </c:marker>
+      </c:pivotFmt>
+      <c:pivotFmt>
+        <c:idx val="98"/>
+        <c:spPr>
+          <a:solidFill>
+            <a:schemeClr val="accent6"/>
+          </a:solidFill>
+          <a:ln>
+            <a:noFill/>
+          </a:ln>
+          <a:effectLst/>
+        </c:spPr>
+        <c:marker>
+          <c:symbol val="none"/>
+        </c:marker>
+      </c:pivotFmt>
+      <c:pivotFmt>
+        <c:idx val="99"/>
+        <c:spPr>
+          <a:solidFill>
+            <a:schemeClr val="accent6"/>
+          </a:solidFill>
+          <a:ln>
+            <a:noFill/>
+          </a:ln>
+          <a:effectLst/>
+        </c:spPr>
+        <c:marker>
+          <c:symbol val="none"/>
+        </c:marker>
+      </c:pivotFmt>
+      <c:pivotFmt>
+        <c:idx val="100"/>
+        <c:spPr>
+          <a:solidFill>
+            <a:schemeClr val="accent6"/>
+          </a:solidFill>
+          <a:ln>
+            <a:noFill/>
+          </a:ln>
+          <a:effectLst/>
+        </c:spPr>
+        <c:marker>
+          <c:symbol val="none"/>
+        </c:marker>
+      </c:pivotFmt>
+      <c:pivotFmt>
+        <c:idx val="101"/>
+        <c:spPr>
+          <a:solidFill>
+            <a:schemeClr val="accent6"/>
+          </a:solidFill>
+          <a:ln>
+            <a:noFill/>
+          </a:ln>
+          <a:effectLst/>
+        </c:spPr>
+        <c:marker>
+          <c:symbol val="none"/>
+        </c:marker>
+      </c:pivotFmt>
+      <c:pivotFmt>
+        <c:idx val="102"/>
+        <c:spPr>
+          <a:solidFill>
+            <a:schemeClr val="accent6"/>
+          </a:solidFill>
+          <a:ln>
+            <a:noFill/>
+          </a:ln>
+          <a:effectLst/>
+        </c:spPr>
+        <c:marker>
+          <c:symbol val="none"/>
+        </c:marker>
+      </c:pivotFmt>
+      <c:pivotFmt>
+        <c:idx val="103"/>
+        <c:spPr>
+          <a:solidFill>
+            <a:schemeClr val="accent6"/>
+          </a:solidFill>
+          <a:ln>
+            <a:noFill/>
+          </a:ln>
+          <a:effectLst/>
+        </c:spPr>
+        <c:marker>
+          <c:symbol val="none"/>
+        </c:marker>
+      </c:pivotFmt>
+      <c:pivotFmt>
+        <c:idx val="104"/>
+        <c:spPr>
+          <a:solidFill>
+            <a:schemeClr val="accent6"/>
+          </a:solidFill>
+          <a:ln>
+            <a:noFill/>
+          </a:ln>
+          <a:effectLst/>
+        </c:spPr>
+        <c:marker>
+          <c:symbol val="none"/>
+        </c:marker>
+      </c:pivotFmt>
+      <c:pivotFmt>
+        <c:idx val="105"/>
+        <c:spPr>
+          <a:solidFill>
+            <a:schemeClr val="accent6"/>
+          </a:solidFill>
+          <a:ln>
+            <a:noFill/>
+          </a:ln>
+          <a:effectLst/>
+        </c:spPr>
+        <c:marker>
+          <c:symbol val="none"/>
+        </c:marker>
+      </c:pivotFmt>
+      <c:pivotFmt>
+        <c:idx val="106"/>
+        <c:spPr>
+          <a:solidFill>
+            <a:schemeClr val="accent6"/>
+          </a:solidFill>
+          <a:ln>
+            <a:noFill/>
+          </a:ln>
+          <a:effectLst/>
+        </c:spPr>
+        <c:marker>
+          <c:symbol val="none"/>
+        </c:marker>
+      </c:pivotFmt>
+    </c:pivotFmts>
+    <c:plotArea>
+      <c:layout>
+        <c:manualLayout>
+          <c:layoutTarget val="inner"/>
+          <c:xMode val="edge"/>
+          <c:yMode val="edge"/>
+          <c:x val="6.245331952483555E-2"/>
+          <c:y val="1.6063016975146595E-2"/>
+          <c:w val="0.87111955095087823"/>
+          <c:h val="0.90000506515632916"/>
+        </c:manualLayout>
+      </c:layout>
+      <c:barChart>
+        <c:barDir val="col"/>
+        <c:grouping val="clustered"/>
+        <c:varyColors val="0"/>
+        <c:ser>
+          <c:idx val="0"/>
+          <c:order val="0"/>
+          <c:tx>
+            <c:strRef>
+              <c:f>Sheet5!$B$3</c:f>
+              <c:strCache>
+                <c:ptCount val="1"/>
+                <c:pt idx="0">
+                  <c:v>Total</c:v>
+                </c:pt>
+              </c:strCache>
+            </c:strRef>
+          </c:tx>
+          <c:spPr>
+            <a:solidFill>
+              <a:schemeClr val="accent6"/>
+            </a:solidFill>
+            <a:ln>
+              <a:noFill/>
+            </a:ln>
+            <a:effectLst/>
+          </c:spPr>
+          <c:invertIfNegative val="0"/>
+          <c:cat>
+            <c:strRef>
+              <c:f>Sheet5!$A$4:$A$55</c:f>
+              <c:strCache>
+                <c:ptCount val="51"/>
+                <c:pt idx="0">
+                  <c:v>PR</c:v>
+                </c:pt>
+                <c:pt idx="1">
+                  <c:v>AK</c:v>
+                </c:pt>
+                <c:pt idx="2">
+                  <c:v>ND</c:v>
+                </c:pt>
+                <c:pt idx="3">
+                  <c:v>MT</c:v>
+                </c:pt>
+                <c:pt idx="4">
+                  <c:v>SD</c:v>
+                </c:pt>
+                <c:pt idx="5">
+                  <c:v>NH</c:v>
+                </c:pt>
+                <c:pt idx="6">
+                  <c:v>DC</c:v>
+                </c:pt>
+                <c:pt idx="7">
+                  <c:v>VT</c:v>
+                </c:pt>
+                <c:pt idx="8">
+                  <c:v>NE</c:v>
+                </c:pt>
+                <c:pt idx="9">
+                  <c:v>WV</c:v>
+                </c:pt>
+                <c:pt idx="10">
+                  <c:v>HI</c:v>
+                </c:pt>
+                <c:pt idx="11">
+                  <c:v>ID</c:v>
+                </c:pt>
+                <c:pt idx="12">
+                  <c:v>RI</c:v>
+                </c:pt>
+                <c:pt idx="13">
+                  <c:v>UT</c:v>
+                </c:pt>
+                <c:pt idx="14">
+                  <c:v>AR</c:v>
+                </c:pt>
+                <c:pt idx="15">
+                  <c:v>KS</c:v>
+                </c:pt>
+                <c:pt idx="16">
+                  <c:v>ME</c:v>
+                </c:pt>
+                <c:pt idx="17">
+                  <c:v>DE</c:v>
+                </c:pt>
+                <c:pt idx="18">
+                  <c:v>CO</c:v>
+                </c:pt>
+                <c:pt idx="19">
+                  <c:v>IA</c:v>
+                </c:pt>
+                <c:pt idx="20">
+                  <c:v>NM</c:v>
+                </c:pt>
+                <c:pt idx="21">
+                  <c:v>MN</c:v>
+                </c:pt>
+                <c:pt idx="22">
+                  <c:v>MS</c:v>
+                </c:pt>
+                <c:pt idx="23">
+                  <c:v>OR</c:v>
+                </c:pt>
+                <c:pt idx="24">
+                  <c:v>OK</c:v>
+                </c:pt>
+                <c:pt idx="25">
+                  <c:v>MO</c:v>
+                </c:pt>
+                <c:pt idx="26">
+                  <c:v>AL</c:v>
+                </c:pt>
+                <c:pt idx="27">
+                  <c:v>CT</c:v>
+                </c:pt>
+                <c:pt idx="28">
+                  <c:v>WA</c:v>
+                </c:pt>
+                <c:pt idx="29">
+                  <c:v>VA</c:v>
+                </c:pt>
+                <c:pt idx="30">
+                  <c:v>KY</c:v>
+                </c:pt>
+                <c:pt idx="31">
+                  <c:v>NV</c:v>
+                </c:pt>
+                <c:pt idx="32">
+                  <c:v>MA</c:v>
+                </c:pt>
+                <c:pt idx="33">
+                  <c:v>LA</c:v>
+                </c:pt>
+                <c:pt idx="34">
+                  <c:v>TN</c:v>
+                </c:pt>
+                <c:pt idx="35">
+                  <c:v>GA</c:v>
+                </c:pt>
+                <c:pt idx="36">
+                  <c:v>SC</c:v>
+                </c:pt>
+                <c:pt idx="37">
+                  <c:v>MD</c:v>
+                </c:pt>
+                <c:pt idx="38">
+                  <c:v>AZ</c:v>
+                </c:pt>
+                <c:pt idx="39">
+                  <c:v>WI</c:v>
+                </c:pt>
+                <c:pt idx="40">
+                  <c:v>NC</c:v>
+                </c:pt>
+                <c:pt idx="41">
+                  <c:v>IN</c:v>
+                </c:pt>
+                <c:pt idx="42">
+                  <c:v>MI</c:v>
+                </c:pt>
+                <c:pt idx="43">
+                  <c:v>PA</c:v>
+                </c:pt>
+                <c:pt idx="44">
+                  <c:v>TX</c:v>
+                </c:pt>
+                <c:pt idx="45">
+                  <c:v>NJ</c:v>
+                </c:pt>
+                <c:pt idx="46">
+                  <c:v>OH</c:v>
+                </c:pt>
+                <c:pt idx="47">
+                  <c:v>CA</c:v>
+                </c:pt>
+                <c:pt idx="48">
+                  <c:v>NY</c:v>
+                </c:pt>
+                <c:pt idx="49">
+                  <c:v>IL</c:v>
+                </c:pt>
+                <c:pt idx="50">
+                  <c:v>FL</c:v>
+                </c:pt>
+              </c:strCache>
+            </c:strRef>
+          </c:cat>
+          <c:val>
+            <c:numRef>
+              <c:f>Sheet5!$B$4:$B$55</c:f>
+              <c:numCache>
+                <c:formatCode>General</c:formatCode>
+                <c:ptCount val="51"/>
+                <c:pt idx="0">
+                  <c:v>2</c:v>
+                </c:pt>
+                <c:pt idx="1">
+                  <c:v>5</c:v>
+                </c:pt>
+                <c:pt idx="2">
+                  <c:v>9</c:v>
+                </c:pt>
+                <c:pt idx="3">
+                  <c:v>15</c:v>
+                </c:pt>
+                <c:pt idx="4">
+                  <c:v>15</c:v>
+                </c:pt>
+                <c:pt idx="5">
+                  <c:v>26</c:v>
+                </c:pt>
+                <c:pt idx="6">
+                  <c:v>31</c:v>
+                </c:pt>
+                <c:pt idx="7">
+                  <c:v>36</c:v>
+                </c:pt>
+                <c:pt idx="8">
+                  <c:v>44</c:v>
+                </c:pt>
+                <c:pt idx="9">
+                  <c:v>53</c:v>
+                </c:pt>
+                <c:pt idx="10">
+                  <c:v>59</c:v>
+                </c:pt>
+                <c:pt idx="11">
+                  <c:v>74</c:v>
+                </c:pt>
+                <c:pt idx="12">
+                  <c:v>86</c:v>
+                </c:pt>
+                <c:pt idx="13">
+                  <c:v>107</c:v>
+                </c:pt>
+                <c:pt idx="14">
+                  <c:v>124</c:v>
+                </c:pt>
+                <c:pt idx="15">
+                  <c:v>136</c:v>
+                </c:pt>
+                <c:pt idx="16">
+                  <c:v>145</c:v>
+                </c:pt>
+                <c:pt idx="17">
+                  <c:v>156</c:v>
+                </c:pt>
+                <c:pt idx="18">
+                  <c:v>159</c:v>
+                </c:pt>
+                <c:pt idx="19">
+                  <c:v>164</c:v>
+                </c:pt>
+                <c:pt idx="20">
+                  <c:v>165</c:v>
+                </c:pt>
+                <c:pt idx="21">
+                  <c:v>204</c:v>
+                </c:pt>
+                <c:pt idx="22">
+                  <c:v>216</c:v>
+                </c:pt>
+                <c:pt idx="23">
+                  <c:v>234</c:v>
+                </c:pt>
+                <c:pt idx="24">
+                  <c:v>241</c:v>
+                </c:pt>
+                <c:pt idx="25">
+                  <c:v>275</c:v>
+                </c:pt>
+                <c:pt idx="26">
+                  <c:v>281</c:v>
+                </c:pt>
+                <c:pt idx="27">
+                  <c:v>301</c:v>
+                </c:pt>
+                <c:pt idx="28">
+                  <c:v>317</c:v>
+                </c:pt>
+                <c:pt idx="29">
+                  <c:v>318</c:v>
+                </c:pt>
+                <c:pt idx="30">
+                  <c:v>329</c:v>
+                </c:pt>
+                <c:pt idx="31">
+                  <c:v>342</c:v>
+                </c:pt>
+                <c:pt idx="32">
+                  <c:v>351</c:v>
+                </c:pt>
+                <c:pt idx="33">
+                  <c:v>355</c:v>
+                </c:pt>
+                <c:pt idx="34">
+                  <c:v>461</c:v>
+                </c:pt>
+                <c:pt idx="35">
+                  <c:v>490</c:v>
+                </c:pt>
+                <c:pt idx="36">
+                  <c:v>509</c:v>
+                </c:pt>
+                <c:pt idx="37">
+                  <c:v>537</c:v>
+                </c:pt>
+                <c:pt idx="38">
+                  <c:v>592</c:v>
+                </c:pt>
+                <c:pt idx="39">
+                  <c:v>592</c:v>
+                </c:pt>
+                <c:pt idx="40">
+                  <c:v>688</c:v>
+                </c:pt>
+                <c:pt idx="41">
+                  <c:v>922</c:v>
+                </c:pt>
+                <c:pt idx="42">
+                  <c:v>939</c:v>
+                </c:pt>
+                <c:pt idx="43">
+                  <c:v>941</c:v>
+                </c:pt>
+                <c:pt idx="44">
+                  <c:v>1041</c:v>
+                </c:pt>
+                <c:pt idx="45">
+                  <c:v>1425</c:v>
+                </c:pt>
+                <c:pt idx="46">
+                  <c:v>1733</c:v>
+                </c:pt>
+                <c:pt idx="47">
+                  <c:v>1750</c:v>
+                </c:pt>
+                <c:pt idx="48">
+                  <c:v>1942</c:v>
+                </c:pt>
+                <c:pt idx="49">
+                  <c:v>1948</c:v>
+                </c:pt>
+                <c:pt idx="50">
+                  <c:v>4658</c:v>
+                </c:pt>
+              </c:numCache>
+            </c:numRef>
+          </c:val>
+          <c:extLst>
+            <c:ext xmlns:c16="http://schemas.microsoft.com/office/drawing/2014/chart" uri="{C3380CC4-5D6E-409C-BE32-E72D297353CC}">
+              <c16:uniqueId val="{00000000-3951-5F44-95B1-B0DC7785C528}"/>
+            </c:ext>
+          </c:extLst>
+        </c:ser>
+        <c:dLbls>
+          <c:showLegendKey val="0"/>
+          <c:showVal val="0"/>
+          <c:showCatName val="0"/>
+          <c:showSerName val="0"/>
+          <c:showPercent val="0"/>
+          <c:showBubbleSize val="0"/>
+        </c:dLbls>
+        <c:gapWidth val="219"/>
+        <c:overlap val="-27"/>
+        <c:axId val="757652096"/>
+        <c:axId val="607345824"/>
+      </c:barChart>
+      <c:catAx>
+        <c:axId val="757652096"/>
+        <c:scaling>
+          <c:orientation val="minMax"/>
+        </c:scaling>
+        <c:delete val="0"/>
+        <c:axPos val="b"/>
+        <c:numFmt formatCode="General" sourceLinked="1"/>
+        <c:majorTickMark val="none"/>
+        <c:minorTickMark val="none"/>
+        <c:tickLblPos val="nextTo"/>
+        <c:spPr>
+          <a:noFill/>
+          <a:ln w="9525" cap="flat" cmpd="sng" algn="ctr">
+            <a:solidFill>
+              <a:schemeClr val="tx1">
+                <a:lumMod val="15000"/>
+                <a:lumOff val="85000"/>
+              </a:schemeClr>
+            </a:solidFill>
+            <a:round/>
+          </a:ln>
+          <a:effectLst/>
+        </c:spPr>
+        <c:txPr>
+          <a:bodyPr rot="-60000000" spcFirstLastPara="1" vertOverflow="ellipsis" vert="horz" wrap="square" anchor="ctr" anchorCtr="1"/>
+          <a:lstStyle/>
+          <a:p>
+            <a:pPr>
+              <a:defRPr sz="1197" b="0" i="0" u="none" strike="noStrike" kern="1200" baseline="0">
+                <a:solidFill>
+                  <a:schemeClr val="tx1">
+                    <a:lumMod val="65000"/>
+                    <a:lumOff val="35000"/>
+                  </a:schemeClr>
+                </a:solidFill>
+                <a:latin typeface="+mn-lt"/>
+                <a:ea typeface="+mn-ea"/>
+                <a:cs typeface="+mn-cs"/>
+              </a:defRPr>
+            </a:pPr>
+            <a:endParaRPr lang="en-US"/>
+          </a:p>
+        </c:txPr>
+        <c:crossAx val="607345824"/>
+        <c:crosses val="autoZero"/>
+        <c:auto val="1"/>
+        <c:lblAlgn val="ctr"/>
+        <c:lblOffset val="100"/>
+        <c:noMultiLvlLbl val="0"/>
+      </c:catAx>
+      <c:valAx>
+        <c:axId val="607345824"/>
+        <c:scaling>
+          <c:orientation val="minMax"/>
+        </c:scaling>
+        <c:delete val="0"/>
+        <c:axPos val="l"/>
+        <c:majorGridlines>
+          <c:spPr>
+            <a:ln w="9525" cap="flat" cmpd="sng" algn="ctr">
+              <a:solidFill>
+                <a:schemeClr val="tx1">
+                  <a:lumMod val="15000"/>
+                  <a:lumOff val="85000"/>
+                </a:schemeClr>
+              </a:solidFill>
+              <a:round/>
+            </a:ln>
+            <a:effectLst/>
+          </c:spPr>
+        </c:majorGridlines>
+        <c:numFmt formatCode="General" sourceLinked="1"/>
+        <c:majorTickMark val="none"/>
+        <c:minorTickMark val="none"/>
+        <c:tickLblPos val="nextTo"/>
+        <c:spPr>
+          <a:noFill/>
+          <a:ln>
+            <a:noFill/>
+          </a:ln>
+          <a:effectLst/>
+        </c:spPr>
+        <c:txPr>
+          <a:bodyPr rot="-60000000" spcFirstLastPara="1" vertOverflow="ellipsis" vert="horz" wrap="square" anchor="ctr" anchorCtr="1"/>
+          <a:lstStyle/>
+          <a:p>
+            <a:pPr>
+              <a:defRPr sz="1197" b="0" i="0" u="none" strike="noStrike" kern="1200" baseline="0">
+                <a:solidFill>
+                  <a:schemeClr val="tx1">
+                    <a:lumMod val="65000"/>
+                    <a:lumOff val="35000"/>
+                  </a:schemeClr>
+                </a:solidFill>
+                <a:latin typeface="+mn-lt"/>
+                <a:ea typeface="+mn-ea"/>
+                <a:cs typeface="+mn-cs"/>
+              </a:defRPr>
+            </a:pPr>
+            <a:endParaRPr lang="en-US"/>
+          </a:p>
+        </c:txPr>
+        <c:crossAx val="757652096"/>
+        <c:crosses val="autoZero"/>
+        <c:crossBetween val="between"/>
+      </c:valAx>
+      <c:spPr>
+        <a:noFill/>
+        <a:ln>
+          <a:noFill/>
+        </a:ln>
+        <a:effectLst/>
+      </c:spPr>
+    </c:plotArea>
+    <c:plotVisOnly val="1"/>
+    <c:dispBlanksAs val="gap"/>
+    <c:extLst>
+      <c:ext xmlns:c16r3="http://schemas.microsoft.com/office/drawing/2017/03/chart" uri="{56B9EC1D-385E-4148-901F-78D8002777C0}">
+        <c16r3:dataDisplayOptions16>
+          <c16r3:dispNaAsBlank val="1"/>
+        </c16r3:dataDisplayOptions16>
+      </c:ext>
+    </c:extLst>
+    <c:showDLblsOverMax val="0"/>
+  </c:chart>
+  <c:spPr>
+    <a:noFill/>
+    <a:ln>
+      <a:noFill/>
+    </a:ln>
+    <a:effectLst/>
+  </c:spPr>
+  <c:txPr>
+    <a:bodyPr/>
+    <a:lstStyle/>
+    <a:p>
+      <a:pPr>
+        <a:defRPr/>
+      </a:pPr>
+      <a:endParaRPr lang="en-US"/>
+    </a:p>
+  </c:txPr>
+  <c:externalData r:id="rId3">
+    <c:autoUpdate val="0"/>
+  </c:externalData>
+  <c:extLst>
+    <c:ext xmlns:c14="http://schemas.microsoft.com/office/drawing/2007/8/2/chart" uri="{781A3756-C4B2-4CAC-9D66-4F8BD8637D16}">
+      <c14:pivotOptions>
+        <c14:dropZoneFilter val="1"/>
+        <c14:dropZoneCategories val="1"/>
+        <c14:dropZoneData val="1"/>
+        <c14:dropZonesVisible val="1"/>
+      </c14:pivotOptions>
+    </c:ext>
+    <c:ext xmlns:c16="http://schemas.microsoft.com/office/drawing/2014/chart" uri="{E28EC0CA-F0BB-4C9C-879D-F8772B89E7AC}">
+      <c16:pivotOptions16>
+        <c16:showExpandCollapseFieldButtons val="1"/>
+      </c16:pivotOptions16>
+    </c:ext>
+  </c:extLst>
+</c:chartSpace>
+</file>
+
+<file path=ppt/charts/colors1.xml><?xml version="1.0" encoding="utf-8"?>
+<cs:colorStyle xmlns:cs="http://schemas.microsoft.com/office/drawing/2012/chartStyle" xmlns:a="http://schemas.openxmlformats.org/drawingml/2006/main" meth="cycle" id="10">
+  <a:schemeClr val="accent1"/>
+  <a:schemeClr val="accent2"/>
+  <a:schemeClr val="accent3"/>
+  <a:schemeClr val="accent4"/>
+  <a:schemeClr val="accent5"/>
+  <a:schemeClr val="accent6"/>
+  <cs:variation/>
+  <cs:variation>
+    <a:lumMod val="60000"/>
+  </cs:variation>
+  <cs:variation>
+    <a:lumMod val="80000"/>
+    <a:lumOff val="20000"/>
+  </cs:variation>
+  <cs:variation>
+    <a:lumMod val="80000"/>
+  </cs:variation>
+  <cs:variation>
+    <a:lumMod val="60000"/>
+    <a:lumOff val="40000"/>
+  </cs:variation>
+  <cs:variation>
+    <a:lumMod val="50000"/>
+  </cs:variation>
+  <cs:variation>
+    <a:lumMod val="70000"/>
+    <a:lumOff val="30000"/>
+  </cs:variation>
+  <cs:variation>
+    <a:lumMod val="70000"/>
+  </cs:variation>
+  <cs:variation>
+    <a:lumMod val="50000"/>
+    <a:lumOff val="50000"/>
+  </cs:variation>
+</cs:colorStyle>
+</file>
+
+<file path=ppt/charts/colors2.xml><?xml version="1.0" encoding="utf-8"?>
+<cs:colorStyle xmlns:cs="http://schemas.microsoft.com/office/drawing/2012/chartStyle" xmlns:a="http://schemas.openxmlformats.org/drawingml/2006/main" meth="cycle" id="10">
+  <a:schemeClr val="accent1"/>
+  <a:schemeClr val="accent2"/>
+  <a:schemeClr val="accent3"/>
+  <a:schemeClr val="accent4"/>
+  <a:schemeClr val="accent5"/>
+  <a:schemeClr val="accent6"/>
+  <cs:variation/>
+  <cs:variation>
+    <a:lumMod val="60000"/>
+  </cs:variation>
+  <cs:variation>
+    <a:lumMod val="80000"/>
+    <a:lumOff val="20000"/>
+  </cs:variation>
+  <cs:variation>
+    <a:lumMod val="80000"/>
+  </cs:variation>
+  <cs:variation>
+    <a:lumMod val="60000"/>
+    <a:lumOff val="40000"/>
+  </cs:variation>
+  <cs:variation>
+    <a:lumMod val="50000"/>
+  </cs:variation>
+  <cs:variation>
+    <a:lumMod val="70000"/>
+    <a:lumOff val="30000"/>
+  </cs:variation>
+  <cs:variation>
+    <a:lumMod val="70000"/>
+  </cs:variation>
+  <cs:variation>
+    <a:lumMod val="50000"/>
+    <a:lumOff val="50000"/>
+  </cs:variation>
+</cs:colorStyle>
+</file>
+
+<file path=ppt/charts/colors3.xml><?xml version="1.0" encoding="utf-8"?>
+<cs:colorStyle xmlns:cs="http://schemas.microsoft.com/office/drawing/2012/chartStyle" xmlns:a="http://schemas.openxmlformats.org/drawingml/2006/main" meth="cycle" id="13">
+  <a:schemeClr val="accent6"/>
+  <a:schemeClr val="accent5"/>
+  <a:schemeClr val="accent4"/>
+  <cs:variation/>
+  <cs:variation>
+    <a:lumMod val="60000"/>
+  </cs:variation>
+  <cs:variation>
+    <a:lumMod val="80000"/>
+    <a:lumOff val="20000"/>
+  </cs:variation>
+  <cs:variation>
+    <a:lumMod val="80000"/>
+  </cs:variation>
+  <cs:variation>
+    <a:lumMod val="60000"/>
+    <a:lumOff val="40000"/>
+  </cs:variation>
+  <cs:variation>
+    <a:lumMod val="50000"/>
+  </cs:variation>
+  <cs:variation>
+    <a:lumMod val="70000"/>
+    <a:lumOff val="30000"/>
+  </cs:variation>
+  <cs:variation>
+    <a:lumMod val="70000"/>
+  </cs:variation>
+  <cs:variation>
+    <a:lumMod val="50000"/>
+    <a:lumOff val="50000"/>
+  </cs:variation>
+</cs:colorStyle>
+</file>
+
+<file path=ppt/charts/style1.xml><?xml version="1.0" encoding="utf-8"?>
+<cs:chartStyle xmlns:cs="http://schemas.microsoft.com/office/drawing/2012/chartStyle" xmlns:a="http://schemas.openxmlformats.org/drawingml/2006/main" id="237">
+  <cs:axisTitle>
+    <cs:lnRef idx="0"/>
+    <cs:fillRef idx="0"/>
+    <cs:effectRef idx="0"/>
+    <cs:fontRef idx="minor">
+      <a:schemeClr val="tx1">
+        <a:lumMod val="65000"/>
+        <a:lumOff val="35000"/>
+      </a:schemeClr>
+    </cs:fontRef>
+    <cs:defRPr sz="900" kern="1200" cap="all"/>
+  </cs:axisTitle>
+  <cs:categoryAxis>
+    <cs:lnRef idx="0"/>
+    <cs:fillRef idx="0"/>
+    <cs:effectRef idx="0"/>
+    <cs:fontRef idx="minor">
+      <a:schemeClr val="tx1">
+        <a:lumMod val="65000"/>
+        <a:lumOff val="35000"/>
+      </a:schemeClr>
+    </cs:fontRef>
+    <cs:spPr>
+      <a:ln w="3175" cap="flat" cmpd="sng" algn="ctr">
+        <a:solidFill>
+          <a:schemeClr val="tx1">
+            <a:lumMod val="15000"/>
+            <a:lumOff val="85000"/>
+          </a:schemeClr>
+        </a:solidFill>
+        <a:round/>
+        <a:tailEnd type="none" w="med" len="lg"/>
+      </a:ln>
+    </cs:spPr>
+    <cs:defRPr sz="900" kern="1200"/>
+  </cs:categoryAxis>
+  <cs:chartArea mods="allowNoFillOverride allowNoLineOverride">
+    <cs:lnRef idx="0"/>
+    <cs:fillRef idx="0"/>
+    <cs:effectRef idx="0"/>
+    <cs:fontRef idx="minor">
+      <a:schemeClr val="tx1"/>
+    </cs:fontRef>
+    <cs:spPr>
+      <a:solidFill>
+        <a:schemeClr val="bg1"/>
+      </a:solidFill>
+      <a:ln w="9525" cap="flat" cmpd="sng" algn="ctr">
+        <a:solidFill>
+          <a:schemeClr val="tx1">
+            <a:lumMod val="15000"/>
+            <a:lumOff val="85000"/>
+          </a:schemeClr>
+        </a:solidFill>
+        <a:round/>
+      </a:ln>
+    </cs:spPr>
+    <cs:defRPr sz="900" kern="1200"/>
+  </cs:chartArea>
+  <cs:dataLabel>
+    <cs:lnRef idx="0"/>
+    <cs:fillRef idx="0"/>
+    <cs:effectRef idx="0"/>
+    <cs:fontRef idx="minor">
+      <a:schemeClr val="tx1">
+        <a:lumMod val="75000"/>
+        <a:lumOff val="25000"/>
+      </a:schemeClr>
+    </cs:fontRef>
+    <cs:defRPr sz="900" kern="1200"/>
+  </cs:dataLabel>
+  <cs:dataLabelCallout>
+    <cs:lnRef idx="0"/>
+    <cs:fillRef idx="0"/>
+    <cs:effectRef idx="0"/>
+    <cs:fontRef idx="minor">
+      <a:schemeClr val="dk1">
+        <a:lumMod val="65000"/>
+        <a:lumOff val="35000"/>
+      </a:schemeClr>
+    </cs:fontRef>
+    <cs:spPr>
+      <a:solidFill>
+        <a:schemeClr val="lt1"/>
+      </a:solidFill>
+      <a:ln>
+        <a:solidFill>
+          <a:schemeClr val="dk1">
+            <a:lumMod val="25000"/>
+            <a:lumOff val="75000"/>
+          </a:schemeClr>
+        </a:solidFill>
+      </a:ln>
+    </cs:spPr>
+    <cs:defRPr sz="900" kern="1200"/>
+    <cs:bodyPr rot="0" spcFirstLastPara="1" vertOverflow="clip" horzOverflow="clip" vert="horz" wrap="square" lIns="36576" tIns="18288" rIns="36576" bIns="18288" anchor="ctr" anchorCtr="1">
+      <a:spAutoFit/>
+    </cs:bodyPr>
+  </cs:dataLabelCallout>
+  <cs:dataPoint>
+    <cs:lnRef idx="0"/>
+    <cs:fillRef idx="0">
+      <cs:styleClr val="auto"/>
+    </cs:fillRef>
+    <cs:effectRef idx="0"/>
+    <cs:fontRef idx="minor">
+      <a:schemeClr val="tx1"/>
+    </cs:fontRef>
+    <cs:spPr>
+      <a:solidFill>
+        <a:schemeClr val="phClr"/>
+      </a:solidFill>
+    </cs:spPr>
+  </cs:dataPoint>
+  <cs:dataPoint3D>
+    <cs:lnRef idx="0"/>
+    <cs:fillRef idx="0">
+      <cs:styleClr val="auto"/>
+    </cs:fillRef>
+    <cs:effectRef idx="0"/>
+    <cs:fontRef idx="minor">
+      <a:schemeClr val="tx1"/>
+    </cs:fontRef>
+    <cs:spPr>
+      <a:solidFill>
+        <a:schemeClr val="phClr"/>
+      </a:solidFill>
+    </cs:spPr>
+  </cs:dataPoint3D>
+  <cs:dataPointLine>
+    <cs:lnRef idx="0">
+      <cs:styleClr val="auto"/>
+    </cs:lnRef>
+    <cs:fillRef idx="0"/>
+    <cs:effectRef idx="0"/>
+    <cs:fontRef idx="minor">
+      <a:schemeClr val="tx1"/>
+    </cs:fontRef>
+    <cs:spPr>
+      <a:ln w="38100" cap="flat" cmpd="dbl" algn="ctr">
+        <a:solidFill>
+          <a:schemeClr val="phClr"/>
+        </a:solidFill>
+        <a:miter lim="800000"/>
+      </a:ln>
+    </cs:spPr>
+  </cs:dataPointLine>
+  <cs:dataPointMarker>
+    <cs:lnRef idx="0">
+      <cs:styleClr val="auto"/>
+    </cs:lnRef>
+    <cs:fillRef idx="0">
+      <cs:styleClr val="auto"/>
+    </cs:fillRef>
+    <cs:effectRef idx="0"/>
+    <cs:fontRef idx="minor">
+      <a:schemeClr val="tx1"/>
+    </cs:fontRef>
+    <cs:spPr>
+      <a:solidFill>
+        <a:schemeClr val="phClr"/>
+      </a:solidFill>
+      <a:ln w="9525" cap="flat" cmpd="sng" algn="ctr">
+        <a:solidFill>
+          <a:schemeClr val="lt1"/>
+        </a:solidFill>
+        <a:round/>
+      </a:ln>
+    </cs:spPr>
+  </cs:dataPointMarker>
+  <cs:dataPointMarkerLayout symbol="circle" size="6"/>
+  <cs:dataPointWireframe>
+    <cs:lnRef idx="0">
+      <cs:styleClr val="auto"/>
+    </cs:lnRef>
+    <cs:fillRef idx="0"/>
+    <cs:effectRef idx="0"/>
+    <cs:fontRef idx="minor">
+      <a:schemeClr val="tx1"/>
+    </cs:fontRef>
+    <cs:spPr>
+      <a:ln w="9525" cap="rnd">
+        <a:solidFill>
+          <a:schemeClr val="phClr"/>
+        </a:solidFill>
+        <a:round/>
+      </a:ln>
+    </cs:spPr>
+  </cs:dataPointWireframe>
+  <cs:dataTable>
+    <cs:lnRef idx="0"/>
+    <cs:fillRef idx="0"/>
+    <cs:effectRef idx="0"/>
+    <cs:fontRef idx="minor">
+      <a:schemeClr val="tx1">
+        <a:lumMod val="65000"/>
+        <a:lumOff val="35000"/>
+      </a:schemeClr>
+    </cs:fontRef>
+    <cs:spPr>
+      <a:ln w="9525">
+        <a:solidFill>
+          <a:schemeClr val="tx1">
+            <a:lumMod val="15000"/>
+            <a:lumOff val="85000"/>
+          </a:schemeClr>
+        </a:solidFill>
+      </a:ln>
+    </cs:spPr>
+    <cs:defRPr sz="900" kern="1200"/>
+  </cs:dataTable>
+  <cs:downBar>
+    <cs:lnRef idx="0"/>
+    <cs:fillRef idx="0"/>
+    <cs:effectRef idx="0"/>
+    <cs:fontRef idx="minor">
+      <a:schemeClr val="tx1"/>
+    </cs:fontRef>
+    <cs:spPr>
+      <a:solidFill>
+        <a:schemeClr val="dk1">
+          <a:lumMod val="75000"/>
+          <a:lumOff val="25000"/>
+        </a:schemeClr>
+      </a:solidFill>
+      <a:ln w="9525">
+        <a:solidFill>
+          <a:schemeClr val="tx1">
+            <a:lumMod val="65000"/>
+            <a:lumOff val="35000"/>
+          </a:schemeClr>
+        </a:solidFill>
+      </a:ln>
+    </cs:spPr>
+  </cs:downBar>
+  <cs:dropLine>
+    <cs:lnRef idx="0"/>
+    <cs:fillRef idx="0"/>
+    <cs:effectRef idx="0"/>
+    <cs:fontRef idx="minor">
+      <a:schemeClr val="tx1"/>
+    </cs:fontRef>
+    <cs:spPr>
+      <a:ln w="9525">
+        <a:solidFill>
+          <a:schemeClr val="tx1">
+            <a:lumMod val="35000"/>
+            <a:lumOff val="65000"/>
+          </a:schemeClr>
+        </a:solidFill>
+      </a:ln>
+    </cs:spPr>
+  </cs:dropLine>
+  <cs:errorBar>
+    <cs:lnRef idx="0"/>
+    <cs:fillRef idx="0"/>
+    <cs:effectRef idx="0"/>
+    <cs:fontRef idx="minor">
+      <a:schemeClr val="tx1"/>
+    </cs:fontRef>
+    <cs:spPr>
+      <a:ln w="9525">
+        <a:solidFill>
+          <a:schemeClr val="tx1">
+            <a:lumMod val="65000"/>
+            <a:lumOff val="35000"/>
+          </a:schemeClr>
+        </a:solidFill>
+      </a:ln>
+    </cs:spPr>
+  </cs:errorBar>
+  <cs:floor>
+    <cs:lnRef idx="0"/>
+    <cs:fillRef idx="0"/>
+    <cs:effectRef idx="0"/>
+    <cs:fontRef idx="minor">
+      <a:schemeClr val="tx1"/>
+    </cs:fontRef>
+  </cs:floor>
+  <cs:gridlineMajor>
+    <cs:lnRef idx="0"/>
+    <cs:fillRef idx="0"/>
+    <cs:effectRef idx="0"/>
+    <cs:fontRef idx="minor">
+      <a:schemeClr val="tx1"/>
+    </cs:fontRef>
+    <cs:spPr>
+      <a:ln w="9525" cap="flat" cmpd="sng" algn="ctr">
+        <a:solidFill>
+          <a:schemeClr val="tx1">
+            <a:lumMod val="15000"/>
+            <a:lumOff val="85000"/>
+            <a:alpha val="32000"/>
+          </a:schemeClr>
+        </a:solidFill>
+        <a:round/>
+      </a:ln>
+    </cs:spPr>
+  </cs:gridlineMajor>
+  <cs:gridlineMinor>
+    <cs:lnRef idx="0"/>
+    <cs:fillRef idx="0"/>
+    <cs:effectRef idx="0"/>
+    <cs:fontRef idx="minor">
+      <a:schemeClr val="tx1"/>
+    </cs:fontRef>
+    <cs:spPr>
+      <a:ln>
+        <a:solidFill>
+          <a:schemeClr val="tx1">
+            <a:lumMod val="5000"/>
+            <a:lumOff val="95000"/>
+            <a:alpha val="32000"/>
+          </a:schemeClr>
+        </a:solidFill>
+      </a:ln>
+    </cs:spPr>
+  </cs:gridlineMinor>
+  <cs:hiLoLine>
+    <cs:lnRef idx="0"/>
+    <cs:fillRef idx="0"/>
+    <cs:effectRef idx="0"/>
+    <cs:fontRef idx="minor">
+      <a:schemeClr val="tx1"/>
+    </cs:fontRef>
+    <cs:spPr>
+      <a:ln w="9525">
+        <a:solidFill>
+          <a:schemeClr val="tx1"/>
+        </a:solidFill>
+      </a:ln>
+    </cs:spPr>
+  </cs:hiLoLine>
+  <cs:leaderLine>
+    <cs:lnRef idx="0"/>
+    <cs:fillRef idx="0"/>
+    <cs:effectRef idx="0"/>
+    <cs:fontRef idx="minor">
+      <a:schemeClr val="tx1"/>
+    </cs:fontRef>
+    <cs:spPr>
+      <a:ln w="9525">
+        <a:solidFill>
+          <a:schemeClr val="tx1">
+            <a:lumMod val="35000"/>
+            <a:lumOff val="65000"/>
+          </a:schemeClr>
+        </a:solidFill>
+      </a:ln>
+    </cs:spPr>
+  </cs:leaderLine>
+  <cs:legend>
+    <cs:lnRef idx="0"/>
+    <cs:fillRef idx="0"/>
+    <cs:effectRef idx="0"/>
+    <cs:fontRef idx="minor">
+      <a:schemeClr val="tx1">
+        <a:lumMod val="65000"/>
+        <a:lumOff val="35000"/>
+      </a:schemeClr>
+    </cs:fontRef>
+    <cs:defRPr sz="900" kern="1200"/>
+  </cs:legend>
+  <cs:plotArea mods="allowNoFillOverride allowNoLineOverride">
+    <cs:lnRef idx="0"/>
+    <cs:fillRef idx="0"/>
+    <cs:effectRef idx="0"/>
+    <cs:fontRef idx="minor">
+      <a:schemeClr val="tx1"/>
+    </cs:fontRef>
+  </cs:plotArea>
+  <cs:plotArea3D mods="allowNoFillOverride allowNoLineOverride">
+    <cs:lnRef idx="0"/>
+    <cs:fillRef idx="0"/>
+    <cs:effectRef idx="0"/>
+    <cs:fontRef idx="minor">
+      <a:schemeClr val="tx1"/>
+    </cs:fontRef>
+  </cs:plotArea3D>
+  <cs:seriesAxis>
+    <cs:lnRef idx="0"/>
+    <cs:fillRef idx="0"/>
+    <cs:effectRef idx="0"/>
+    <cs:fontRef idx="minor">
+      <a:schemeClr val="tx1"/>
+    </cs:fontRef>
+    <cs:spPr>
+      <a:ln w="3175" cap="flat" cmpd="sng" algn="ctr">
+        <a:solidFill>
+          <a:schemeClr val="tx1">
+            <a:lumMod val="15000"/>
+            <a:lumOff val="85000"/>
+          </a:schemeClr>
+        </a:solidFill>
+        <a:round/>
+        <a:tailEnd type="none" w="med" len="lg"/>
+      </a:ln>
+    </cs:spPr>
+    <cs:defRPr sz="900" kern="1200"/>
+  </cs:seriesAxis>
+  <cs:seriesLine>
+    <cs:lnRef idx="0"/>
+    <cs:fillRef idx="0"/>
+    <cs:effectRef idx="0"/>
+    <cs:fontRef idx="minor">
+      <a:schemeClr val="tx1"/>
+    </cs:fontRef>
+    <cs:spPr>
+      <a:ln w="9525">
+        <a:solidFill>
+          <a:schemeClr val="tx1">
+            <a:lumMod val="35000"/>
+            <a:lumOff val="65000"/>
+          </a:schemeClr>
+        </a:solidFill>
+      </a:ln>
+    </cs:spPr>
+  </cs:seriesLine>
+  <cs:title>
+    <cs:lnRef idx="0"/>
+    <cs:fillRef idx="0"/>
+    <cs:effectRef idx="0"/>
+    <cs:fontRef idx="minor">
+      <a:schemeClr val="tx1">
+        <a:lumMod val="50000"/>
+        <a:lumOff val="50000"/>
+      </a:schemeClr>
+    </cs:fontRef>
+    <cs:defRPr sz="1800" b="1" kern="1200" cap="all" spc="150" baseline="0"/>
+  </cs:title>
+  <cs:trendline>
+    <cs:lnRef idx="0">
+      <cs:styleClr val="auto"/>
+    </cs:lnRef>
+    <cs:fillRef idx="0"/>
+    <cs:effectRef idx="0"/>
+    <cs:fontRef idx="minor">
+      <a:schemeClr val="tx1"/>
+    </cs:fontRef>
+    <cs:spPr>
+      <a:ln w="12700" cap="rnd"/>
+    </cs:spPr>
+  </cs:trendline>
+  <cs:trendlineLabel>
+    <cs:lnRef idx="0"/>
+    <cs:fillRef idx="0"/>
+    <cs:effectRef idx="0"/>
+    <cs:fontRef idx="minor">
+      <a:schemeClr val="tx1">
+        <a:lumMod val="65000"/>
+        <a:lumOff val="35000"/>
+      </a:schemeClr>
+    </cs:fontRef>
+    <cs:defRPr sz="900" kern="1200"/>
+  </cs:trendlineLabel>
+  <cs:upBar>
+    <cs:lnRef idx="0"/>
+    <cs:fillRef idx="0"/>
+    <cs:effectRef idx="0"/>
+    <cs:fontRef idx="minor">
+      <a:schemeClr val="tx1"/>
+    </cs:fontRef>
+    <cs:spPr>
+      <a:solidFill>
+        <a:schemeClr val="lt1"/>
+      </a:solidFill>
+      <a:ln w="9525">
+        <a:solidFill>
+          <a:schemeClr val="tx1">
+            <a:lumMod val="65000"/>
+            <a:lumOff val="35000"/>
+          </a:schemeClr>
+        </a:solidFill>
+      </a:ln>
+    </cs:spPr>
+  </cs:upBar>
+  <cs:valueAxis>
+    <cs:lnRef idx="0"/>
+    <cs:fillRef idx="0"/>
+    <cs:effectRef idx="0"/>
+    <cs:fontRef idx="minor">
+      <a:schemeClr val="tx1">
+        <a:lumMod val="65000"/>
+        <a:lumOff val="35000"/>
+      </a:schemeClr>
+    </cs:fontRef>
+    <cs:spPr>
+      <a:ln w="3175" cap="flat" cmpd="sng" algn="ctr">
+        <a:solidFill>
+          <a:schemeClr val="tx1">
+            <a:lumMod val="15000"/>
+            <a:lumOff val="85000"/>
+          </a:schemeClr>
+        </a:solidFill>
+        <a:round/>
+        <a:tailEnd type="none" w="med" len="lg"/>
+      </a:ln>
+    </cs:spPr>
+    <cs:defRPr sz="900" kern="1200"/>
+  </cs:valueAxis>
+  <cs:wall>
+    <cs:lnRef idx="0"/>
+    <cs:fillRef idx="0"/>
+    <cs:effectRef idx="0"/>
+    <cs:fontRef idx="minor">
+      <a:schemeClr val="tx1"/>
+    </cs:fontRef>
+  </cs:wall>
+</cs:chartStyle>
+</file>
+
+<file path=ppt/charts/style2.xml><?xml version="1.0" encoding="utf-8"?>
+<cs:chartStyle xmlns:cs="http://schemas.microsoft.com/office/drawing/2012/chartStyle" xmlns:a="http://schemas.openxmlformats.org/drawingml/2006/main" id="201">
+  <cs:axisTitle>
+    <cs:lnRef idx="0"/>
+    <cs:fillRef idx="0"/>
+    <cs:effectRef idx="0"/>
+    <cs:fontRef idx="minor">
+      <a:schemeClr val="tx1">
+        <a:lumMod val="65000"/>
+        <a:lumOff val="35000"/>
+      </a:schemeClr>
+    </cs:fontRef>
+    <cs:defRPr sz="1000" kern="1200"/>
+  </cs:axisTitle>
+  <cs:categoryAxis>
+    <cs:lnRef idx="0"/>
+    <cs:fillRef idx="0"/>
+    <cs:effectRef idx="0"/>
+    <cs:fontRef idx="minor">
+      <a:schemeClr val="tx1">
+        <a:lumMod val="65000"/>
+        <a:lumOff val="35000"/>
+      </a:schemeClr>
+    </cs:fontRef>
+    <cs:spPr>
+      <a:ln w="9525" cap="flat" cmpd="sng" algn="ctr">
+        <a:solidFill>
+          <a:schemeClr val="tx1">
+            <a:lumMod val="15000"/>
+            <a:lumOff val="85000"/>
+          </a:schemeClr>
+        </a:solidFill>
+        <a:round/>
+      </a:ln>
+    </cs:spPr>
+    <cs:defRPr sz="900" kern="1200"/>
+  </cs:categoryAxis>
+  <cs:chartArea mods="allowNoFillOverride allowNoLineOverride">
+    <cs:lnRef idx="0"/>
+    <cs:fillRef idx="0"/>
+    <cs:effectRef idx="0"/>
+    <cs:fontRef idx="minor">
+      <a:schemeClr val="tx1"/>
+    </cs:fontRef>
+    <cs:spPr>
+      <a:solidFill>
+        <a:schemeClr val="bg1"/>
+      </a:solidFill>
+      <a:ln w="9525" cap="flat" cmpd="sng" algn="ctr">
+        <a:solidFill>
+          <a:schemeClr val="tx1">
+            <a:lumMod val="15000"/>
+            <a:lumOff val="85000"/>
+          </a:schemeClr>
+        </a:solidFill>
+        <a:round/>
+      </a:ln>
+    </cs:spPr>
+    <cs:defRPr sz="1000" kern="1200"/>
+  </cs:chartArea>
+  <cs:dataLabel>
+    <cs:lnRef idx="0"/>
+    <cs:fillRef idx="0"/>
+    <cs:effectRef idx="0"/>
+    <cs:fontRef idx="minor">
+      <a:schemeClr val="tx1">
+        <a:lumMod val="75000"/>
+        <a:lumOff val="25000"/>
+      </a:schemeClr>
+    </cs:fontRef>
+    <cs:defRPr sz="900" kern="1200"/>
+  </cs:dataLabel>
+  <cs:dataLabelCallout>
+    <cs:lnRef idx="0"/>
+    <cs:fillRef idx="0"/>
+    <cs:effectRef idx="0"/>
+    <cs:fontRef idx="minor">
+      <a:schemeClr val="dk1">
+        <a:lumMod val="65000"/>
+        <a:lumOff val="35000"/>
+      </a:schemeClr>
+    </cs:fontRef>
+    <cs:spPr>
+      <a:solidFill>
+        <a:schemeClr val="lt1"/>
+      </a:solidFill>
+      <a:ln>
+        <a:solidFill>
+          <a:schemeClr val="dk1">
+            <a:lumMod val="25000"/>
+            <a:lumOff val="75000"/>
+          </a:schemeClr>
+        </a:solidFill>
+      </a:ln>
+    </cs:spPr>
+    <cs:defRPr sz="900" kern="1200"/>
+    <cs:bodyPr rot="0" spcFirstLastPara="1" vertOverflow="clip" horzOverflow="clip" vert="horz" wrap="square" lIns="36576" tIns="18288" rIns="36576" bIns="18288" anchor="ctr" anchorCtr="1">
+      <a:spAutoFit/>
+    </cs:bodyPr>
+  </cs:dataLabelCallout>
+  <cs:dataPoint>
+    <cs:lnRef idx="0"/>
+    <cs:fillRef idx="1">
+      <cs:styleClr val="auto"/>
+    </cs:fillRef>
+    <cs:effectRef idx="0"/>
+    <cs:fontRef idx="minor">
+      <a:schemeClr val="tx1"/>
+    </cs:fontRef>
+  </cs:dataPoint>
+  <cs:dataPoint3D>
+    <cs:lnRef idx="0"/>
+    <cs:fillRef idx="1">
+      <cs:styleClr val="auto"/>
+    </cs:fillRef>
+    <cs:effectRef idx="0"/>
+    <cs:fontRef idx="minor">
+      <a:schemeClr val="tx1"/>
+    </cs:fontRef>
+  </cs:dataPoint3D>
+  <cs:dataPointLine>
+    <cs:lnRef idx="0">
+      <cs:styleClr val="auto"/>
+    </cs:lnRef>
+    <cs:fillRef idx="1"/>
+    <cs:effectRef idx="0"/>
+    <cs:fontRef idx="minor">
+      <a:schemeClr val="tx1"/>
+    </cs:fontRef>
+    <cs:spPr>
+      <a:ln w="28575" cap="rnd">
+        <a:solidFill>
+          <a:schemeClr val="phClr"/>
+        </a:solidFill>
+        <a:round/>
+      </a:ln>
+    </cs:spPr>
+  </cs:dataPointLine>
+  <cs:dataPointMarker>
+    <cs:lnRef idx="0">
+      <cs:styleClr val="auto"/>
+    </cs:lnRef>
+    <cs:fillRef idx="1">
+      <cs:styleClr val="auto"/>
+    </cs:fillRef>
+    <cs:effectRef idx="0"/>
+    <cs:fontRef idx="minor">
+      <a:schemeClr val="tx1"/>
+    </cs:fontRef>
+    <cs:spPr>
+      <a:ln w="9525">
+        <a:solidFill>
+          <a:schemeClr val="phClr"/>
+        </a:solidFill>
+      </a:ln>
+    </cs:spPr>
+  </cs:dataPointMarker>
+  <cs:dataPointMarkerLayout symbol="circle" size="5"/>
+  <cs:dataPointWireframe>
+    <cs:lnRef idx="0">
+      <cs:styleClr val="auto"/>
+    </cs:lnRef>
+    <cs:fillRef idx="1"/>
+    <cs:effectRef idx="0"/>
+    <cs:fontRef idx="minor">
+      <a:schemeClr val="tx1"/>
+    </cs:fontRef>
+    <cs:spPr>
+      <a:ln w="9525" cap="rnd">
+        <a:solidFill>
+          <a:schemeClr val="phClr"/>
+        </a:solidFill>
+        <a:round/>
+      </a:ln>
+    </cs:spPr>
+  </cs:dataPointWireframe>
+  <cs:dataTable>
+    <cs:lnRef idx="0"/>
+    <cs:fillRef idx="0"/>
+    <cs:effectRef idx="0"/>
+    <cs:fontRef idx="minor">
+      <a:schemeClr val="tx1">
+        <a:lumMod val="65000"/>
+        <a:lumOff val="35000"/>
+      </a:schemeClr>
+    </cs:fontRef>
+    <cs:spPr>
+      <a:noFill/>
+      <a:ln w="9525" cap="flat" cmpd="sng" algn="ctr">
+        <a:solidFill>
+          <a:schemeClr val="tx1">
+            <a:lumMod val="15000"/>
+            <a:lumOff val="85000"/>
+          </a:schemeClr>
+        </a:solidFill>
+        <a:round/>
+      </a:ln>
+    </cs:spPr>
+    <cs:defRPr sz="900" kern="1200"/>
+  </cs:dataTable>
+  <cs:downBar>
+    <cs:lnRef idx="0"/>
+    <cs:fillRef idx="0"/>
+    <cs:effectRef idx="0"/>
+    <cs:fontRef idx="minor">
+      <a:schemeClr val="dk1"/>
+    </cs:fontRef>
+    <cs:spPr>
+      <a:solidFill>
+        <a:schemeClr val="dk1">
+          <a:lumMod val="65000"/>
+          <a:lumOff val="35000"/>
+        </a:schemeClr>
+      </a:solidFill>
+      <a:ln w="9525">
+        <a:solidFill>
+          <a:schemeClr val="tx1">
+            <a:lumMod val="65000"/>
+            <a:lumOff val="35000"/>
+          </a:schemeClr>
+        </a:solidFill>
+      </a:ln>
+    </cs:spPr>
+  </cs:downBar>
+  <cs:dropLine>
+    <cs:lnRef idx="0"/>
+    <cs:fillRef idx="0"/>
+    <cs:effectRef idx="0"/>
+    <cs:fontRef idx="minor">
+      <a:schemeClr val="tx1"/>
+    </cs:fontRef>
+    <cs:spPr>
+      <a:ln w="9525" cap="flat" cmpd="sng" algn="ctr">
+        <a:solidFill>
+          <a:schemeClr val="tx1">
+            <a:lumMod val="35000"/>
+            <a:lumOff val="65000"/>
+          </a:schemeClr>
+        </a:solidFill>
+        <a:round/>
+      </a:ln>
+    </cs:spPr>
+  </cs:dropLine>
+  <cs:errorBar>
+    <cs:lnRef idx="0"/>
+    <cs:fillRef idx="0"/>
+    <cs:effectRef idx="0"/>
+    <cs:fontRef idx="minor">
+      <a:schemeClr val="tx1"/>
+    </cs:fontRef>
+    <cs:spPr>
+      <a:ln w="9525" cap="flat" cmpd="sng" algn="ctr">
+        <a:solidFill>
+          <a:schemeClr val="tx1">
+            <a:lumMod val="65000"/>
+            <a:lumOff val="35000"/>
+          </a:schemeClr>
+        </a:solidFill>
+        <a:round/>
+      </a:ln>
+    </cs:spPr>
+  </cs:errorBar>
+  <cs:floor>
+    <cs:lnRef idx="0"/>
+    <cs:fillRef idx="0"/>
+    <cs:effectRef idx="0"/>
+    <cs:fontRef idx="minor">
+      <a:schemeClr val="tx1"/>
+    </cs:fontRef>
+    <cs:spPr>
+      <a:noFill/>
+      <a:ln>
+        <a:noFill/>
+      </a:ln>
+    </cs:spPr>
+  </cs:floor>
+  <cs:gridlineMajor>
+    <cs:lnRef idx="0"/>
+    <cs:fillRef idx="0"/>
+    <cs:effectRef idx="0"/>
+    <cs:fontRef idx="minor">
+      <a:schemeClr val="tx1"/>
+    </cs:fontRef>
+    <cs:spPr>
+      <a:ln w="9525" cap="flat" cmpd="sng" algn="ctr">
+        <a:solidFill>
+          <a:schemeClr val="tx1">
+            <a:lumMod val="15000"/>
+            <a:lumOff val="85000"/>
+          </a:schemeClr>
+        </a:solidFill>
+        <a:round/>
+      </a:ln>
+    </cs:spPr>
+  </cs:gridlineMajor>
+  <cs:gridlineMinor>
+    <cs:lnRef idx="0"/>
+    <cs:fillRef idx="0"/>
+    <cs:effectRef idx="0"/>
+    <cs:fontRef idx="minor">
+      <a:schemeClr val="tx1"/>
+    </cs:fontRef>
+    <cs:spPr>
+      <a:ln w="9525" cap="flat" cmpd="sng" algn="ctr">
+        <a:solidFill>
+          <a:schemeClr val="tx1">
+            <a:lumMod val="5000"/>
+            <a:lumOff val="95000"/>
+          </a:schemeClr>
+        </a:solidFill>
+        <a:round/>
+      </a:ln>
+    </cs:spPr>
+  </cs:gridlineMinor>
+  <cs:hiLoLine>
+    <cs:lnRef idx="0"/>
+    <cs:fillRef idx="0"/>
+    <cs:effectRef idx="0"/>
+    <cs:fontRef idx="minor">
+      <a:schemeClr val="tx1"/>
+    </cs:fontRef>
+    <cs:spPr>
+      <a:ln w="9525" cap="flat" cmpd="sng" algn="ctr">
+        <a:solidFill>
+          <a:schemeClr val="tx1">
+            <a:lumMod val="75000"/>
+            <a:lumOff val="25000"/>
+          </a:schemeClr>
+        </a:solidFill>
+        <a:round/>
+      </a:ln>
+    </cs:spPr>
+  </cs:hiLoLine>
+  <cs:leaderLine>
+    <cs:lnRef idx="0"/>
+    <cs:fillRef idx="0"/>
+    <cs:effectRef idx="0"/>
+    <cs:fontRef idx="minor">
+      <a:schemeClr val="tx1"/>
+    </cs:fontRef>
+    <cs:spPr>
+      <a:ln w="9525" cap="flat" cmpd="sng" algn="ctr">
+        <a:solidFill>
+          <a:schemeClr val="tx1">
+            <a:lumMod val="35000"/>
+            <a:lumOff val="65000"/>
+          </a:schemeClr>
+        </a:solidFill>
+        <a:round/>
+      </a:ln>
+    </cs:spPr>
+  </cs:leaderLine>
+  <cs:legend>
+    <cs:lnRef idx="0"/>
+    <cs:fillRef idx="0"/>
+    <cs:effectRef idx="0"/>
+    <cs:fontRef idx="minor">
+      <a:schemeClr val="tx1">
+        <a:lumMod val="65000"/>
+        <a:lumOff val="35000"/>
+      </a:schemeClr>
+    </cs:fontRef>
+    <cs:defRPr sz="900" kern="1200"/>
+  </cs:legend>
+  <cs:plotArea mods="allowNoFillOverride allowNoLineOverride">
+    <cs:lnRef idx="0"/>
+    <cs:fillRef idx="0"/>
+    <cs:effectRef idx="0"/>
+    <cs:fontRef idx="minor">
+      <a:schemeClr val="tx1"/>
+    </cs:fontRef>
+  </cs:plotArea>
+  <cs:plotArea3D mods="allowNoFillOverride allowNoLineOverride">
+    <cs:lnRef idx="0"/>
+    <cs:fillRef idx="0"/>
+    <cs:effectRef idx="0"/>
+    <cs:fontRef idx="minor">
+      <a:schemeClr val="tx1"/>
+    </cs:fontRef>
+  </cs:plotArea3D>
+  <cs:seriesAxis>
+    <cs:lnRef idx="0"/>
+    <cs:fillRef idx="0"/>
+    <cs:effectRef idx="0"/>
+    <cs:fontRef idx="minor">
+      <a:schemeClr val="tx1">
+        <a:lumMod val="65000"/>
+        <a:lumOff val="35000"/>
+      </a:schemeClr>
+    </cs:fontRef>
+    <cs:defRPr sz="900" kern="1200"/>
+  </cs:seriesAxis>
+  <cs:seriesLine>
+    <cs:lnRef idx="0"/>
+    <cs:fillRef idx="0"/>
+    <cs:effectRef idx="0"/>
+    <cs:fontRef idx="minor">
+      <a:schemeClr val="tx1"/>
+    </cs:fontRef>
+    <cs:spPr>
+      <a:ln w="9525" cap="flat" cmpd="sng" algn="ctr">
+        <a:solidFill>
+          <a:schemeClr val="tx1">
+            <a:lumMod val="35000"/>
+            <a:lumOff val="65000"/>
+          </a:schemeClr>
+        </a:solidFill>
+        <a:round/>
+      </a:ln>
+    </cs:spPr>
+  </cs:seriesLine>
+  <cs:title>
+    <cs:lnRef idx="0"/>
+    <cs:fillRef idx="0"/>
+    <cs:effectRef idx="0"/>
+    <cs:fontRef idx="minor">
+      <a:schemeClr val="tx1">
+        <a:lumMod val="65000"/>
+        <a:lumOff val="35000"/>
+      </a:schemeClr>
+    </cs:fontRef>
+    <cs:defRPr sz="1400" b="0" kern="1200" spc="0" baseline="0"/>
+  </cs:title>
+  <cs:trendline>
+    <cs:lnRef idx="0">
+      <cs:styleClr val="auto"/>
+    </cs:lnRef>
+    <cs:fillRef idx="0"/>
+    <cs:effectRef idx="0"/>
+    <cs:fontRef idx="minor">
+      <a:schemeClr val="tx1"/>
+    </cs:fontRef>
+    <cs:spPr>
+      <a:ln w="19050" cap="rnd">
+        <a:solidFill>
+          <a:schemeClr val="phClr"/>
+        </a:solidFill>
+        <a:prstDash val="sysDot"/>
+      </a:ln>
+    </cs:spPr>
+  </cs:trendline>
+  <cs:trendlineLabel>
+    <cs:lnRef idx="0"/>
+    <cs:fillRef idx="0"/>
+    <cs:effectRef idx="0"/>
+    <cs:fontRef idx="minor">
+      <a:schemeClr val="tx1">
+        <a:lumMod val="65000"/>
+        <a:lumOff val="35000"/>
+      </a:schemeClr>
+    </cs:fontRef>
+    <cs:defRPr sz="900" kern="1200"/>
+  </cs:trendlineLabel>
+  <cs:upBar>
+    <cs:lnRef idx="0"/>
+    <cs:fillRef idx="0"/>
+    <cs:effectRef idx="0"/>
+    <cs:fontRef idx="minor">
+      <a:schemeClr val="dk1"/>
+    </cs:fontRef>
+    <cs:spPr>
+      <a:solidFill>
+        <a:schemeClr val="lt1"/>
+      </a:solidFill>
+      <a:ln w="9525">
+        <a:solidFill>
+          <a:schemeClr val="tx1">
+            <a:lumMod val="15000"/>
+            <a:lumOff val="85000"/>
+          </a:schemeClr>
+        </a:solidFill>
+      </a:ln>
+    </cs:spPr>
+  </cs:upBar>
+  <cs:valueAxis>
+    <cs:lnRef idx="0"/>
+    <cs:fillRef idx="0"/>
+    <cs:effectRef idx="0"/>
+    <cs:fontRef idx="minor">
+      <a:schemeClr val="tx1">
+        <a:lumMod val="65000"/>
+        <a:lumOff val="35000"/>
+      </a:schemeClr>
+    </cs:fontRef>
+    <cs:defRPr sz="900" kern="1200"/>
+  </cs:valueAxis>
+  <cs:wall>
+    <cs:lnRef idx="0"/>
+    <cs:fillRef idx="0"/>
+    <cs:effectRef idx="0"/>
+    <cs:fontRef idx="minor">
+      <a:schemeClr val="tx1"/>
+    </cs:fontRef>
+    <cs:spPr>
+      <a:noFill/>
+      <a:ln>
+        <a:noFill/>
+      </a:ln>
+    </cs:spPr>
+  </cs:wall>
+</cs:chartStyle>
+</file>
+
+<file path=ppt/charts/style3.xml><?xml version="1.0" encoding="utf-8"?>
+<cs:chartStyle xmlns:cs="http://schemas.microsoft.com/office/drawing/2012/chartStyle" xmlns:a="http://schemas.openxmlformats.org/drawingml/2006/main" id="201">
+  <cs:axisTitle>
+    <cs:lnRef idx="0"/>
+    <cs:fillRef idx="0"/>
+    <cs:effectRef idx="0"/>
+    <cs:fontRef idx="minor">
+      <a:schemeClr val="tx1">
+        <a:lumMod val="65000"/>
+        <a:lumOff val="35000"/>
+      </a:schemeClr>
+    </cs:fontRef>
+    <cs:defRPr sz="1330" kern="1200"/>
+  </cs:axisTitle>
+  <cs:categoryAxis>
+    <cs:lnRef idx="0"/>
+    <cs:fillRef idx="0"/>
+    <cs:effectRef idx="0"/>
+    <cs:fontRef idx="minor">
+      <a:schemeClr val="tx1">
+        <a:lumMod val="65000"/>
+        <a:lumOff val="35000"/>
+      </a:schemeClr>
+    </cs:fontRef>
+    <cs:spPr>
+      <a:ln w="9525" cap="flat" cmpd="sng" algn="ctr">
+        <a:solidFill>
+          <a:schemeClr val="tx1">
+            <a:lumMod val="15000"/>
+            <a:lumOff val="85000"/>
+          </a:schemeClr>
+        </a:solidFill>
+        <a:round/>
+      </a:ln>
+    </cs:spPr>
+    <cs:defRPr sz="1197" kern="1200"/>
+  </cs:categoryAxis>
+  <cs:chartArea mods="allowNoFillOverride allowNoLineOverride">
+    <cs:lnRef idx="0"/>
+    <cs:fillRef idx="0"/>
+    <cs:effectRef idx="0"/>
+    <cs:fontRef idx="minor">
+      <a:schemeClr val="tx1"/>
+    </cs:fontRef>
+    <cs:spPr>
+      <a:solidFill>
+        <a:schemeClr val="bg1"/>
+      </a:solidFill>
+      <a:ln w="9525" cap="flat" cmpd="sng" algn="ctr">
+        <a:solidFill>
+          <a:schemeClr val="tx1">
+            <a:lumMod val="15000"/>
+            <a:lumOff val="85000"/>
+          </a:schemeClr>
+        </a:solidFill>
+        <a:round/>
+      </a:ln>
+    </cs:spPr>
+    <cs:defRPr sz="1330" kern="1200"/>
+  </cs:chartArea>
+  <cs:dataLabel>
+    <cs:lnRef idx="0"/>
+    <cs:fillRef idx="0"/>
+    <cs:effectRef idx="0"/>
+    <cs:fontRef idx="minor">
+      <a:schemeClr val="tx1">
+        <a:lumMod val="75000"/>
+        <a:lumOff val="25000"/>
+      </a:schemeClr>
+    </cs:fontRef>
+    <cs:defRPr sz="1197" kern="1200"/>
+  </cs:dataLabel>
+  <cs:dataLabelCallout>
+    <cs:lnRef idx="0"/>
+    <cs:fillRef idx="0"/>
+    <cs:effectRef idx="0"/>
+    <cs:fontRef idx="minor">
+      <a:schemeClr val="dk1">
+        <a:lumMod val="65000"/>
+        <a:lumOff val="35000"/>
+      </a:schemeClr>
+    </cs:fontRef>
+    <cs:spPr>
+      <a:solidFill>
+        <a:schemeClr val="lt1"/>
+      </a:solidFill>
+      <a:ln>
+        <a:solidFill>
+          <a:schemeClr val="dk1">
+            <a:lumMod val="25000"/>
+            <a:lumOff val="75000"/>
+          </a:schemeClr>
+        </a:solidFill>
+      </a:ln>
+    </cs:spPr>
+    <cs:defRPr sz="1197" kern="1200"/>
+    <cs:bodyPr rot="0" spcFirstLastPara="1" vertOverflow="clip" horzOverflow="clip" vert="horz" wrap="square" lIns="36576" tIns="18288" rIns="36576" bIns="18288" anchor="ctr" anchorCtr="1">
+      <a:spAutoFit/>
+    </cs:bodyPr>
+  </cs:dataLabelCallout>
+  <cs:dataPoint>
+    <cs:lnRef idx="0"/>
+    <cs:fillRef idx="1">
+      <cs:styleClr val="auto"/>
+    </cs:fillRef>
+    <cs:effectRef idx="0"/>
+    <cs:fontRef idx="minor">
+      <a:schemeClr val="tx1"/>
+    </cs:fontRef>
+  </cs:dataPoint>
+  <cs:dataPoint3D>
+    <cs:lnRef idx="0"/>
+    <cs:fillRef idx="1">
+      <cs:styleClr val="auto"/>
+    </cs:fillRef>
+    <cs:effectRef idx="0"/>
+    <cs:fontRef idx="minor">
+      <a:schemeClr val="tx1"/>
+    </cs:fontRef>
+  </cs:dataPoint3D>
+  <cs:dataPointLine>
+    <cs:lnRef idx="0">
+      <cs:styleClr val="auto"/>
+    </cs:lnRef>
+    <cs:fillRef idx="1"/>
+    <cs:effectRef idx="0"/>
+    <cs:fontRef idx="minor">
+      <a:schemeClr val="tx1"/>
+    </cs:fontRef>
+    <cs:spPr>
+      <a:ln w="28575" cap="rnd">
+        <a:solidFill>
+          <a:schemeClr val="phClr"/>
+        </a:solidFill>
+        <a:round/>
+      </a:ln>
+    </cs:spPr>
+  </cs:dataPointLine>
+  <cs:dataPointMarker>
+    <cs:lnRef idx="0">
+      <cs:styleClr val="auto"/>
+    </cs:lnRef>
+    <cs:fillRef idx="1">
+      <cs:styleClr val="auto"/>
+    </cs:fillRef>
+    <cs:effectRef idx="0"/>
+    <cs:fontRef idx="minor">
+      <a:schemeClr val="tx1"/>
+    </cs:fontRef>
+    <cs:spPr>
+      <a:ln w="9525">
+        <a:solidFill>
+          <a:schemeClr val="phClr"/>
+        </a:solidFill>
+      </a:ln>
+    </cs:spPr>
+  </cs:dataPointMarker>
+  <cs:dataPointMarkerLayout symbol="circle" size="5"/>
+  <cs:dataPointWireframe>
+    <cs:lnRef idx="0">
+      <cs:styleClr val="auto"/>
+    </cs:lnRef>
+    <cs:fillRef idx="1"/>
+    <cs:effectRef idx="0"/>
+    <cs:fontRef idx="minor">
+      <a:schemeClr val="tx1"/>
+    </cs:fontRef>
+    <cs:spPr>
+      <a:ln w="9525" cap="rnd">
+        <a:solidFill>
+          <a:schemeClr val="phClr"/>
+        </a:solidFill>
+        <a:round/>
+      </a:ln>
+    </cs:spPr>
+  </cs:dataPointWireframe>
+  <cs:dataTable>
+    <cs:lnRef idx="0"/>
+    <cs:fillRef idx="0"/>
+    <cs:effectRef idx="0"/>
+    <cs:fontRef idx="minor">
+      <a:schemeClr val="tx1">
+        <a:lumMod val="65000"/>
+        <a:lumOff val="35000"/>
+      </a:schemeClr>
+    </cs:fontRef>
+    <cs:spPr>
+      <a:noFill/>
+      <a:ln w="9525" cap="flat" cmpd="sng" algn="ctr">
+        <a:solidFill>
+          <a:schemeClr val="tx1">
+            <a:lumMod val="15000"/>
+            <a:lumOff val="85000"/>
+          </a:schemeClr>
+        </a:solidFill>
+        <a:round/>
+      </a:ln>
+    </cs:spPr>
+    <cs:defRPr sz="1197" kern="1200"/>
+  </cs:dataTable>
+  <cs:downBar>
+    <cs:lnRef idx="0"/>
+    <cs:fillRef idx="0"/>
+    <cs:effectRef idx="0"/>
+    <cs:fontRef idx="minor">
+      <a:schemeClr val="dk1"/>
+    </cs:fontRef>
+    <cs:spPr>
+      <a:solidFill>
+        <a:schemeClr val="dk1">
+          <a:lumMod val="65000"/>
+          <a:lumOff val="35000"/>
+        </a:schemeClr>
+      </a:solidFill>
+      <a:ln w="9525">
+        <a:solidFill>
+          <a:schemeClr val="tx1">
+            <a:lumMod val="65000"/>
+            <a:lumOff val="35000"/>
+          </a:schemeClr>
+        </a:solidFill>
+      </a:ln>
+    </cs:spPr>
+  </cs:downBar>
+  <cs:dropLine>
+    <cs:lnRef idx="0"/>
+    <cs:fillRef idx="0"/>
+    <cs:effectRef idx="0"/>
+    <cs:fontRef idx="minor">
+      <a:schemeClr val="tx1"/>
+    </cs:fontRef>
+    <cs:spPr>
+      <a:ln w="9525" cap="flat" cmpd="sng" algn="ctr">
+        <a:solidFill>
+          <a:schemeClr val="tx1">
+            <a:lumMod val="35000"/>
+            <a:lumOff val="65000"/>
+          </a:schemeClr>
+        </a:solidFill>
+        <a:round/>
+      </a:ln>
+    </cs:spPr>
+  </cs:dropLine>
+  <cs:errorBar>
+    <cs:lnRef idx="0"/>
+    <cs:fillRef idx="0"/>
+    <cs:effectRef idx="0"/>
+    <cs:fontRef idx="minor">
+      <a:schemeClr val="tx1"/>
+    </cs:fontRef>
+    <cs:spPr>
+      <a:ln w="9525" cap="flat" cmpd="sng" algn="ctr">
+        <a:solidFill>
+          <a:schemeClr val="tx1">
+            <a:lumMod val="65000"/>
+            <a:lumOff val="35000"/>
+          </a:schemeClr>
+        </a:solidFill>
+        <a:round/>
+      </a:ln>
+    </cs:spPr>
+  </cs:errorBar>
+  <cs:floor>
+    <cs:lnRef idx="0"/>
+    <cs:fillRef idx="0"/>
+    <cs:effectRef idx="0"/>
+    <cs:fontRef idx="minor">
+      <a:schemeClr val="tx1"/>
+    </cs:fontRef>
+    <cs:spPr>
+      <a:noFill/>
+      <a:ln>
+        <a:noFill/>
+      </a:ln>
+    </cs:spPr>
+  </cs:floor>
+  <cs:gridlineMajor>
+    <cs:lnRef idx="0"/>
+    <cs:fillRef idx="0"/>
+    <cs:effectRef idx="0"/>
+    <cs:fontRef idx="minor">
+      <a:schemeClr val="tx1"/>
+    </cs:fontRef>
+    <cs:spPr>
+      <a:ln w="9525" cap="flat" cmpd="sng" algn="ctr">
+        <a:solidFill>
+          <a:schemeClr val="tx1">
+            <a:lumMod val="15000"/>
+            <a:lumOff val="85000"/>
+          </a:schemeClr>
+        </a:solidFill>
+        <a:round/>
+      </a:ln>
+    </cs:spPr>
+  </cs:gridlineMajor>
+  <cs:gridlineMinor>
+    <cs:lnRef idx="0"/>
+    <cs:fillRef idx="0"/>
+    <cs:effectRef idx="0"/>
+    <cs:fontRef idx="minor">
+      <a:schemeClr val="tx1"/>
+    </cs:fontRef>
+    <cs:spPr>
+      <a:ln w="9525" cap="flat" cmpd="sng" algn="ctr">
+        <a:solidFill>
+          <a:schemeClr val="tx1">
+            <a:lumMod val="5000"/>
+            <a:lumOff val="95000"/>
+          </a:schemeClr>
+        </a:solidFill>
+        <a:round/>
+      </a:ln>
+    </cs:spPr>
+  </cs:gridlineMinor>
+  <cs:hiLoLine>
+    <cs:lnRef idx="0"/>
+    <cs:fillRef idx="0"/>
+    <cs:effectRef idx="0"/>
+    <cs:fontRef idx="minor">
+      <a:schemeClr val="tx1"/>
+    </cs:fontRef>
+    <cs:spPr>
+      <a:ln w="9525" cap="flat" cmpd="sng" algn="ctr">
+        <a:solidFill>
+          <a:schemeClr val="tx1">
+            <a:lumMod val="75000"/>
+            <a:lumOff val="25000"/>
+          </a:schemeClr>
+        </a:solidFill>
+        <a:round/>
+      </a:ln>
+    </cs:spPr>
+  </cs:hiLoLine>
+  <cs:leaderLine>
+    <cs:lnRef idx="0"/>
+    <cs:fillRef idx="0"/>
+    <cs:effectRef idx="0"/>
+    <cs:fontRef idx="minor">
+      <a:schemeClr val="tx1"/>
+    </cs:fontRef>
+    <cs:spPr>
+      <a:ln w="9525" cap="flat" cmpd="sng" algn="ctr">
+        <a:solidFill>
+          <a:schemeClr val="tx1">
+            <a:lumMod val="35000"/>
+            <a:lumOff val="65000"/>
+          </a:schemeClr>
+        </a:solidFill>
+        <a:round/>
+      </a:ln>
+    </cs:spPr>
+  </cs:leaderLine>
+  <cs:legend>
+    <cs:lnRef idx="0"/>
+    <cs:fillRef idx="0"/>
+    <cs:effectRef idx="0"/>
+    <cs:fontRef idx="minor">
+      <a:schemeClr val="tx1">
+        <a:lumMod val="65000"/>
+        <a:lumOff val="35000"/>
+      </a:schemeClr>
+    </cs:fontRef>
+    <cs:defRPr sz="1197" kern="1200"/>
+  </cs:legend>
+  <cs:plotArea mods="allowNoFillOverride allowNoLineOverride">
+    <cs:lnRef idx="0"/>
+    <cs:fillRef idx="0"/>
+    <cs:effectRef idx="0"/>
+    <cs:fontRef idx="minor">
+      <a:schemeClr val="tx1"/>
+    </cs:fontRef>
+  </cs:plotArea>
+  <cs:plotArea3D mods="allowNoFillOverride allowNoLineOverride">
+    <cs:lnRef idx="0"/>
+    <cs:fillRef idx="0"/>
+    <cs:effectRef idx="0"/>
+    <cs:fontRef idx="minor">
+      <a:schemeClr val="tx1"/>
+    </cs:fontRef>
+  </cs:plotArea3D>
+  <cs:seriesAxis>
+    <cs:lnRef idx="0"/>
+    <cs:fillRef idx="0"/>
+    <cs:effectRef idx="0"/>
+    <cs:fontRef idx="minor">
+      <a:schemeClr val="tx1">
+        <a:lumMod val="65000"/>
+        <a:lumOff val="35000"/>
+      </a:schemeClr>
+    </cs:fontRef>
+    <cs:defRPr sz="1197" kern="1200"/>
+  </cs:seriesAxis>
+  <cs:seriesLine>
+    <cs:lnRef idx="0"/>
+    <cs:fillRef idx="0"/>
+    <cs:effectRef idx="0"/>
+    <cs:fontRef idx="minor">
+      <a:schemeClr val="tx1"/>
+    </cs:fontRef>
+    <cs:spPr>
+      <a:ln w="9525" cap="flat" cmpd="sng" algn="ctr">
+        <a:solidFill>
+          <a:schemeClr val="tx1">
+            <a:lumMod val="35000"/>
+            <a:lumOff val="65000"/>
+          </a:schemeClr>
+        </a:solidFill>
+        <a:round/>
+      </a:ln>
+    </cs:spPr>
+  </cs:seriesLine>
+  <cs:title>
+    <cs:lnRef idx="0"/>
+    <cs:fillRef idx="0"/>
+    <cs:effectRef idx="0"/>
+    <cs:fontRef idx="minor">
+      <a:schemeClr val="tx1">
+        <a:lumMod val="65000"/>
+        <a:lumOff val="35000"/>
+      </a:schemeClr>
+    </cs:fontRef>
+    <cs:defRPr sz="1862" b="0" kern="1200" spc="0" baseline="0"/>
+  </cs:title>
+  <cs:trendline>
+    <cs:lnRef idx="0">
+      <cs:styleClr val="auto"/>
+    </cs:lnRef>
+    <cs:fillRef idx="0"/>
+    <cs:effectRef idx="0"/>
+    <cs:fontRef idx="minor">
+      <a:schemeClr val="tx1"/>
+    </cs:fontRef>
+    <cs:spPr>
+      <a:ln w="19050" cap="rnd">
+        <a:solidFill>
+          <a:schemeClr val="phClr"/>
+        </a:solidFill>
+        <a:prstDash val="sysDot"/>
+      </a:ln>
+    </cs:spPr>
+  </cs:trendline>
+  <cs:trendlineLabel>
+    <cs:lnRef idx="0"/>
+    <cs:fillRef idx="0"/>
+    <cs:effectRef idx="0"/>
+    <cs:fontRef idx="minor">
+      <a:schemeClr val="tx1">
+        <a:lumMod val="65000"/>
+        <a:lumOff val="35000"/>
+      </a:schemeClr>
+    </cs:fontRef>
+    <cs:defRPr sz="1197" kern="1200"/>
+  </cs:trendlineLabel>
+  <cs:upBar>
+    <cs:lnRef idx="0"/>
+    <cs:fillRef idx="0"/>
+    <cs:effectRef idx="0"/>
+    <cs:fontRef idx="minor">
+      <a:schemeClr val="dk1"/>
+    </cs:fontRef>
+    <cs:spPr>
+      <a:solidFill>
+        <a:schemeClr val="lt1"/>
+      </a:solidFill>
+      <a:ln w="9525">
+        <a:solidFill>
+          <a:schemeClr val="tx1">
+            <a:lumMod val="15000"/>
+            <a:lumOff val="85000"/>
+          </a:schemeClr>
+        </a:solidFill>
+      </a:ln>
+    </cs:spPr>
+  </cs:upBar>
+  <cs:valueAxis>
+    <cs:lnRef idx="0"/>
+    <cs:fillRef idx="0"/>
+    <cs:effectRef idx="0"/>
+    <cs:fontRef idx="minor">
+      <a:schemeClr val="tx1">
+        <a:lumMod val="65000"/>
+        <a:lumOff val="35000"/>
+      </a:schemeClr>
+    </cs:fontRef>
+    <cs:defRPr sz="1197" kern="1200"/>
+  </cs:valueAxis>
+  <cs:wall>
+    <cs:lnRef idx="0"/>
+    <cs:fillRef idx="0"/>
+    <cs:effectRef idx="0"/>
+    <cs:fontRef idx="minor">
+      <a:schemeClr val="tx1"/>
+    </cs:fontRef>
+    <cs:spPr>
+      <a:noFill/>
+      <a:ln>
+        <a:noFill/>
+      </a:ln>
+    </cs:spPr>
+  </cs:wall>
+</cs:chartStyle>
 </file>
 
 <file path=ppt/slideLayouts/slideLayout1.xml><?xml version="1.0" encoding="utf-8"?>
@@ -5137,6 +11924,268 @@
 </p:sld>
 </file>
 
+<file path=ppt/slides/slide5.xml><?xml version="1.0" encoding="utf-8"?>
+<p:sld xmlns:a="http://schemas.openxmlformats.org/drawingml/2006/main" xmlns:r="http://schemas.openxmlformats.org/officeDocument/2006/relationships" xmlns:p="http://schemas.openxmlformats.org/presentationml/2006/main">
+  <p:cSld>
+    <p:spTree>
+      <p:nvGrpSpPr>
+        <p:cNvPr id="1" name=""/>
+        <p:cNvGrpSpPr/>
+        <p:nvPr/>
+      </p:nvGrpSpPr>
+      <p:grpSpPr>
+        <a:xfrm>
+          <a:off x="0" y="0"/>
+          <a:ext cx="0" cy="0"/>
+          <a:chOff x="0" y="0"/>
+          <a:chExt cx="0" cy="0"/>
+        </a:xfrm>
+      </p:grpSpPr>
+    </p:spTree>
+    <p:extLst>
+      <p:ext uri="{BB962C8B-B14F-4D97-AF65-F5344CB8AC3E}">
+        <p14:creationId xmlns:p14="http://schemas.microsoft.com/office/powerpoint/2010/main" val="3664415554"/>
+      </p:ext>
+    </p:extLst>
+  </p:cSld>
+  <p:clrMapOvr>
+    <a:masterClrMapping/>
+  </p:clrMapOvr>
+</p:sld>
+</file>
+
+<file path=ppt/slides/slide6.xml><?xml version="1.0" encoding="utf-8"?>
+<p:sld xmlns:a="http://schemas.openxmlformats.org/drawingml/2006/main" xmlns:r="http://schemas.openxmlformats.org/officeDocument/2006/relationships" xmlns:p="http://schemas.openxmlformats.org/presentationml/2006/main">
+  <p:cSld>
+    <p:spTree>
+      <p:nvGrpSpPr>
+        <p:cNvPr id="1" name=""/>
+        <p:cNvGrpSpPr/>
+        <p:nvPr/>
+      </p:nvGrpSpPr>
+      <p:grpSpPr>
+        <a:xfrm>
+          <a:off x="0" y="0"/>
+          <a:ext cx="0" cy="0"/>
+          <a:chOff x="0" y="0"/>
+          <a:chExt cx="0" cy="0"/>
+        </a:xfrm>
+      </p:grpSpPr>
+      <p:graphicFrame>
+        <p:nvGraphicFramePr>
+          <p:cNvPr id="2" name="Chart 1">
+            <a:extLst>
+              <a:ext uri="{FF2B5EF4-FFF2-40B4-BE49-F238E27FC236}">
+                <a16:creationId xmlns:a16="http://schemas.microsoft.com/office/drawing/2014/main" id="{A0AEC762-46ED-234C-91C1-F6C877471E48}"/>
+              </a:ext>
+            </a:extLst>
+          </p:cNvPr>
+          <p:cNvGraphicFramePr>
+            <a:graphicFrameLocks/>
+          </p:cNvGraphicFramePr>
+          <p:nvPr/>
+        </p:nvGraphicFramePr>
+        <p:xfrm>
+          <a:off x="1095269" y="291402"/>
+          <a:ext cx="9781377" cy="6271984"/>
+        </p:xfrm>
+        <a:graphic>
+          <a:graphicData uri="http://schemas.openxmlformats.org/drawingml/2006/chart">
+            <c:chart xmlns:c="http://schemas.openxmlformats.org/drawingml/2006/chart" xmlns:r="http://schemas.openxmlformats.org/officeDocument/2006/relationships" r:id="rId2"/>
+          </a:graphicData>
+        </a:graphic>
+      </p:graphicFrame>
+      <p:sp>
+        <p:nvSpPr>
+          <p:cNvPr id="3" name="TextBox 2">
+            <a:extLst>
+              <a:ext uri="{FF2B5EF4-FFF2-40B4-BE49-F238E27FC236}">
+                <a16:creationId xmlns:a16="http://schemas.microsoft.com/office/drawing/2014/main" id="{ECF02F74-D542-4642-BEF2-A09FE8227B77}"/>
+              </a:ext>
+            </a:extLst>
+          </p:cNvPr>
+          <p:cNvSpPr txBox="1"/>
+          <p:nvPr/>
+        </p:nvSpPr>
+        <p:spPr>
+          <a:xfrm>
+            <a:off x="4528457" y="6194054"/>
+            <a:ext cx="3135085" cy="369332"/>
+          </a:xfrm>
+          <a:prstGeom prst="rect">
+            <a:avLst/>
+          </a:prstGeom>
+          <a:noFill/>
+        </p:spPr>
+        <p:txBody>
+          <a:bodyPr wrap="square" rtlCol="0">
+            <a:spAutoFit/>
+          </a:bodyPr>
+          <a:lstStyle/>
+          <a:p>
+            <a:r>
+              <a:rPr lang="en-US" dirty="0"/>
+              <a:t>Historical Exit Trends</a:t>
+            </a:r>
+          </a:p>
+        </p:txBody>
+      </p:sp>
+    </p:spTree>
+    <p:extLst>
+      <p:ext uri="{BB962C8B-B14F-4D97-AF65-F5344CB8AC3E}">
+        <p14:creationId xmlns:p14="http://schemas.microsoft.com/office/powerpoint/2010/main" val="634339871"/>
+      </p:ext>
+    </p:extLst>
+  </p:cSld>
+  <p:clrMapOvr>
+    <a:masterClrMapping/>
+  </p:clrMapOvr>
+</p:sld>
+</file>
+
+<file path=ppt/slides/slide7.xml><?xml version="1.0" encoding="utf-8"?>
+<p:sld xmlns:a="http://schemas.openxmlformats.org/drawingml/2006/main" xmlns:r="http://schemas.openxmlformats.org/officeDocument/2006/relationships" xmlns:p="http://schemas.openxmlformats.org/presentationml/2006/main">
+  <p:cSld>
+    <p:spTree>
+      <p:nvGrpSpPr>
+        <p:cNvPr id="1" name=""/>
+        <p:cNvGrpSpPr/>
+        <p:nvPr/>
+      </p:nvGrpSpPr>
+      <p:grpSpPr>
+        <a:xfrm>
+          <a:off x="0" y="0"/>
+          <a:ext cx="0" cy="0"/>
+          <a:chOff x="0" y="0"/>
+          <a:chExt cx="0" cy="0"/>
+        </a:xfrm>
+      </p:grpSpPr>
+      <p:graphicFrame>
+        <p:nvGraphicFramePr>
+          <p:cNvPr id="2" name="Chart 1">
+            <a:extLst>
+              <a:ext uri="{FF2B5EF4-FFF2-40B4-BE49-F238E27FC236}">
+                <a16:creationId xmlns:a16="http://schemas.microsoft.com/office/drawing/2014/main" id="{9249F1F7-B52B-9746-8D8F-B02EBFCC6694}"/>
+              </a:ext>
+            </a:extLst>
+          </p:cNvPr>
+          <p:cNvGraphicFramePr>
+            <a:graphicFrameLocks/>
+          </p:cNvGraphicFramePr>
+          <p:nvPr/>
+        </p:nvGraphicFramePr>
+        <p:xfrm>
+          <a:off x="1192696" y="834887"/>
+          <a:ext cx="9742004" cy="5115339"/>
+        </p:xfrm>
+        <a:graphic>
+          <a:graphicData uri="http://schemas.openxmlformats.org/drawingml/2006/chart">
+            <c:chart xmlns:c="http://schemas.openxmlformats.org/drawingml/2006/chart" xmlns:r="http://schemas.openxmlformats.org/officeDocument/2006/relationships" r:id="rId2"/>
+          </a:graphicData>
+        </a:graphic>
+      </p:graphicFrame>
+    </p:spTree>
+    <p:extLst>
+      <p:ext uri="{BB962C8B-B14F-4D97-AF65-F5344CB8AC3E}">
+        <p14:creationId xmlns:p14="http://schemas.microsoft.com/office/powerpoint/2010/main" val="2827994130"/>
+      </p:ext>
+    </p:extLst>
+  </p:cSld>
+  <p:clrMapOvr>
+    <a:masterClrMapping/>
+  </p:clrMapOvr>
+</p:sld>
+</file>
+
+<file path=ppt/slides/slide8.xml><?xml version="1.0" encoding="utf-8"?>
+<p:sld xmlns:a="http://schemas.openxmlformats.org/drawingml/2006/main" xmlns:r="http://schemas.openxmlformats.org/officeDocument/2006/relationships" xmlns:p="http://schemas.openxmlformats.org/presentationml/2006/main">
+  <p:cSld>
+    <p:spTree>
+      <p:nvGrpSpPr>
+        <p:cNvPr id="1" name=""/>
+        <p:cNvGrpSpPr/>
+        <p:nvPr/>
+      </p:nvGrpSpPr>
+      <p:grpSpPr>
+        <a:xfrm>
+          <a:off x="0" y="0"/>
+          <a:ext cx="0" cy="0"/>
+          <a:chOff x="0" y="0"/>
+          <a:chExt cx="0" cy="0"/>
+        </a:xfrm>
+      </p:grpSpPr>
+      <p:graphicFrame>
+        <p:nvGraphicFramePr>
+          <p:cNvPr id="2" name="Chart 1">
+            <a:extLst>
+              <a:ext uri="{FF2B5EF4-FFF2-40B4-BE49-F238E27FC236}">
+                <a16:creationId xmlns:a16="http://schemas.microsoft.com/office/drawing/2014/main" id="{D2C097B3-7A24-0F41-B201-2AD785A6F6D0}"/>
+              </a:ext>
+            </a:extLst>
+          </p:cNvPr>
+          <p:cNvGraphicFramePr>
+            <a:graphicFrameLocks/>
+          </p:cNvGraphicFramePr>
+          <p:nvPr/>
+        </p:nvGraphicFramePr>
+        <p:xfrm>
+          <a:off x="1242501" y="1115367"/>
+          <a:ext cx="9115160" cy="5285433"/>
+        </p:xfrm>
+        <a:graphic>
+          <a:graphicData uri="http://schemas.openxmlformats.org/drawingml/2006/chart">
+            <c:chart xmlns:c="http://schemas.openxmlformats.org/drawingml/2006/chart" xmlns:r="http://schemas.openxmlformats.org/officeDocument/2006/relationships" r:id="rId2"/>
+          </a:graphicData>
+        </a:graphic>
+      </p:graphicFrame>
+      <p:sp>
+        <p:nvSpPr>
+          <p:cNvPr id="3" name="TextBox 2">
+            <a:extLst>
+              <a:ext uri="{FF2B5EF4-FFF2-40B4-BE49-F238E27FC236}">
+                <a16:creationId xmlns:a16="http://schemas.microsoft.com/office/drawing/2014/main" id="{51C309FB-2120-C642-8F9F-B3148A0373C6}"/>
+              </a:ext>
+            </a:extLst>
+          </p:cNvPr>
+          <p:cNvSpPr txBox="1"/>
+          <p:nvPr/>
+        </p:nvSpPr>
+        <p:spPr>
+          <a:xfrm>
+            <a:off x="4421275" y="457200"/>
+            <a:ext cx="2454518" cy="369332"/>
+          </a:xfrm>
+          <a:prstGeom prst="rect">
+            <a:avLst/>
+          </a:prstGeom>
+          <a:noFill/>
+        </p:spPr>
+        <p:txBody>
+          <a:bodyPr wrap="none" rtlCol="0">
+            <a:spAutoFit/>
+          </a:bodyPr>
+          <a:lstStyle/>
+          <a:p>
+            <a:r>
+              <a:rPr lang="en-US" dirty="0"/>
+              <a:t>Overall count by State</a:t>
+            </a:r>
+          </a:p>
+        </p:txBody>
+      </p:sp>
+    </p:spTree>
+    <p:extLst>
+      <p:ext uri="{BB962C8B-B14F-4D97-AF65-F5344CB8AC3E}">
+        <p14:creationId xmlns:p14="http://schemas.microsoft.com/office/powerpoint/2010/main" val="418170765"/>
+      </p:ext>
+    </p:extLst>
+  </p:cSld>
+  <p:clrMapOvr>
+    <a:masterClrMapping/>
+  </p:clrMapOvr>
+</p:sld>
+</file>
+
 <file path=ppt/theme/theme1.xml><?xml version="1.0" encoding="utf-8"?>
 <a:theme xmlns:a="http://schemas.openxmlformats.org/drawingml/2006/main" name="Madison">
   <a:themeElements>
